--- a/1_docker-fundamentals/otherfiles/presentation/Docker-Fundamentals-v1.pptx
+++ b/1_docker-fundamentals/otherfiles/presentation/Docker-Fundamentals-v1.pptx
@@ -2,7 +2,7 @@
 <file path=ppt/presentation.xml><?xml version="1.0" encoding="utf-8"?>
 <p:presentation xmlns:a="http://schemas.openxmlformats.org/drawingml/2006/main" xmlns:r="http://schemas.openxmlformats.org/officeDocument/2006/relationships" xmlns:p="http://schemas.openxmlformats.org/presentationml/2006/main" saveSubsetFonts="1">
   <p:sldMasterIdLst>
-    <p:sldMasterId id="2147483648" r:id="rId4"/>
+    <p:sldMasterId id="2147483687" r:id="rId4"/>
   </p:sldMasterIdLst>
   <p:notesMasterIdLst>
     <p:notesMasterId r:id="rId16"/>
@@ -26,8 +26,8 @@
     <a:defPPr>
       <a:defRPr lang="en-US"/>
     </a:defPPr>
-    <a:lvl1pPr marL="0" algn="l" defTabSz="1097280" rtl="0" eaLnBrk="1" latinLnBrk="0" hangingPunct="1">
-      <a:defRPr sz="2200" kern="1200">
+    <a:lvl1pPr marL="0" algn="l" defTabSz="457200" rtl="0" eaLnBrk="1" latinLnBrk="0" hangingPunct="1">
+      <a:defRPr sz="1800" kern="1200">
         <a:solidFill>
           <a:schemeClr val="tx1"/>
         </a:solidFill>
@@ -36,8 +36,8 @@
         <a:cs typeface="+mn-cs"/>
       </a:defRPr>
     </a:lvl1pPr>
-    <a:lvl2pPr marL="548640" algn="l" defTabSz="1097280" rtl="0" eaLnBrk="1" latinLnBrk="0" hangingPunct="1">
-      <a:defRPr sz="2200" kern="1200">
+    <a:lvl2pPr marL="457200" algn="l" defTabSz="457200" rtl="0" eaLnBrk="1" latinLnBrk="0" hangingPunct="1">
+      <a:defRPr sz="1800" kern="1200">
         <a:solidFill>
           <a:schemeClr val="tx1"/>
         </a:solidFill>
@@ -46,8 +46,8 @@
         <a:cs typeface="+mn-cs"/>
       </a:defRPr>
     </a:lvl2pPr>
-    <a:lvl3pPr marL="1097280" algn="l" defTabSz="1097280" rtl="0" eaLnBrk="1" latinLnBrk="0" hangingPunct="1">
-      <a:defRPr sz="2200" kern="1200">
+    <a:lvl3pPr marL="914400" algn="l" defTabSz="457200" rtl="0" eaLnBrk="1" latinLnBrk="0" hangingPunct="1">
+      <a:defRPr sz="1800" kern="1200">
         <a:solidFill>
           <a:schemeClr val="tx1"/>
         </a:solidFill>
@@ -56,8 +56,8 @@
         <a:cs typeface="+mn-cs"/>
       </a:defRPr>
     </a:lvl3pPr>
-    <a:lvl4pPr marL="1645920" algn="l" defTabSz="1097280" rtl="0" eaLnBrk="1" latinLnBrk="0" hangingPunct="1">
-      <a:defRPr sz="2200" kern="1200">
+    <a:lvl4pPr marL="1371600" algn="l" defTabSz="457200" rtl="0" eaLnBrk="1" latinLnBrk="0" hangingPunct="1">
+      <a:defRPr sz="1800" kern="1200">
         <a:solidFill>
           <a:schemeClr val="tx1"/>
         </a:solidFill>
@@ -66,8 +66,8 @@
         <a:cs typeface="+mn-cs"/>
       </a:defRPr>
     </a:lvl4pPr>
-    <a:lvl5pPr marL="2194560" algn="l" defTabSz="1097280" rtl="0" eaLnBrk="1" latinLnBrk="0" hangingPunct="1">
-      <a:defRPr sz="2200" kern="1200">
+    <a:lvl5pPr marL="1828800" algn="l" defTabSz="457200" rtl="0" eaLnBrk="1" latinLnBrk="0" hangingPunct="1">
+      <a:defRPr sz="1800" kern="1200">
         <a:solidFill>
           <a:schemeClr val="tx1"/>
         </a:solidFill>
@@ -76,8 +76,8 @@
         <a:cs typeface="+mn-cs"/>
       </a:defRPr>
     </a:lvl5pPr>
-    <a:lvl6pPr marL="2743200" algn="l" defTabSz="1097280" rtl="0" eaLnBrk="1" latinLnBrk="0" hangingPunct="1">
-      <a:defRPr sz="2200" kern="1200">
+    <a:lvl6pPr marL="2286000" algn="l" defTabSz="457200" rtl="0" eaLnBrk="1" latinLnBrk="0" hangingPunct="1">
+      <a:defRPr sz="1800" kern="1200">
         <a:solidFill>
           <a:schemeClr val="tx1"/>
         </a:solidFill>
@@ -86,8 +86,8 @@
         <a:cs typeface="+mn-cs"/>
       </a:defRPr>
     </a:lvl6pPr>
-    <a:lvl7pPr marL="3291840" algn="l" defTabSz="1097280" rtl="0" eaLnBrk="1" latinLnBrk="0" hangingPunct="1">
-      <a:defRPr sz="2200" kern="1200">
+    <a:lvl7pPr marL="2743200" algn="l" defTabSz="457200" rtl="0" eaLnBrk="1" latinLnBrk="0" hangingPunct="1">
+      <a:defRPr sz="1800" kern="1200">
         <a:solidFill>
           <a:schemeClr val="tx1"/>
         </a:solidFill>
@@ -96,8 +96,8 @@
         <a:cs typeface="+mn-cs"/>
       </a:defRPr>
     </a:lvl7pPr>
-    <a:lvl8pPr marL="3840480" algn="l" defTabSz="1097280" rtl="0" eaLnBrk="1" latinLnBrk="0" hangingPunct="1">
-      <a:defRPr sz="2200" kern="1200">
+    <a:lvl8pPr marL="3200400" algn="l" defTabSz="457200" rtl="0" eaLnBrk="1" latinLnBrk="0" hangingPunct="1">
+      <a:defRPr sz="1800" kern="1200">
         <a:solidFill>
           <a:schemeClr val="tx1"/>
         </a:solidFill>
@@ -106,8 +106,8 @@
         <a:cs typeface="+mn-cs"/>
       </a:defRPr>
     </a:lvl8pPr>
-    <a:lvl9pPr marL="4389120" algn="l" defTabSz="1097280" rtl="0" eaLnBrk="1" latinLnBrk="0" hangingPunct="1">
-      <a:defRPr sz="2200" kern="1200">
+    <a:lvl9pPr marL="3657600" algn="l" defTabSz="457200" rtl="0" eaLnBrk="1" latinLnBrk="0" hangingPunct="1">
+      <a:defRPr sz="1800" kern="1200">
         <a:solidFill>
           <a:schemeClr val="tx1"/>
         </a:solidFill>
@@ -218,7 +218,7 @@
           <a:p>
             <a:fld id="{70392B7C-7B94-48F3-AD53-1D9389467956}" type="datetimeFigureOut">
               <a:rPr lang="en-US" smtClean="0"/>
-              <a:t>2/15/20</a:t>
+              <a:t>4/13/22</a:t>
             </a:fld>
             <a:endParaRPr lang="en-US"/>
           </a:p>
@@ -588,7 +588,224 @@
       </p:grpSpPr>
       <p:sp>
         <p:nvSpPr>
-          <p:cNvPr id="8" name="Rectangle 7"/>
+          <p:cNvPr id="2" name="Title 1"/>
+          <p:cNvSpPr>
+            <a:spLocks noGrp="1"/>
+          </p:cNvSpPr>
+          <p:nvPr>
+            <p:ph type="ctrTitle"/>
+          </p:nvPr>
+        </p:nvSpPr>
+        <p:spPr>
+          <a:xfrm>
+            <a:off x="2901335" y="962758"/>
+            <a:ext cx="10364488" cy="3049717"/>
+          </a:xfrm>
+        </p:spPr>
+        <p:txBody>
+          <a:bodyPr bIns="0" anchor="b">
+            <a:normAutofit/>
+          </a:bodyPr>
+          <a:lstStyle>
+            <a:lvl1pPr algn="l">
+              <a:defRPr sz="7920"/>
+            </a:lvl1pPr>
+          </a:lstStyle>
+          <a:p>
+            <a:r>
+              <a:rPr lang="en-US"/>
+              <a:t>Click to edit Master title style</a:t>
+            </a:r>
+            <a:endParaRPr lang="en-US" dirty="0"/>
+          </a:p>
+        </p:txBody>
+      </p:sp>
+      <p:sp>
+        <p:nvSpPr>
+          <p:cNvPr id="3" name="Subtitle 2"/>
+          <p:cNvSpPr>
+            <a:spLocks noGrp="1"/>
+          </p:cNvSpPr>
+          <p:nvPr>
+            <p:ph type="subTitle" idx="1"/>
+          </p:nvPr>
+        </p:nvSpPr>
+        <p:spPr>
+          <a:xfrm>
+            <a:off x="2901336" y="4237446"/>
+            <a:ext cx="10364486" cy="1173145"/>
+          </a:xfrm>
+        </p:spPr>
+        <p:txBody>
+          <a:bodyPr tIns="91440" bIns="91440">
+            <a:normAutofit/>
+          </a:bodyPr>
+          <a:lstStyle>
+            <a:lvl1pPr marL="0" indent="0" algn="l">
+              <a:buNone/>
+              <a:defRPr sz="2160" b="0" cap="all" baseline="0">
+                <a:solidFill>
+                  <a:schemeClr val="tx1"/>
+                </a:solidFill>
+              </a:defRPr>
+            </a:lvl1pPr>
+            <a:lvl2pPr marL="548640" indent="0" algn="ctr">
+              <a:buNone/>
+              <a:defRPr sz="2160"/>
+            </a:lvl2pPr>
+            <a:lvl3pPr marL="1097280" indent="0" algn="ctr">
+              <a:buNone/>
+              <a:defRPr sz="2160"/>
+            </a:lvl3pPr>
+            <a:lvl4pPr marL="1645920" indent="0" algn="ctr">
+              <a:buNone/>
+              <a:defRPr sz="1920"/>
+            </a:lvl4pPr>
+            <a:lvl5pPr marL="2194560" indent="0" algn="ctr">
+              <a:buNone/>
+              <a:defRPr sz="1920"/>
+            </a:lvl5pPr>
+            <a:lvl6pPr marL="2743200" indent="0" algn="ctr">
+              <a:buNone/>
+              <a:defRPr sz="1920"/>
+            </a:lvl6pPr>
+            <a:lvl7pPr marL="3291840" indent="0" algn="ctr">
+              <a:buNone/>
+              <a:defRPr sz="1920"/>
+            </a:lvl7pPr>
+            <a:lvl8pPr marL="3840480" indent="0" algn="ctr">
+              <a:buNone/>
+              <a:defRPr sz="1920"/>
+            </a:lvl8pPr>
+            <a:lvl9pPr marL="4389120" indent="0" algn="ctr">
+              <a:buNone/>
+              <a:defRPr sz="1920"/>
+            </a:lvl9pPr>
+          </a:lstStyle>
+          <a:p>
+            <a:r>
+              <a:rPr lang="en-US"/>
+              <a:t>Click to edit Master subtitle style</a:t>
+            </a:r>
+            <a:endParaRPr lang="en-US" dirty="0"/>
+          </a:p>
+        </p:txBody>
+      </p:sp>
+      <p:sp>
+        <p:nvSpPr>
+          <p:cNvPr id="4" name="Date Placeholder 3"/>
+          <p:cNvSpPr>
+            <a:spLocks noGrp="1"/>
+          </p:cNvSpPr>
+          <p:nvPr>
+            <p:ph type="dt" sz="half" idx="10"/>
+          </p:nvPr>
+        </p:nvSpPr>
+        <p:spPr/>
+        <p:txBody>
+          <a:bodyPr/>
+          <a:lstStyle/>
+          <a:p>
+            <a:fld id="{4D7922CC-6A16-6640-A852-D9BC714A2D8E}" type="datetimeFigureOut">
+              <a:rPr lang="en-US" smtClean="0"/>
+              <a:t>4/13/22</a:t>
+            </a:fld>
+            <a:endParaRPr lang="en-US"/>
+          </a:p>
+        </p:txBody>
+      </p:sp>
+      <p:sp>
+        <p:nvSpPr>
+          <p:cNvPr id="5" name="Footer Placeholder 4"/>
+          <p:cNvSpPr>
+            <a:spLocks noGrp="1"/>
+          </p:cNvSpPr>
+          <p:nvPr>
+            <p:ph type="ftr" sz="quarter" idx="11"/>
+          </p:nvPr>
+        </p:nvSpPr>
+        <p:spPr>
+          <a:xfrm>
+            <a:off x="2899801" y="395169"/>
+            <a:ext cx="5968698" cy="371041"/>
+          </a:xfrm>
+        </p:spPr>
+        <p:txBody>
+          <a:bodyPr/>
+          <a:lstStyle/>
+          <a:p>
+            <a:endParaRPr lang="en-US"/>
+          </a:p>
+        </p:txBody>
+      </p:sp>
+      <p:sp>
+        <p:nvSpPr>
+          <p:cNvPr id="6" name="Slide Number Placeholder 5"/>
+          <p:cNvSpPr>
+            <a:spLocks noGrp="1"/>
+          </p:cNvSpPr>
+          <p:nvPr>
+            <p:ph type="sldNum" sz="quarter" idx="12"/>
+          </p:nvPr>
+        </p:nvSpPr>
+        <p:spPr>
+          <a:xfrm>
+            <a:off x="1725197" y="958767"/>
+            <a:ext cx="973223" cy="604294"/>
+          </a:xfrm>
+        </p:spPr>
+        <p:txBody>
+          <a:bodyPr/>
+          <a:lstStyle/>
+          <a:p>
+            <a:fld id="{39D11A71-8617-2F44-AD4F-D4F038AF0943}" type="slidenum">
+              <a:rPr lang="en-US" smtClean="0"/>
+              <a:t>‹#›</a:t>
+            </a:fld>
+            <a:endParaRPr lang="en-US"/>
+          </a:p>
+        </p:txBody>
+      </p:sp>
+      <p:cxnSp>
+        <p:nvCxnSpPr>
+          <p:cNvPr id="15" name="Straight Connector 14"/>
+          <p:cNvCxnSpPr/>
+          <p:nvPr/>
+        </p:nvCxnSpPr>
+        <p:spPr>
+          <a:xfrm>
+            <a:off x="2901336" y="4234250"/>
+            <a:ext cx="10364486" cy="0"/>
+          </a:xfrm>
+          <a:prstGeom prst="line">
+            <a:avLst/>
+          </a:prstGeom>
+          <a:ln w="31750"/>
+        </p:spPr>
+        <p:style>
+          <a:lnRef idx="3">
+            <a:schemeClr val="accent1"/>
+          </a:lnRef>
+          <a:fillRef idx="0">
+            <a:schemeClr val="accent1"/>
+          </a:fillRef>
+          <a:effectRef idx="2">
+            <a:schemeClr val="accent1"/>
+          </a:effectRef>
+          <a:fontRef idx="minor">
+            <a:schemeClr val="tx1"/>
+          </a:fontRef>
+        </p:style>
+      </p:cxnSp>
+      <p:sp>
+        <p:nvSpPr>
+          <p:cNvPr id="8" name="Rectangle 7">
+            <a:extLst>
+              <a:ext uri="{FF2B5EF4-FFF2-40B4-BE49-F238E27FC236}">
+                <a16:creationId xmlns:a16="http://schemas.microsoft.com/office/drawing/2014/main" id="{56D261FD-DB10-50AA-659E-5110B694EDAC}"/>
+              </a:ext>
+            </a:extLst>
+          </p:cNvPr>
           <p:cNvSpPr/>
           <p:nvPr userDrawn="1"/>
         </p:nvSpPr>
@@ -634,133 +851,10 @@
           </a:p>
         </p:txBody>
       </p:sp>
-      <p:sp>
-        <p:nvSpPr>
-          <p:cNvPr id="2" name="Title 1">
-            <a:extLst>
-              <a:ext uri="{FF2B5EF4-FFF2-40B4-BE49-F238E27FC236}">
-                <a16:creationId xmlns:a16="http://schemas.microsoft.com/office/drawing/2014/main" id="{A90BEE7A-7819-E04D-BB55-67CA13864374}"/>
-              </a:ext>
-            </a:extLst>
-          </p:cNvPr>
-          <p:cNvSpPr>
-            <a:spLocks noGrp="1"/>
-          </p:cNvSpPr>
-          <p:nvPr>
-            <p:ph type="ctrTitle" hasCustomPrompt="1"/>
-          </p:nvPr>
-        </p:nvSpPr>
-        <p:spPr>
-          <a:xfrm>
-            <a:off x="1828799" y="4070555"/>
-            <a:ext cx="8170607" cy="1926324"/>
-          </a:xfrm>
-        </p:spPr>
-        <p:txBody>
-          <a:bodyPr anchor="t">
-            <a:normAutofit/>
-          </a:bodyPr>
-          <a:lstStyle>
-            <a:lvl1pPr algn="l">
-              <a:defRPr sz="5800">
-                <a:solidFill>
-                  <a:schemeClr val="bg1"/>
-                </a:solidFill>
-              </a:defRPr>
-            </a:lvl1pPr>
-          </a:lstStyle>
-          <a:p>
-            <a:r>
-              <a:rPr lang="en-GB" dirty="0"/>
-              <a:t>Slide Deck Title</a:t>
-            </a:r>
-          </a:p>
-        </p:txBody>
-      </p:sp>
-      <p:sp>
-        <p:nvSpPr>
-          <p:cNvPr id="3" name="Subtitle 2">
-            <a:extLst>
-              <a:ext uri="{FF2B5EF4-FFF2-40B4-BE49-F238E27FC236}">
-                <a16:creationId xmlns:a16="http://schemas.microsoft.com/office/drawing/2014/main" id="{8D57E49C-3EEA-A443-9547-90F2FEFC96E2}"/>
-              </a:ext>
-            </a:extLst>
-          </p:cNvPr>
-          <p:cNvSpPr>
-            <a:spLocks noGrp="1"/>
-          </p:cNvSpPr>
-          <p:nvPr>
-            <p:ph type="subTitle" idx="1" hasCustomPrompt="1"/>
-          </p:nvPr>
-        </p:nvSpPr>
-        <p:spPr>
-          <a:xfrm>
-            <a:off x="1828799" y="5996878"/>
-            <a:ext cx="6683969" cy="1701779"/>
-          </a:xfrm>
-        </p:spPr>
-        <p:txBody>
-          <a:bodyPr anchor="t"/>
-          <a:lstStyle>
-            <a:lvl1pPr marL="0" indent="0" algn="l">
-              <a:buNone/>
-              <a:defRPr sz="2900">
-                <a:solidFill>
-                  <a:schemeClr val="bg1"/>
-                </a:solidFill>
-              </a:defRPr>
-            </a:lvl1pPr>
-            <a:lvl2pPr marL="548640" indent="0" algn="ctr">
-              <a:buNone/>
-              <a:defRPr sz="2400"/>
-            </a:lvl2pPr>
-            <a:lvl3pPr marL="1097280" indent="0" algn="ctr">
-              <a:buNone/>
-              <a:defRPr sz="2200"/>
-            </a:lvl3pPr>
-            <a:lvl4pPr marL="1645920" indent="0" algn="ctr">
-              <a:buNone/>
-              <a:defRPr sz="1900"/>
-            </a:lvl4pPr>
-            <a:lvl5pPr marL="2194560" indent="0" algn="ctr">
-              <a:buNone/>
-              <a:defRPr sz="1900"/>
-            </a:lvl5pPr>
-            <a:lvl6pPr marL="2743200" indent="0" algn="ctr">
-              <a:buNone/>
-              <a:defRPr sz="1900"/>
-            </a:lvl6pPr>
-            <a:lvl7pPr marL="3291840" indent="0" algn="ctr">
-              <a:buNone/>
-              <a:defRPr sz="1900"/>
-            </a:lvl7pPr>
-            <a:lvl8pPr marL="3840480" indent="0" algn="ctr">
-              <a:buNone/>
-              <a:defRPr sz="1900"/>
-            </a:lvl8pPr>
-            <a:lvl9pPr marL="4389120" indent="0" algn="ctr">
-              <a:buNone/>
-              <a:defRPr sz="1900"/>
-            </a:lvl9pPr>
-          </a:lstStyle>
-          <a:p>
-            <a:r>
-              <a:rPr lang="en-GB" dirty="0"/>
-              <a:t>Author </a:t>
-            </a:r>
-          </a:p>
-          <a:p>
-            <a:r>
-              <a:rPr lang="en-GB" dirty="0"/>
-              <a:t>Date </a:t>
-            </a:r>
-          </a:p>
-        </p:txBody>
-      </p:sp>
     </p:spTree>
     <p:extLst>
       <p:ext uri="{BB962C8B-B14F-4D97-AF65-F5344CB8AC3E}">
-        <p14:creationId xmlns:p14="http://schemas.microsoft.com/office/powerpoint/2010/main" val="1566591316"/>
+        <p14:creationId xmlns:p14="http://schemas.microsoft.com/office/powerpoint/2010/main" val="4153993182"/>
       </p:ext>
     </p:extLst>
   </p:cSld>
@@ -771,8 +865,8 @@
 </file>
 
 <file path=ppt/slideLayouts/slideLayout10.xml><?xml version="1.0" encoding="utf-8"?>
-<p:sldLayout xmlns:a="http://schemas.openxmlformats.org/drawingml/2006/main" xmlns:r="http://schemas.openxmlformats.org/officeDocument/2006/relationships" xmlns:p="http://schemas.openxmlformats.org/presentationml/2006/main" preserve="1" userDrawn="1">
-  <p:cSld name="End Slide">
+<p:sldLayout xmlns:a="http://schemas.openxmlformats.org/drawingml/2006/main" xmlns:r="http://schemas.openxmlformats.org/officeDocument/2006/relationships" xmlns:p="http://schemas.openxmlformats.org/presentationml/2006/main" type="vertTx" preserve="1">
+  <p:cSld name="Title and Vertical Text">
     <p:spTree>
       <p:nvGrpSpPr>
         <p:cNvPr id="1" name=""/>
@@ -787,21 +881,411 @@
           <a:chExt cx="0" cy="0"/>
         </a:xfrm>
       </p:grpSpPr>
+      <p:sp>
+        <p:nvSpPr>
+          <p:cNvPr id="2" name="Title 1"/>
+          <p:cNvSpPr>
+            <a:spLocks noGrp="1"/>
+          </p:cNvSpPr>
+          <p:nvPr>
+            <p:ph type="title"/>
+          </p:nvPr>
+        </p:nvSpPr>
+        <p:spPr/>
+        <p:txBody>
+          <a:bodyPr/>
+          <a:lstStyle/>
+          <a:p>
+            <a:r>
+              <a:rPr lang="en-US"/>
+              <a:t>Click to edit Master title style</a:t>
+            </a:r>
+            <a:endParaRPr lang="en-US" dirty="0"/>
+          </a:p>
+        </p:txBody>
+      </p:sp>
+      <p:sp>
+        <p:nvSpPr>
+          <p:cNvPr id="3" name="Vertical Text Placeholder 2"/>
+          <p:cNvSpPr>
+            <a:spLocks noGrp="1"/>
+          </p:cNvSpPr>
+          <p:nvPr>
+            <p:ph type="body" orient="vert" idx="1"/>
+          </p:nvPr>
+        </p:nvSpPr>
+        <p:spPr/>
+        <p:txBody>
+          <a:bodyPr vert="eaVert"/>
+          <a:lstStyle/>
+          <a:p>
+            <a:pPr lvl="0"/>
+            <a:r>
+              <a:rPr lang="en-US"/>
+              <a:t>Click to edit Master text styles</a:t>
+            </a:r>
+          </a:p>
+          <a:p>
+            <a:pPr lvl="1"/>
+            <a:r>
+              <a:rPr lang="en-US"/>
+              <a:t>Second level</a:t>
+            </a:r>
+          </a:p>
+          <a:p>
+            <a:pPr lvl="2"/>
+            <a:r>
+              <a:rPr lang="en-US"/>
+              <a:t>Third level</a:t>
+            </a:r>
+          </a:p>
+          <a:p>
+            <a:pPr lvl="3"/>
+            <a:r>
+              <a:rPr lang="en-US"/>
+              <a:t>Fourth level</a:t>
+            </a:r>
+          </a:p>
+          <a:p>
+            <a:pPr lvl="4"/>
+            <a:r>
+              <a:rPr lang="en-US"/>
+              <a:t>Fifth level</a:t>
+            </a:r>
+            <a:endParaRPr lang="en-US" dirty="0"/>
+          </a:p>
+        </p:txBody>
+      </p:sp>
+      <p:sp>
+        <p:nvSpPr>
+          <p:cNvPr id="4" name="Date Placeholder 3"/>
+          <p:cNvSpPr>
+            <a:spLocks noGrp="1"/>
+          </p:cNvSpPr>
+          <p:nvPr>
+            <p:ph type="dt" sz="half" idx="10"/>
+          </p:nvPr>
+        </p:nvSpPr>
+        <p:spPr/>
+        <p:txBody>
+          <a:bodyPr/>
+          <a:lstStyle/>
+          <a:p>
+            <a:fld id="{4D7922CC-6A16-6640-A852-D9BC714A2D8E}" type="datetimeFigureOut">
+              <a:rPr lang="en-US" smtClean="0"/>
+              <a:t>4/13/22</a:t>
+            </a:fld>
+            <a:endParaRPr lang="en-US"/>
+          </a:p>
+        </p:txBody>
+      </p:sp>
+      <p:sp>
+        <p:nvSpPr>
+          <p:cNvPr id="5" name="Footer Placeholder 4"/>
+          <p:cNvSpPr>
+            <a:spLocks noGrp="1"/>
+          </p:cNvSpPr>
+          <p:nvPr>
+            <p:ph type="ftr" sz="quarter" idx="11"/>
+          </p:nvPr>
+        </p:nvSpPr>
+        <p:spPr/>
+        <p:txBody>
+          <a:bodyPr/>
+          <a:lstStyle/>
+          <a:p>
+            <a:pPr algn="l"/>
+            <a:endParaRPr lang="en-GB" dirty="0"/>
+          </a:p>
+        </p:txBody>
+      </p:sp>
+      <p:sp>
+        <p:nvSpPr>
+          <p:cNvPr id="6" name="Slide Number Placeholder 5"/>
+          <p:cNvSpPr>
+            <a:spLocks noGrp="1"/>
+          </p:cNvSpPr>
+          <p:nvPr>
+            <p:ph type="sldNum" sz="quarter" idx="12"/>
+          </p:nvPr>
+        </p:nvSpPr>
+        <p:spPr/>
+        <p:txBody>
+          <a:bodyPr/>
+          <a:lstStyle/>
+          <a:p>
+            <a:fld id="{39D11A71-8617-2F44-AD4F-D4F038AF0943}" type="slidenum">
+              <a:rPr lang="en-US" smtClean="0"/>
+              <a:t>‹#›</a:t>
+            </a:fld>
+            <a:endParaRPr lang="en-US"/>
+          </a:p>
+        </p:txBody>
+      </p:sp>
+      <p:cxnSp>
+        <p:nvCxnSpPr>
+          <p:cNvPr id="26" name="Straight Connector 25"/>
+          <p:cNvCxnSpPr/>
+          <p:nvPr/>
+        </p:nvCxnSpPr>
+        <p:spPr>
+          <a:xfrm>
+            <a:off x="1744675" y="2216506"/>
+            <a:ext cx="11529026" cy="0"/>
+          </a:xfrm>
+          <a:prstGeom prst="line">
+            <a:avLst/>
+          </a:prstGeom>
+          <a:ln w="31750"/>
+        </p:spPr>
+        <p:style>
+          <a:lnRef idx="3">
+            <a:schemeClr val="accent1"/>
+          </a:lnRef>
+          <a:fillRef idx="0">
+            <a:schemeClr val="accent1"/>
+          </a:fillRef>
+          <a:effectRef idx="2">
+            <a:schemeClr val="accent1"/>
+          </a:effectRef>
+          <a:fontRef idx="minor">
+            <a:schemeClr val="tx1"/>
+          </a:fontRef>
+        </p:style>
+      </p:cxnSp>
     </p:spTree>
     <p:extLst>
       <p:ext uri="{BB962C8B-B14F-4D97-AF65-F5344CB8AC3E}">
-        <p14:creationId xmlns:p14="http://schemas.microsoft.com/office/powerpoint/2010/main" val="1046544637"/>
+        <p14:creationId xmlns:p14="http://schemas.microsoft.com/office/powerpoint/2010/main" val="3345120631"/>
       </p:ext>
     </p:extLst>
   </p:cSld>
   <p:clrMapOvr>
     <a:masterClrMapping/>
   </p:clrMapOvr>
+  <p:hf sldNum="0" hdr="0" dt="0"/>
 </p:sldLayout>
 </file>
 
 <file path=ppt/slideLayouts/slideLayout11.xml><?xml version="1.0" encoding="utf-8"?>
-<p:sldLayout xmlns:a="http://schemas.openxmlformats.org/drawingml/2006/main" xmlns:r="http://schemas.openxmlformats.org/officeDocument/2006/relationships" xmlns:p="http://schemas.openxmlformats.org/presentationml/2006/main" preserve="1" userDrawn="1">
+<p:sldLayout xmlns:a="http://schemas.openxmlformats.org/drawingml/2006/main" xmlns:r="http://schemas.openxmlformats.org/officeDocument/2006/relationships" xmlns:p="http://schemas.openxmlformats.org/presentationml/2006/main" type="vertTitleAndTx" preserve="1">
+  <p:cSld name="Vertical Title and Text">
+    <p:spTree>
+      <p:nvGrpSpPr>
+        <p:cNvPr id="1" name=""/>
+        <p:cNvGrpSpPr/>
+        <p:nvPr/>
+      </p:nvGrpSpPr>
+      <p:grpSpPr>
+        <a:xfrm>
+          <a:off x="0" y="0"/>
+          <a:ext cx="0" cy="0"/>
+          <a:chOff x="0" y="0"/>
+          <a:chExt cx="0" cy="0"/>
+        </a:xfrm>
+      </p:grpSpPr>
+      <p:sp>
+        <p:nvSpPr>
+          <p:cNvPr id="2" name="Vertical Title 1"/>
+          <p:cNvSpPr>
+            <a:spLocks noGrp="1"/>
+          </p:cNvSpPr>
+          <p:nvPr>
+            <p:ph type="title" orient="vert"/>
+          </p:nvPr>
+        </p:nvSpPr>
+        <p:spPr>
+          <a:xfrm>
+            <a:off x="11326933" y="958768"/>
+            <a:ext cx="1938890" cy="5591867"/>
+          </a:xfrm>
+        </p:spPr>
+        <p:txBody>
+          <a:bodyPr vert="eaVert"/>
+          <a:lstStyle>
+            <a:lvl1pPr algn="l">
+              <a:defRPr/>
+            </a:lvl1pPr>
+          </a:lstStyle>
+          <a:p>
+            <a:r>
+              <a:rPr lang="en-US"/>
+              <a:t>Click to edit Master title style</a:t>
+            </a:r>
+            <a:endParaRPr lang="en-US" dirty="0"/>
+          </a:p>
+        </p:txBody>
+      </p:sp>
+      <p:sp>
+        <p:nvSpPr>
+          <p:cNvPr id="3" name="Vertical Text Placeholder 2"/>
+          <p:cNvSpPr>
+            <a:spLocks noGrp="1"/>
+          </p:cNvSpPr>
+          <p:nvPr>
+            <p:ph type="body" orient="vert" idx="1"/>
+          </p:nvPr>
+        </p:nvSpPr>
+        <p:spPr>
+          <a:xfrm>
+            <a:off x="1733606" y="958768"/>
+            <a:ext cx="9394596" cy="5591867"/>
+          </a:xfrm>
+        </p:spPr>
+        <p:txBody>
+          <a:bodyPr vert="eaVert"/>
+          <a:lstStyle/>
+          <a:p>
+            <a:pPr lvl="0"/>
+            <a:r>
+              <a:rPr lang="en-US"/>
+              <a:t>Click to edit Master text styles</a:t>
+            </a:r>
+          </a:p>
+          <a:p>
+            <a:pPr lvl="1"/>
+            <a:r>
+              <a:rPr lang="en-US"/>
+              <a:t>Second level</a:t>
+            </a:r>
+          </a:p>
+          <a:p>
+            <a:pPr lvl="2"/>
+            <a:r>
+              <a:rPr lang="en-US"/>
+              <a:t>Third level</a:t>
+            </a:r>
+          </a:p>
+          <a:p>
+            <a:pPr lvl="3"/>
+            <a:r>
+              <a:rPr lang="en-US"/>
+              <a:t>Fourth level</a:t>
+            </a:r>
+          </a:p>
+          <a:p>
+            <a:pPr lvl="4"/>
+            <a:r>
+              <a:rPr lang="en-US"/>
+              <a:t>Fifth level</a:t>
+            </a:r>
+            <a:endParaRPr lang="en-US" dirty="0"/>
+          </a:p>
+        </p:txBody>
+      </p:sp>
+      <p:sp>
+        <p:nvSpPr>
+          <p:cNvPr id="4" name="Date Placeholder 3"/>
+          <p:cNvSpPr>
+            <a:spLocks noGrp="1"/>
+          </p:cNvSpPr>
+          <p:nvPr>
+            <p:ph type="dt" sz="half" idx="10"/>
+          </p:nvPr>
+        </p:nvSpPr>
+        <p:spPr/>
+        <p:txBody>
+          <a:bodyPr/>
+          <a:lstStyle/>
+          <a:p>
+            <a:fld id="{4D7922CC-6A16-6640-A852-D9BC714A2D8E}" type="datetimeFigureOut">
+              <a:rPr lang="en-US" smtClean="0"/>
+              <a:t>4/13/22</a:t>
+            </a:fld>
+            <a:endParaRPr lang="en-US"/>
+          </a:p>
+        </p:txBody>
+      </p:sp>
+      <p:sp>
+        <p:nvSpPr>
+          <p:cNvPr id="5" name="Footer Placeholder 4"/>
+          <p:cNvSpPr>
+            <a:spLocks noGrp="1"/>
+          </p:cNvSpPr>
+          <p:nvPr>
+            <p:ph type="ftr" sz="quarter" idx="11"/>
+          </p:nvPr>
+        </p:nvSpPr>
+        <p:spPr/>
+        <p:txBody>
+          <a:bodyPr/>
+          <a:lstStyle/>
+          <a:p>
+            <a:pPr algn="l"/>
+            <a:endParaRPr lang="en-GB" dirty="0"/>
+          </a:p>
+        </p:txBody>
+      </p:sp>
+      <p:sp>
+        <p:nvSpPr>
+          <p:cNvPr id="6" name="Slide Number Placeholder 5"/>
+          <p:cNvSpPr>
+            <a:spLocks noGrp="1"/>
+          </p:cNvSpPr>
+          <p:nvPr>
+            <p:ph type="sldNum" sz="quarter" idx="12"/>
+          </p:nvPr>
+        </p:nvSpPr>
+        <p:spPr/>
+        <p:txBody>
+          <a:bodyPr/>
+          <a:lstStyle/>
+          <a:p>
+            <a:fld id="{39D11A71-8617-2F44-AD4F-D4F038AF0943}" type="slidenum">
+              <a:rPr lang="en-US" smtClean="0"/>
+              <a:t>‹#›</a:t>
+            </a:fld>
+            <a:endParaRPr lang="en-US"/>
+          </a:p>
+        </p:txBody>
+      </p:sp>
+      <p:cxnSp>
+        <p:nvCxnSpPr>
+          <p:cNvPr id="15" name="Straight Connector 14"/>
+          <p:cNvCxnSpPr/>
+          <p:nvPr/>
+        </p:nvCxnSpPr>
+        <p:spPr>
+          <a:xfrm>
+            <a:off x="11326933" y="958768"/>
+            <a:ext cx="0" cy="5591867"/>
+          </a:xfrm>
+          <a:prstGeom prst="line">
+            <a:avLst/>
+          </a:prstGeom>
+          <a:ln w="31750"/>
+        </p:spPr>
+        <p:style>
+          <a:lnRef idx="3">
+            <a:schemeClr val="accent1"/>
+          </a:lnRef>
+          <a:fillRef idx="0">
+            <a:schemeClr val="accent1"/>
+          </a:fillRef>
+          <a:effectRef idx="2">
+            <a:schemeClr val="accent1"/>
+          </a:effectRef>
+          <a:fontRef idx="minor">
+            <a:schemeClr val="tx1"/>
+          </a:fontRef>
+        </p:style>
+      </p:cxnSp>
+    </p:spTree>
+    <p:extLst>
+      <p:ext uri="{BB962C8B-B14F-4D97-AF65-F5344CB8AC3E}">
+        <p14:creationId xmlns:p14="http://schemas.microsoft.com/office/powerpoint/2010/main" val="1326863809"/>
+      </p:ext>
+    </p:extLst>
+  </p:cSld>
+  <p:clrMapOvr>
+    <a:masterClrMapping/>
+  </p:clrMapOvr>
+  <p:hf sldNum="0" hdr="0" dt="0"/>
+</p:sldLayout>
+</file>
+
+<file path=ppt/slideLayouts/slideLayout12.xml><?xml version="1.0" encoding="utf-8"?>
+<p:sldLayout xmlns:a="http://schemas.openxmlformats.org/drawingml/2006/main" xmlns:r="http://schemas.openxmlformats.org/officeDocument/2006/relationships" xmlns:p="http://schemas.openxmlformats.org/presentationml/2006/main" userDrawn="1">
   <p:cSld name="Custom Layout">
     <p:spTree>
       <p:nvGrpSpPr>
@@ -838,10 +1322,6 @@
           <a:lstStyle/>
           <a:p>
             <a:pPr algn="l"/>
-            <a:r>
-              <a:rPr lang="en-US" dirty="0"/>
-              <a:t>Kalyan Reddy Daida</a:t>
-            </a:r>
             <a:endParaRPr lang="en-GB" dirty="0"/>
           </a:p>
         </p:txBody>
@@ -968,7 +1448,7 @@
     </p:spTree>
     <p:extLst>
       <p:ext uri="{BB962C8B-B14F-4D97-AF65-F5344CB8AC3E}">
-        <p14:creationId xmlns:p14="http://schemas.microsoft.com/office/powerpoint/2010/main" val="1230007550"/>
+        <p14:creationId xmlns:p14="http://schemas.microsoft.com/office/powerpoint/2010/main" val="431031027"/>
       </p:ext>
     </p:extLst>
   </p:cSld>
@@ -978,7 +1458,187 @@
 </p:sldLayout>
 </file>
 
-<file path=ppt/slideLayouts/slideLayout12.xml><?xml version="1.0" encoding="utf-8"?>
+<file path=ppt/slideLayouts/slideLayout13.xml><?xml version="1.0" encoding="utf-8"?>
+<p:sldLayout xmlns:a="http://schemas.openxmlformats.org/drawingml/2006/main" xmlns:r="http://schemas.openxmlformats.org/officeDocument/2006/relationships" xmlns:p="http://schemas.openxmlformats.org/presentationml/2006/main" preserve="1" userDrawn="1">
+  <p:cSld name="1_Title and Content">
+    <p:spTree>
+      <p:nvGrpSpPr>
+        <p:cNvPr id="1" name=""/>
+        <p:cNvGrpSpPr/>
+        <p:nvPr/>
+      </p:nvGrpSpPr>
+      <p:grpSpPr>
+        <a:xfrm>
+          <a:off x="0" y="0"/>
+          <a:ext cx="0" cy="0"/>
+          <a:chOff x="0" y="0"/>
+          <a:chExt cx="0" cy="0"/>
+        </a:xfrm>
+      </p:grpSpPr>
+      <p:sp>
+        <p:nvSpPr>
+          <p:cNvPr id="3" name="Content Placeholder 2">
+            <a:extLst>
+              <a:ext uri="{FF2B5EF4-FFF2-40B4-BE49-F238E27FC236}">
+                <a16:creationId xmlns:a16="http://schemas.microsoft.com/office/drawing/2014/main" id="{6E404D94-AC54-F344-B51A-76FE094D9001}"/>
+              </a:ext>
+            </a:extLst>
+          </p:cNvPr>
+          <p:cNvSpPr>
+            <a:spLocks noGrp="1"/>
+          </p:cNvSpPr>
+          <p:nvPr>
+            <p:ph idx="1"/>
+          </p:nvPr>
+        </p:nvSpPr>
+        <p:spPr/>
+        <p:txBody>
+          <a:bodyPr/>
+          <a:lstStyle/>
+          <a:p>
+            <a:pPr lvl="0"/>
+            <a:r>
+              <a:rPr lang="en-US" dirty="0"/>
+              <a:t>Edit Master text styles</a:t>
+            </a:r>
+          </a:p>
+          <a:p>
+            <a:pPr lvl="1"/>
+            <a:r>
+              <a:rPr lang="en-US" dirty="0"/>
+              <a:t>Second level</a:t>
+            </a:r>
+          </a:p>
+          <a:p>
+            <a:pPr lvl="2"/>
+            <a:r>
+              <a:rPr lang="en-US" dirty="0"/>
+              <a:t>Third level</a:t>
+            </a:r>
+          </a:p>
+          <a:p>
+            <a:pPr lvl="3"/>
+            <a:r>
+              <a:rPr lang="en-US" dirty="0"/>
+              <a:t>Fourth level</a:t>
+            </a:r>
+          </a:p>
+          <a:p>
+            <a:pPr lvl="4"/>
+            <a:r>
+              <a:rPr lang="en-US" dirty="0"/>
+              <a:t>Fifth level</a:t>
+            </a:r>
+            <a:endParaRPr lang="en-GB" dirty="0"/>
+          </a:p>
+        </p:txBody>
+      </p:sp>
+      <p:sp>
+        <p:nvSpPr>
+          <p:cNvPr id="2" name="Footer Placeholder 1"/>
+          <p:cNvSpPr>
+            <a:spLocks noGrp="1"/>
+          </p:cNvSpPr>
+          <p:nvPr>
+            <p:ph type="ftr" sz="quarter" idx="10"/>
+          </p:nvPr>
+        </p:nvSpPr>
+        <p:spPr>
+          <a:xfrm>
+            <a:off x="0" y="7741207"/>
+            <a:ext cx="4937760" cy="438150"/>
+          </a:xfrm>
+        </p:spPr>
+        <p:txBody>
+          <a:bodyPr/>
+          <a:lstStyle/>
+          <a:p>
+            <a:pPr algn="l"/>
+            <a:r>
+              <a:rPr lang="en-GB" dirty="0"/>
+              <a:t>AWS VPC Master Class @</a:t>
+            </a:r>
+          </a:p>
+        </p:txBody>
+      </p:sp>
+      <p:sp>
+        <p:nvSpPr>
+          <p:cNvPr id="4" name="Title 3">
+            <a:extLst>
+              <a:ext uri="{FF2B5EF4-FFF2-40B4-BE49-F238E27FC236}">
+                <a16:creationId xmlns:a16="http://schemas.microsoft.com/office/drawing/2014/main" id="{7C995CC4-5E34-0E41-A7F9-D8A93939036A}"/>
+              </a:ext>
+            </a:extLst>
+          </p:cNvPr>
+          <p:cNvSpPr>
+            <a:spLocks noGrp="1"/>
+          </p:cNvSpPr>
+          <p:nvPr>
+            <p:ph type="title"/>
+          </p:nvPr>
+        </p:nvSpPr>
+        <p:spPr>
+          <a:xfrm>
+            <a:off x="1005840" y="438151"/>
+            <a:ext cx="12618720" cy="1207770"/>
+          </a:xfrm>
+        </p:spPr>
+        <p:txBody>
+          <a:bodyPr/>
+          <a:lstStyle/>
+          <a:p>
+            <a:r>
+              <a:rPr lang="en-US" dirty="0"/>
+              <a:t>Click to edit Master title style</a:t>
+            </a:r>
+            <a:endParaRPr lang="en-GB" dirty="0"/>
+          </a:p>
+        </p:txBody>
+      </p:sp>
+    </p:spTree>
+    <p:extLst>
+      <p:ext uri="{BB962C8B-B14F-4D97-AF65-F5344CB8AC3E}">
+        <p14:creationId xmlns:p14="http://schemas.microsoft.com/office/powerpoint/2010/main" val="4190868565"/>
+      </p:ext>
+    </p:extLst>
+  </p:cSld>
+  <p:clrMapOvr>
+    <a:masterClrMapping/>
+  </p:clrMapOvr>
+</p:sldLayout>
+</file>
+
+<file path=ppt/slideLayouts/slideLayout14.xml><?xml version="1.0" encoding="utf-8"?>
+<p:sldLayout xmlns:a="http://schemas.openxmlformats.org/drawingml/2006/main" xmlns:r="http://schemas.openxmlformats.org/officeDocument/2006/relationships" xmlns:p="http://schemas.openxmlformats.org/presentationml/2006/main" preserve="1" userDrawn="1">
+  <p:cSld name="End Slide">
+    <p:spTree>
+      <p:nvGrpSpPr>
+        <p:cNvPr id="1" name=""/>
+        <p:cNvGrpSpPr/>
+        <p:nvPr/>
+      </p:nvGrpSpPr>
+      <p:grpSpPr>
+        <a:xfrm>
+          <a:off x="0" y="0"/>
+          <a:ext cx="0" cy="0"/>
+          <a:chOff x="0" y="0"/>
+          <a:chExt cx="0" cy="0"/>
+        </a:xfrm>
+      </p:grpSpPr>
+    </p:spTree>
+    <p:extLst>
+      <p:ext uri="{BB962C8B-B14F-4D97-AF65-F5344CB8AC3E}">
+        <p14:creationId xmlns:p14="http://schemas.microsoft.com/office/powerpoint/2010/main" val="1046544637"/>
+      </p:ext>
+    </p:extLst>
+  </p:cSld>
+  <p:clrMapOvr>
+    <a:masterClrMapping/>
+  </p:clrMapOvr>
+</p:sldLayout>
+</file>
+
+<file path=ppt/slideLayouts/slideLayout15.xml><?xml version="1.0" encoding="utf-8"?>
 <p:sldLayout xmlns:a="http://schemas.openxmlformats.org/drawingml/2006/main" xmlns:r="http://schemas.openxmlformats.org/officeDocument/2006/relationships" xmlns:p="http://schemas.openxmlformats.org/presentationml/2006/main" preserve="1" userDrawn="1">
   <p:cSld name="Kalyan-without-Heading">
     <p:spTree>
@@ -1016,10 +1676,6 @@
           <a:lstStyle/>
           <a:p>
             <a:pPr algn="l"/>
-            <a:r>
-              <a:rPr lang="en-US" dirty="0"/>
-              <a:t>Kalyan Reddy Daida</a:t>
-            </a:r>
             <a:endParaRPr lang="en-GB" dirty="0"/>
           </a:p>
         </p:txBody>
@@ -1101,7 +1757,7 @@
 </file>
 
 <file path=ppt/slideLayouts/slideLayout2.xml><?xml version="1.0" encoding="utf-8"?>
-<p:sldLayout xmlns:a="http://schemas.openxmlformats.org/drawingml/2006/main" xmlns:r="http://schemas.openxmlformats.org/officeDocument/2006/relationships" xmlns:p="http://schemas.openxmlformats.org/presentationml/2006/main" preserve="1" userDrawn="1">
+<p:sldLayout xmlns:a="http://schemas.openxmlformats.org/drawingml/2006/main" xmlns:r="http://schemas.openxmlformats.org/officeDocument/2006/relationships" xmlns:p="http://schemas.openxmlformats.org/presentationml/2006/main" type="obj" preserve="1">
   <p:cSld name="Title and Content">
     <p:spTree>
       <p:nvGrpSpPr>
@@ -1119,13 +1775,30 @@
       </p:grpSpPr>
       <p:sp>
         <p:nvSpPr>
-          <p:cNvPr id="3" name="Content Placeholder 2">
-            <a:extLst>
-              <a:ext uri="{FF2B5EF4-FFF2-40B4-BE49-F238E27FC236}">
-                <a16:creationId xmlns:a16="http://schemas.microsoft.com/office/drawing/2014/main" id="{6E404D94-AC54-F344-B51A-76FE094D9001}"/>
-              </a:ext>
-            </a:extLst>
-          </p:cNvPr>
+          <p:cNvPr id="2" name="Title 1"/>
+          <p:cNvSpPr>
+            <a:spLocks noGrp="1"/>
+          </p:cNvSpPr>
+          <p:nvPr>
+            <p:ph type="title"/>
+          </p:nvPr>
+        </p:nvSpPr>
+        <p:spPr/>
+        <p:txBody>
+          <a:bodyPr/>
+          <a:lstStyle/>
+          <a:p>
+            <a:r>
+              <a:rPr lang="en-US"/>
+              <a:t>Click to edit Master title style</a:t>
+            </a:r>
+            <a:endParaRPr lang="en-US" dirty="0"/>
+          </a:p>
+        </p:txBody>
+      </p:sp>
+      <p:sp>
+        <p:nvSpPr>
+          <p:cNvPr id="3" name="Content Placeholder 2"/>
           <p:cNvSpPr>
             <a:spLocks noGrp="1"/>
           </p:cNvSpPr>
@@ -1135,112 +1808,151 @@
         </p:nvSpPr>
         <p:spPr/>
         <p:txBody>
-          <a:bodyPr/>
+          <a:bodyPr anchor="t"/>
           <a:lstStyle/>
           <a:p>
             <a:pPr lvl="0"/>
             <a:r>
-              <a:rPr lang="en-US" dirty="0"/>
-              <a:t>Edit Master text styles</a:t>
+              <a:rPr lang="en-US"/>
+              <a:t>Click to edit Master text styles</a:t>
             </a:r>
           </a:p>
           <a:p>
             <a:pPr lvl="1"/>
             <a:r>
-              <a:rPr lang="en-US" dirty="0"/>
+              <a:rPr lang="en-US"/>
               <a:t>Second level</a:t>
             </a:r>
           </a:p>
           <a:p>
             <a:pPr lvl="2"/>
             <a:r>
-              <a:rPr lang="en-US" dirty="0"/>
+              <a:rPr lang="en-US"/>
               <a:t>Third level</a:t>
             </a:r>
           </a:p>
           <a:p>
             <a:pPr lvl="3"/>
             <a:r>
-              <a:rPr lang="en-US" dirty="0"/>
+              <a:rPr lang="en-US"/>
               <a:t>Fourth level</a:t>
             </a:r>
           </a:p>
           <a:p>
             <a:pPr lvl="4"/>
             <a:r>
-              <a:rPr lang="en-US" dirty="0"/>
+              <a:rPr lang="en-US"/>
               <a:t>Fifth level</a:t>
             </a:r>
-            <a:endParaRPr lang="en-GB" dirty="0"/>
+            <a:endParaRPr lang="en-US" dirty="0"/>
           </a:p>
         </p:txBody>
       </p:sp>
       <p:sp>
         <p:nvSpPr>
-          <p:cNvPr id="2" name="Footer Placeholder 1"/>
+          <p:cNvPr id="4" name="Date Placeholder 3"/>
           <p:cNvSpPr>
             <a:spLocks noGrp="1"/>
           </p:cNvSpPr>
           <p:nvPr>
-            <p:ph type="ftr" sz="quarter" idx="10"/>
+            <p:ph type="dt" sz="half" idx="10"/>
           </p:nvPr>
         </p:nvSpPr>
-        <p:spPr>
-          <a:xfrm>
-            <a:off x="0" y="7741207"/>
-            <a:ext cx="4937760" cy="438150"/>
-          </a:xfrm>
-        </p:spPr>
+        <p:spPr/>
         <p:txBody>
           <a:bodyPr/>
           <a:lstStyle/>
           <a:p>
-            <a:pPr algn="l"/>
-            <a:r>
-              <a:rPr lang="en-GB" dirty="0"/>
-              <a:t>AWS VPC Master Class @Kalyan Reddy Daida</a:t>
-            </a:r>
+            <a:fld id="{4D7922CC-6A16-6640-A852-D9BC714A2D8E}" type="datetimeFigureOut">
+              <a:rPr lang="en-US" smtClean="0"/>
+              <a:t>4/13/22</a:t>
+            </a:fld>
+            <a:endParaRPr lang="en-US"/>
           </a:p>
         </p:txBody>
       </p:sp>
       <p:sp>
         <p:nvSpPr>
-          <p:cNvPr id="4" name="Title 3">
-            <a:extLst>
-              <a:ext uri="{FF2B5EF4-FFF2-40B4-BE49-F238E27FC236}">
-                <a16:creationId xmlns:a16="http://schemas.microsoft.com/office/drawing/2014/main" id="{7C995CC4-5E34-0E41-A7F9-D8A93939036A}"/>
-              </a:ext>
-            </a:extLst>
-          </p:cNvPr>
+          <p:cNvPr id="5" name="Footer Placeholder 4"/>
           <p:cNvSpPr>
             <a:spLocks noGrp="1"/>
           </p:cNvSpPr>
           <p:nvPr>
-            <p:ph type="title"/>
+            <p:ph type="ftr" sz="quarter" idx="11"/>
           </p:nvPr>
         </p:nvSpPr>
-        <p:spPr>
-          <a:xfrm>
-            <a:off x="1005840" y="438151"/>
-            <a:ext cx="12618720" cy="1207770"/>
-          </a:xfrm>
-        </p:spPr>
+        <p:spPr/>
         <p:txBody>
           <a:bodyPr/>
           <a:lstStyle/>
           <a:p>
-            <a:r>
-              <a:rPr lang="en-US" dirty="0"/>
-              <a:t>Click to edit Master title style</a:t>
+            <a:pPr algn="l"/>
+            <a:r>
+              <a:rPr lang="en-GB"/>
+              <a:t>AWS VPC Master Class @</a:t>
             </a:r>
             <a:endParaRPr lang="en-GB" dirty="0"/>
           </a:p>
         </p:txBody>
       </p:sp>
+      <p:sp>
+        <p:nvSpPr>
+          <p:cNvPr id="6" name="Slide Number Placeholder 5"/>
+          <p:cNvSpPr>
+            <a:spLocks noGrp="1"/>
+          </p:cNvSpPr>
+          <p:nvPr>
+            <p:ph type="sldNum" sz="quarter" idx="12"/>
+          </p:nvPr>
+        </p:nvSpPr>
+        <p:spPr/>
+        <p:txBody>
+          <a:bodyPr/>
+          <a:lstStyle/>
+          <a:p>
+            <a:fld id="{39D11A71-8617-2F44-AD4F-D4F038AF0943}" type="slidenum">
+              <a:rPr lang="en-US" smtClean="0"/>
+              <a:t>‹#›</a:t>
+            </a:fld>
+            <a:endParaRPr lang="en-US"/>
+          </a:p>
+        </p:txBody>
+      </p:sp>
+      <p:cxnSp>
+        <p:nvCxnSpPr>
+          <p:cNvPr id="33" name="Straight Connector 32"/>
+          <p:cNvCxnSpPr/>
+          <p:nvPr/>
+        </p:nvCxnSpPr>
+        <p:spPr>
+          <a:xfrm>
+            <a:off x="1744675" y="2216506"/>
+            <a:ext cx="11529026" cy="0"/>
+          </a:xfrm>
+          <a:prstGeom prst="line">
+            <a:avLst/>
+          </a:prstGeom>
+          <a:ln w="31750"/>
+        </p:spPr>
+        <p:style>
+          <a:lnRef idx="3">
+            <a:schemeClr val="accent1"/>
+          </a:lnRef>
+          <a:fillRef idx="0">
+            <a:schemeClr val="accent1"/>
+          </a:fillRef>
+          <a:effectRef idx="2">
+            <a:schemeClr val="accent1"/>
+          </a:effectRef>
+          <a:fontRef idx="minor">
+            <a:schemeClr val="tx1"/>
+          </a:fontRef>
+        </p:style>
+      </p:cxnSp>
     </p:spTree>
     <p:extLst>
       <p:ext uri="{BB962C8B-B14F-4D97-AF65-F5344CB8AC3E}">
-        <p14:creationId xmlns:p14="http://schemas.microsoft.com/office/powerpoint/2010/main" val="4190868565"/>
+        <p14:creationId xmlns:p14="http://schemas.microsoft.com/office/powerpoint/2010/main" val="2731710672"/>
       </p:ext>
     </p:extLst>
   </p:cSld>
@@ -1269,13 +1981,7 @@
       </p:grpSpPr>
       <p:sp>
         <p:nvSpPr>
-          <p:cNvPr id="2" name="Title 1">
-            <a:extLst>
-              <a:ext uri="{FF2B5EF4-FFF2-40B4-BE49-F238E27FC236}">
-                <a16:creationId xmlns:a16="http://schemas.microsoft.com/office/drawing/2014/main" id="{3A698A33-184A-8544-9FAA-FFAA66EAE573}"/>
-              </a:ext>
-            </a:extLst>
-          </p:cNvPr>
+          <p:cNvPr id="2" name="Title 1"/>
           <p:cNvSpPr>
             <a:spLocks noGrp="1"/>
           </p:cNvSpPr>
@@ -1285,15 +1991,17 @@
         </p:nvSpPr>
         <p:spPr>
           <a:xfrm>
-            <a:off x="998220" y="2051686"/>
-            <a:ext cx="12618720" cy="3423284"/>
+            <a:off x="1745087" y="2107356"/>
+            <a:ext cx="10371785" cy="2265540"/>
           </a:xfrm>
         </p:spPr>
         <p:txBody>
-          <a:bodyPr anchor="b"/>
+          <a:bodyPr anchor="b">
+            <a:normAutofit/>
+          </a:bodyPr>
           <a:lstStyle>
-            <a:lvl1pPr>
-              <a:defRPr sz="7200"/>
+            <a:lvl1pPr algn="l">
+              <a:defRPr sz="4320"/>
             </a:lvl1pPr>
           </a:lstStyle>
           <a:p>
@@ -1301,19 +2009,13 @@
               <a:rPr lang="en-US"/>
               <a:t>Click to edit Master title style</a:t>
             </a:r>
-            <a:endParaRPr lang="en-GB"/>
+            <a:endParaRPr lang="en-US" dirty="0"/>
           </a:p>
         </p:txBody>
       </p:sp>
       <p:sp>
         <p:nvSpPr>
-          <p:cNvPr id="3" name="Text Placeholder 2">
-            <a:extLst>
-              <a:ext uri="{FF2B5EF4-FFF2-40B4-BE49-F238E27FC236}">
-                <a16:creationId xmlns:a16="http://schemas.microsoft.com/office/drawing/2014/main" id="{046F8684-740B-CF45-9F5C-1B7432DBD9FC}"/>
-              </a:ext>
-            </a:extLst>
-          </p:cNvPr>
+          <p:cNvPr id="3" name="Text Placeholder 2"/>
           <p:cNvSpPr>
             <a:spLocks noGrp="1"/>
           </p:cNvSpPr>
@@ -1323,26 +2025,26 @@
         </p:nvSpPr>
         <p:spPr>
           <a:xfrm>
-            <a:off x="998220" y="5507356"/>
-            <a:ext cx="12618720" cy="1800224"/>
+            <a:off x="1745087" y="4567435"/>
+            <a:ext cx="10356535" cy="1215515"/>
           </a:xfrm>
         </p:spPr>
         <p:txBody>
-          <a:bodyPr/>
+          <a:bodyPr tIns="91440">
+            <a:normAutofit/>
+          </a:bodyPr>
           <a:lstStyle>
-            <a:lvl1pPr marL="0" indent="0">
+            <a:lvl1pPr marL="0" indent="0" algn="l">
               <a:buNone/>
-              <a:defRPr sz="2900">
+              <a:defRPr sz="2160">
                 <a:solidFill>
-                  <a:schemeClr val="tx1">
-                    <a:tint val="75000"/>
-                  </a:schemeClr>
+                  <a:schemeClr val="tx1"/>
                 </a:solidFill>
               </a:defRPr>
             </a:lvl1pPr>
             <a:lvl2pPr marL="548640" indent="0">
               <a:buNone/>
-              <a:defRPr sz="2400">
+              <a:defRPr sz="2160">
                 <a:solidFill>
                   <a:schemeClr val="tx1">
                     <a:tint val="75000"/>
@@ -1352,7 +2054,7 @@
             </a:lvl2pPr>
             <a:lvl3pPr marL="1097280" indent="0">
               <a:buNone/>
-              <a:defRPr sz="2200">
+              <a:defRPr sz="2160">
                 <a:solidFill>
                   <a:schemeClr val="tx1">
                     <a:tint val="75000"/>
@@ -1362,7 +2064,7 @@
             </a:lvl3pPr>
             <a:lvl4pPr marL="1645920" indent="0">
               <a:buNone/>
-              <a:defRPr sz="1900">
+              <a:defRPr sz="1920">
                 <a:solidFill>
                   <a:schemeClr val="tx1">
                     <a:tint val="75000"/>
@@ -1372,7 +2074,7 @@
             </a:lvl4pPr>
             <a:lvl5pPr marL="2194560" indent="0">
               <a:buNone/>
-              <a:defRPr sz="1900">
+              <a:defRPr sz="1920">
                 <a:solidFill>
                   <a:schemeClr val="tx1">
                     <a:tint val="75000"/>
@@ -1382,7 +2084,7 @@
             </a:lvl5pPr>
             <a:lvl6pPr marL="2743200" indent="0">
               <a:buNone/>
-              <a:defRPr sz="1900">
+              <a:defRPr sz="1920">
                 <a:solidFill>
                   <a:schemeClr val="tx1">
                     <a:tint val="75000"/>
@@ -1392,7 +2094,7 @@
             </a:lvl6pPr>
             <a:lvl7pPr marL="3291840" indent="0">
               <a:buNone/>
-              <a:defRPr sz="1900">
+              <a:defRPr sz="1920">
                 <a:solidFill>
                   <a:schemeClr val="tx1">
                     <a:tint val="75000"/>
@@ -1402,7 +2104,7 @@
             </a:lvl7pPr>
             <a:lvl8pPr marL="3840480" indent="0">
               <a:buNone/>
-              <a:defRPr sz="1900">
+              <a:defRPr sz="1920">
                 <a:solidFill>
                   <a:schemeClr val="tx1">
                     <a:tint val="75000"/>
@@ -1412,7 +2114,7 @@
             </a:lvl8pPr>
             <a:lvl9pPr marL="4389120" indent="0">
               <a:buNone/>
-              <a:defRPr sz="1900">
+              <a:defRPr sz="1920">
                 <a:solidFill>
                   <a:schemeClr val="tx1">
                     <a:tint val="75000"/>
@@ -1425,15 +2127,111 @@
             <a:pPr lvl="0"/>
             <a:r>
               <a:rPr lang="en-US"/>
-              <a:t>Edit Master text styles</a:t>
+              <a:t>Click to edit Master text styles</a:t>
             </a:r>
           </a:p>
         </p:txBody>
       </p:sp>
+      <p:sp>
+        <p:nvSpPr>
+          <p:cNvPr id="4" name="Date Placeholder 3"/>
+          <p:cNvSpPr>
+            <a:spLocks noGrp="1"/>
+          </p:cNvSpPr>
+          <p:nvPr>
+            <p:ph type="dt" sz="half" idx="10"/>
+          </p:nvPr>
+        </p:nvSpPr>
+        <p:spPr/>
+        <p:txBody>
+          <a:bodyPr/>
+          <a:lstStyle/>
+          <a:p>
+            <a:fld id="{4D7922CC-6A16-6640-A852-D9BC714A2D8E}" type="datetimeFigureOut">
+              <a:rPr lang="en-US" smtClean="0"/>
+              <a:t>4/13/22</a:t>
+            </a:fld>
+            <a:endParaRPr lang="en-US"/>
+          </a:p>
+        </p:txBody>
+      </p:sp>
+      <p:sp>
+        <p:nvSpPr>
+          <p:cNvPr id="5" name="Footer Placeholder 4"/>
+          <p:cNvSpPr>
+            <a:spLocks noGrp="1"/>
+          </p:cNvSpPr>
+          <p:nvPr>
+            <p:ph type="ftr" sz="quarter" idx="11"/>
+          </p:nvPr>
+        </p:nvSpPr>
+        <p:spPr/>
+        <p:txBody>
+          <a:bodyPr/>
+          <a:lstStyle/>
+          <a:p>
+            <a:endParaRPr lang="en-US"/>
+          </a:p>
+        </p:txBody>
+      </p:sp>
+      <p:sp>
+        <p:nvSpPr>
+          <p:cNvPr id="6" name="Slide Number Placeholder 5"/>
+          <p:cNvSpPr>
+            <a:spLocks noGrp="1"/>
+          </p:cNvSpPr>
+          <p:nvPr>
+            <p:ph type="sldNum" sz="quarter" idx="12"/>
+          </p:nvPr>
+        </p:nvSpPr>
+        <p:spPr/>
+        <p:txBody>
+          <a:bodyPr/>
+          <a:lstStyle/>
+          <a:p>
+            <a:fld id="{39D11A71-8617-2F44-AD4F-D4F038AF0943}" type="slidenum">
+              <a:rPr lang="en-US" smtClean="0"/>
+              <a:t>‹#›</a:t>
+            </a:fld>
+            <a:endParaRPr lang="en-US"/>
+          </a:p>
+        </p:txBody>
+      </p:sp>
+      <p:cxnSp>
+        <p:nvCxnSpPr>
+          <p:cNvPr id="15" name="Straight Connector 14"/>
+          <p:cNvCxnSpPr/>
+          <p:nvPr/>
+        </p:nvCxnSpPr>
+        <p:spPr>
+          <a:xfrm>
+            <a:off x="1745087" y="4565982"/>
+            <a:ext cx="10356535" cy="0"/>
+          </a:xfrm>
+          <a:prstGeom prst="line">
+            <a:avLst/>
+          </a:prstGeom>
+          <a:ln w="31750"/>
+        </p:spPr>
+        <p:style>
+          <a:lnRef idx="3">
+            <a:schemeClr val="accent1"/>
+          </a:lnRef>
+          <a:fillRef idx="0">
+            <a:schemeClr val="accent1"/>
+          </a:fillRef>
+          <a:effectRef idx="2">
+            <a:schemeClr val="accent1"/>
+          </a:effectRef>
+          <a:fontRef idx="minor">
+            <a:schemeClr val="tx1"/>
+          </a:fontRef>
+        </p:style>
+      </p:cxnSp>
     </p:spTree>
     <p:extLst>
       <p:ext uri="{BB962C8B-B14F-4D97-AF65-F5344CB8AC3E}">
-        <p14:creationId xmlns:p14="http://schemas.microsoft.com/office/powerpoint/2010/main" val="1221892254"/>
+        <p14:creationId xmlns:p14="http://schemas.microsoft.com/office/powerpoint/2010/main" val="1828932480"/>
       </p:ext>
     </p:extLst>
   </p:cSld>
@@ -1462,13 +2260,7 @@
       </p:grpSpPr>
       <p:sp>
         <p:nvSpPr>
-          <p:cNvPr id="2" name="Title 1">
-            <a:extLst>
-              <a:ext uri="{FF2B5EF4-FFF2-40B4-BE49-F238E27FC236}">
-                <a16:creationId xmlns:a16="http://schemas.microsoft.com/office/drawing/2014/main" id="{D90719BB-4979-0B44-AF6B-859078121244}"/>
-              </a:ext>
-            </a:extLst>
-          </p:cNvPr>
+          <p:cNvPr id="2" name="Title 1"/>
           <p:cNvSpPr>
             <a:spLocks noGrp="1"/>
           </p:cNvSpPr>
@@ -1476,7 +2268,12 @@
             <p:ph type="title"/>
           </p:nvPr>
         </p:nvSpPr>
-        <p:spPr/>
+        <p:spPr>
+          <a:xfrm>
+            <a:off x="1739061" y="965867"/>
+            <a:ext cx="11526762" cy="1271166"/>
+          </a:xfrm>
+        </p:spPr>
         <p:txBody>
           <a:bodyPr/>
           <a:lstStyle/>
@@ -1485,19 +2282,13 @@
               <a:rPr lang="en-US"/>
               <a:t>Click to edit Master title style</a:t>
             </a:r>
-            <a:endParaRPr lang="en-GB"/>
+            <a:endParaRPr lang="en-US" dirty="0"/>
           </a:p>
         </p:txBody>
       </p:sp>
       <p:sp>
         <p:nvSpPr>
-          <p:cNvPr id="3" name="Content Placeholder 2">
-            <a:extLst>
-              <a:ext uri="{FF2B5EF4-FFF2-40B4-BE49-F238E27FC236}">
-                <a16:creationId xmlns:a16="http://schemas.microsoft.com/office/drawing/2014/main" id="{94F36EAB-B254-C146-A7C6-0DE76935A5BB}"/>
-              </a:ext>
-            </a:extLst>
-          </p:cNvPr>
+          <p:cNvPr id="3" name="Content Placeholder 2"/>
           <p:cNvSpPr>
             <a:spLocks noGrp="1"/>
           </p:cNvSpPr>
@@ -1507,8 +2298,8 @@
         </p:nvSpPr>
         <p:spPr>
           <a:xfrm>
-            <a:off x="1005840" y="1835107"/>
-            <a:ext cx="6217920" cy="5577248"/>
+            <a:off x="1736797" y="2413054"/>
+            <a:ext cx="5574182" cy="4138314"/>
           </a:xfrm>
         </p:spPr>
         <p:txBody>
@@ -1518,7 +2309,7 @@
             <a:pPr lvl="0"/>
             <a:r>
               <a:rPr lang="en-US"/>
-              <a:t>Edit Master text styles</a:t>
+              <a:t>Click to edit Master text styles</a:t>
             </a:r>
           </a:p>
           <a:p>
@@ -1548,19 +2339,13 @@
               <a:rPr lang="en-US"/>
               <a:t>Fifth level</a:t>
             </a:r>
-            <a:endParaRPr lang="en-GB"/>
+            <a:endParaRPr lang="en-US" dirty="0"/>
           </a:p>
         </p:txBody>
       </p:sp>
       <p:sp>
         <p:nvSpPr>
-          <p:cNvPr id="4" name="Content Placeholder 3">
-            <a:extLst>
-              <a:ext uri="{FF2B5EF4-FFF2-40B4-BE49-F238E27FC236}">
-                <a16:creationId xmlns:a16="http://schemas.microsoft.com/office/drawing/2014/main" id="{1C78D9AA-C4F2-F341-9AD2-DD78F9E32015}"/>
-              </a:ext>
-            </a:extLst>
-          </p:cNvPr>
+          <p:cNvPr id="4" name="Content Placeholder 3"/>
           <p:cNvSpPr>
             <a:spLocks noGrp="1"/>
           </p:cNvSpPr>
@@ -1570,8 +2355,8 @@
         </p:nvSpPr>
         <p:spPr>
           <a:xfrm>
-            <a:off x="7406640" y="1835106"/>
-            <a:ext cx="6217920" cy="5577250"/>
+            <a:off x="7696525" y="2420812"/>
+            <a:ext cx="5574182" cy="4129824"/>
           </a:xfrm>
         </p:spPr>
         <p:txBody>
@@ -1581,7 +2366,7 @@
             <a:pPr lvl="0"/>
             <a:r>
               <a:rPr lang="en-US"/>
-              <a:t>Edit Master text styles</a:t>
+              <a:t>Click to edit Master text styles</a:t>
             </a:r>
           </a:p>
           <a:p>
@@ -1611,14 +2396,110 @@
               <a:rPr lang="en-US"/>
               <a:t>Fifth level</a:t>
             </a:r>
-            <a:endParaRPr lang="en-GB"/>
+            <a:endParaRPr lang="en-US" dirty="0"/>
           </a:p>
         </p:txBody>
       </p:sp>
+      <p:sp>
+        <p:nvSpPr>
+          <p:cNvPr id="5" name="Date Placeholder 4"/>
+          <p:cNvSpPr>
+            <a:spLocks noGrp="1"/>
+          </p:cNvSpPr>
+          <p:nvPr>
+            <p:ph type="dt" sz="half" idx="10"/>
+          </p:nvPr>
+        </p:nvSpPr>
+        <p:spPr/>
+        <p:txBody>
+          <a:bodyPr/>
+          <a:lstStyle/>
+          <a:p>
+            <a:fld id="{4D7922CC-6A16-6640-A852-D9BC714A2D8E}" type="datetimeFigureOut">
+              <a:rPr lang="en-US" smtClean="0"/>
+              <a:t>4/13/22</a:t>
+            </a:fld>
+            <a:endParaRPr lang="en-US"/>
+          </a:p>
+        </p:txBody>
+      </p:sp>
+      <p:sp>
+        <p:nvSpPr>
+          <p:cNvPr id="6" name="Footer Placeholder 5"/>
+          <p:cNvSpPr>
+            <a:spLocks noGrp="1"/>
+          </p:cNvSpPr>
+          <p:nvPr>
+            <p:ph type="ftr" sz="quarter" idx="11"/>
+          </p:nvPr>
+        </p:nvSpPr>
+        <p:spPr/>
+        <p:txBody>
+          <a:bodyPr/>
+          <a:lstStyle/>
+          <a:p>
+            <a:endParaRPr lang="en-US"/>
+          </a:p>
+        </p:txBody>
+      </p:sp>
+      <p:sp>
+        <p:nvSpPr>
+          <p:cNvPr id="7" name="Slide Number Placeholder 6"/>
+          <p:cNvSpPr>
+            <a:spLocks noGrp="1"/>
+          </p:cNvSpPr>
+          <p:nvPr>
+            <p:ph type="sldNum" sz="quarter" idx="12"/>
+          </p:nvPr>
+        </p:nvSpPr>
+        <p:spPr/>
+        <p:txBody>
+          <a:bodyPr/>
+          <a:lstStyle/>
+          <a:p>
+            <a:fld id="{39D11A71-8617-2F44-AD4F-D4F038AF0943}" type="slidenum">
+              <a:rPr lang="en-US" smtClean="0"/>
+              <a:t>‹#›</a:t>
+            </a:fld>
+            <a:endParaRPr lang="en-US"/>
+          </a:p>
+        </p:txBody>
+      </p:sp>
+      <p:cxnSp>
+        <p:nvCxnSpPr>
+          <p:cNvPr id="35" name="Straight Connector 34"/>
+          <p:cNvCxnSpPr/>
+          <p:nvPr/>
+        </p:nvCxnSpPr>
+        <p:spPr>
+          <a:xfrm>
+            <a:off x="1744675" y="2216506"/>
+            <a:ext cx="11529026" cy="0"/>
+          </a:xfrm>
+          <a:prstGeom prst="line">
+            <a:avLst/>
+          </a:prstGeom>
+          <a:ln w="31750"/>
+        </p:spPr>
+        <p:style>
+          <a:lnRef idx="3">
+            <a:schemeClr val="accent1"/>
+          </a:lnRef>
+          <a:fillRef idx="0">
+            <a:schemeClr val="accent1"/>
+          </a:fillRef>
+          <a:effectRef idx="2">
+            <a:schemeClr val="accent1"/>
+          </a:effectRef>
+          <a:fontRef idx="minor">
+            <a:schemeClr val="tx1"/>
+          </a:fontRef>
+        </p:style>
+      </p:cxnSp>
     </p:spTree>
     <p:extLst>
       <p:ext uri="{BB962C8B-B14F-4D97-AF65-F5344CB8AC3E}">
-        <p14:creationId xmlns:p14="http://schemas.microsoft.com/office/powerpoint/2010/main" val="3477111469"/>
+        <p14:creationId xmlns:p14="http://schemas.microsoft.com/office/powerpoint/2010/main" val="2681269558"/>
       </p:ext>
     </p:extLst>
   </p:cSld>
@@ -1647,13 +2528,7 @@
       </p:grpSpPr>
       <p:sp>
         <p:nvSpPr>
-          <p:cNvPr id="2" name="Title 1">
-            <a:extLst>
-              <a:ext uri="{FF2B5EF4-FFF2-40B4-BE49-F238E27FC236}">
-                <a16:creationId xmlns:a16="http://schemas.microsoft.com/office/drawing/2014/main" id="{3E7DE078-3DB5-CD4E-B5FF-74FE6A229D02}"/>
-              </a:ext>
-            </a:extLst>
-          </p:cNvPr>
+          <p:cNvPr id="2" name="Title 1"/>
           <p:cNvSpPr>
             <a:spLocks noGrp="1"/>
           </p:cNvSpPr>
@@ -1663,8 +2538,8 @@
         </p:nvSpPr>
         <p:spPr>
           <a:xfrm>
-            <a:off x="1007746" y="438150"/>
-            <a:ext cx="12618720" cy="1590676"/>
+            <a:off x="1736630" y="964996"/>
+            <a:ext cx="11529193" cy="1267583"/>
           </a:xfrm>
         </p:spPr>
         <p:txBody>
@@ -1675,19 +2550,13 @@
               <a:rPr lang="en-US"/>
               <a:t>Click to edit Master title style</a:t>
             </a:r>
-            <a:endParaRPr lang="en-GB"/>
+            <a:endParaRPr lang="en-US" dirty="0"/>
           </a:p>
         </p:txBody>
       </p:sp>
       <p:sp>
         <p:nvSpPr>
-          <p:cNvPr id="3" name="Text Placeholder 2">
-            <a:extLst>
-              <a:ext uri="{FF2B5EF4-FFF2-40B4-BE49-F238E27FC236}">
-                <a16:creationId xmlns:a16="http://schemas.microsoft.com/office/drawing/2014/main" id="{588C4095-462F-0E4F-B67A-AB0DB86AECAE}"/>
-              </a:ext>
-            </a:extLst>
-          </p:cNvPr>
+          <p:cNvPr id="3" name="Text Placeholder 2"/>
           <p:cNvSpPr>
             <a:spLocks noGrp="1"/>
           </p:cNvSpPr>
@@ -1697,16 +2566,25 @@
         </p:nvSpPr>
         <p:spPr>
           <a:xfrm>
-            <a:off x="1007746" y="2017396"/>
-            <a:ext cx="6189344" cy="988694"/>
+            <a:off x="1736629" y="2423459"/>
+            <a:ext cx="5574182" cy="962332"/>
           </a:xfrm>
         </p:spPr>
         <p:txBody>
-          <a:bodyPr anchor="b"/>
+          <a:bodyPr anchor="b">
+            <a:normAutofit/>
+          </a:bodyPr>
           <a:lstStyle>
             <a:lvl1pPr marL="0" indent="0">
+              <a:lnSpc>
+                <a:spcPct val="100000"/>
+              </a:lnSpc>
               <a:buNone/>
-              <a:defRPr sz="2900" b="1"/>
+              <a:defRPr sz="2640" b="0" cap="all" baseline="0">
+                <a:solidFill>
+                  <a:schemeClr val="accent1"/>
+                </a:solidFill>
+              </a:defRPr>
             </a:lvl1pPr>
             <a:lvl2pPr marL="548640" indent="0">
               <a:buNone/>
@@ -1714,51 +2592,45 @@
             </a:lvl2pPr>
             <a:lvl3pPr marL="1097280" indent="0">
               <a:buNone/>
-              <a:defRPr sz="2200" b="1"/>
+              <a:defRPr sz="2160" b="1"/>
             </a:lvl3pPr>
             <a:lvl4pPr marL="1645920" indent="0">
               <a:buNone/>
-              <a:defRPr sz="1900" b="1"/>
+              <a:defRPr sz="1920" b="1"/>
             </a:lvl4pPr>
             <a:lvl5pPr marL="2194560" indent="0">
               <a:buNone/>
-              <a:defRPr sz="1900" b="1"/>
+              <a:defRPr sz="1920" b="1"/>
             </a:lvl5pPr>
             <a:lvl6pPr marL="2743200" indent="0">
               <a:buNone/>
-              <a:defRPr sz="1900" b="1"/>
+              <a:defRPr sz="1920" b="1"/>
             </a:lvl6pPr>
             <a:lvl7pPr marL="3291840" indent="0">
               <a:buNone/>
-              <a:defRPr sz="1900" b="1"/>
+              <a:defRPr sz="1920" b="1"/>
             </a:lvl7pPr>
             <a:lvl8pPr marL="3840480" indent="0">
               <a:buNone/>
-              <a:defRPr sz="1900" b="1"/>
+              <a:defRPr sz="1920" b="1"/>
             </a:lvl8pPr>
             <a:lvl9pPr marL="4389120" indent="0">
               <a:buNone/>
-              <a:defRPr sz="1900" b="1"/>
+              <a:defRPr sz="1920" b="1"/>
             </a:lvl9pPr>
           </a:lstStyle>
           <a:p>
             <a:pPr lvl="0"/>
             <a:r>
               <a:rPr lang="en-US"/>
-              <a:t>Edit Master text styles</a:t>
+              <a:t>Click to edit Master text styles</a:t>
             </a:r>
           </a:p>
         </p:txBody>
       </p:sp>
       <p:sp>
         <p:nvSpPr>
-          <p:cNvPr id="4" name="Content Placeholder 3">
-            <a:extLst>
-              <a:ext uri="{FF2B5EF4-FFF2-40B4-BE49-F238E27FC236}">
-                <a16:creationId xmlns:a16="http://schemas.microsoft.com/office/drawing/2014/main" id="{53989E46-5048-5442-9E93-17CCAA14B2F8}"/>
-              </a:ext>
-            </a:extLst>
-          </p:cNvPr>
+          <p:cNvPr id="4" name="Content Placeholder 3"/>
           <p:cNvSpPr>
             <a:spLocks noGrp="1"/>
           </p:cNvSpPr>
@@ -1768,8 +2640,8 @@
         </p:nvSpPr>
         <p:spPr>
           <a:xfrm>
-            <a:off x="1007746" y="3006090"/>
-            <a:ext cx="6189344" cy="4421506"/>
+            <a:off x="1736629" y="3389124"/>
+            <a:ext cx="5574182" cy="3173348"/>
           </a:xfrm>
         </p:spPr>
         <p:txBody>
@@ -1779,7 +2651,7 @@
             <a:pPr lvl="0"/>
             <a:r>
               <a:rPr lang="en-US"/>
-              <a:t>Edit Master text styles</a:t>
+              <a:t>Click to edit Master text styles</a:t>
             </a:r>
           </a:p>
           <a:p>
@@ -1809,19 +2681,13 @@
               <a:rPr lang="en-US"/>
               <a:t>Fifth level</a:t>
             </a:r>
-            <a:endParaRPr lang="en-GB"/>
+            <a:endParaRPr lang="en-US" dirty="0"/>
           </a:p>
         </p:txBody>
       </p:sp>
       <p:sp>
         <p:nvSpPr>
-          <p:cNvPr id="5" name="Text Placeholder 4">
-            <a:extLst>
-              <a:ext uri="{FF2B5EF4-FFF2-40B4-BE49-F238E27FC236}">
-                <a16:creationId xmlns:a16="http://schemas.microsoft.com/office/drawing/2014/main" id="{5CD68C68-60E1-8E48-B221-933C8C8734BA}"/>
-              </a:ext>
-            </a:extLst>
-          </p:cNvPr>
+          <p:cNvPr id="5" name="Text Placeholder 4"/>
           <p:cNvSpPr>
             <a:spLocks noGrp="1"/>
           </p:cNvSpPr>
@@ -1831,16 +2697,25 @@
         </p:nvSpPr>
         <p:spPr>
           <a:xfrm>
-            <a:off x="7406640" y="2017396"/>
-            <a:ext cx="6219826" cy="988694"/>
+            <a:off x="7694835" y="2427604"/>
+            <a:ext cx="5574182" cy="962684"/>
           </a:xfrm>
         </p:spPr>
         <p:txBody>
-          <a:bodyPr anchor="b"/>
+          <a:bodyPr anchor="b">
+            <a:normAutofit/>
+          </a:bodyPr>
           <a:lstStyle>
             <a:lvl1pPr marL="0" indent="0">
+              <a:lnSpc>
+                <a:spcPct val="100000"/>
+              </a:lnSpc>
               <a:buNone/>
-              <a:defRPr sz="2900" b="1"/>
+              <a:defRPr sz="2640" b="0" cap="all" baseline="0">
+                <a:solidFill>
+                  <a:schemeClr val="accent1"/>
+                </a:solidFill>
+              </a:defRPr>
             </a:lvl1pPr>
             <a:lvl2pPr marL="548640" indent="0">
               <a:buNone/>
@@ -1848,51 +2723,45 @@
             </a:lvl2pPr>
             <a:lvl3pPr marL="1097280" indent="0">
               <a:buNone/>
-              <a:defRPr sz="2200" b="1"/>
+              <a:defRPr sz="2160" b="1"/>
             </a:lvl3pPr>
             <a:lvl4pPr marL="1645920" indent="0">
               <a:buNone/>
-              <a:defRPr sz="1900" b="1"/>
+              <a:defRPr sz="1920" b="1"/>
             </a:lvl4pPr>
             <a:lvl5pPr marL="2194560" indent="0">
               <a:buNone/>
-              <a:defRPr sz="1900" b="1"/>
+              <a:defRPr sz="1920" b="1"/>
             </a:lvl5pPr>
             <a:lvl6pPr marL="2743200" indent="0">
               <a:buNone/>
-              <a:defRPr sz="1900" b="1"/>
+              <a:defRPr sz="1920" b="1"/>
             </a:lvl6pPr>
             <a:lvl7pPr marL="3291840" indent="0">
               <a:buNone/>
-              <a:defRPr sz="1900" b="1"/>
+              <a:defRPr sz="1920" b="1"/>
             </a:lvl7pPr>
             <a:lvl8pPr marL="3840480" indent="0">
               <a:buNone/>
-              <a:defRPr sz="1900" b="1"/>
+              <a:defRPr sz="1920" b="1"/>
             </a:lvl8pPr>
             <a:lvl9pPr marL="4389120" indent="0">
               <a:buNone/>
-              <a:defRPr sz="1900" b="1"/>
+              <a:defRPr sz="1920" b="1"/>
             </a:lvl9pPr>
           </a:lstStyle>
           <a:p>
             <a:pPr lvl="0"/>
             <a:r>
               <a:rPr lang="en-US"/>
-              <a:t>Edit Master text styles</a:t>
+              <a:t>Click to edit Master text styles</a:t>
             </a:r>
           </a:p>
         </p:txBody>
       </p:sp>
       <p:sp>
         <p:nvSpPr>
-          <p:cNvPr id="6" name="Content Placeholder 5">
-            <a:extLst>
-              <a:ext uri="{FF2B5EF4-FFF2-40B4-BE49-F238E27FC236}">
-                <a16:creationId xmlns:a16="http://schemas.microsoft.com/office/drawing/2014/main" id="{A8F8A2F8-2BBD-5C48-9615-20088671D9EF}"/>
-              </a:ext>
-            </a:extLst>
-          </p:cNvPr>
+          <p:cNvPr id="6" name="Content Placeholder 5"/>
           <p:cNvSpPr>
             <a:spLocks noGrp="1"/>
           </p:cNvSpPr>
@@ -1902,8 +2771,8 @@
         </p:nvSpPr>
         <p:spPr>
           <a:xfrm>
-            <a:off x="7406640" y="3006090"/>
-            <a:ext cx="6219826" cy="4421506"/>
+            <a:off x="7694835" y="3385790"/>
+            <a:ext cx="5574182" cy="3164845"/>
           </a:xfrm>
         </p:spPr>
         <p:txBody>
@@ -1913,7 +2782,7 @@
             <a:pPr lvl="0"/>
             <a:r>
               <a:rPr lang="en-US"/>
-              <a:t>Edit Master text styles</a:t>
+              <a:t>Click to edit Master text styles</a:t>
             </a:r>
           </a:p>
           <a:p>
@@ -1943,14 +2812,110 @@
               <a:rPr lang="en-US"/>
               <a:t>Fifth level</a:t>
             </a:r>
-            <a:endParaRPr lang="en-GB"/>
+            <a:endParaRPr lang="en-US" dirty="0"/>
           </a:p>
         </p:txBody>
       </p:sp>
+      <p:sp>
+        <p:nvSpPr>
+          <p:cNvPr id="7" name="Date Placeholder 6"/>
+          <p:cNvSpPr>
+            <a:spLocks noGrp="1"/>
+          </p:cNvSpPr>
+          <p:nvPr>
+            <p:ph type="dt" sz="half" idx="10"/>
+          </p:nvPr>
+        </p:nvSpPr>
+        <p:spPr/>
+        <p:txBody>
+          <a:bodyPr/>
+          <a:lstStyle/>
+          <a:p>
+            <a:fld id="{4D7922CC-6A16-6640-A852-D9BC714A2D8E}" type="datetimeFigureOut">
+              <a:rPr lang="en-US" smtClean="0"/>
+              <a:t>4/13/22</a:t>
+            </a:fld>
+            <a:endParaRPr lang="en-US"/>
+          </a:p>
+        </p:txBody>
+      </p:sp>
+      <p:sp>
+        <p:nvSpPr>
+          <p:cNvPr id="8" name="Footer Placeholder 7"/>
+          <p:cNvSpPr>
+            <a:spLocks noGrp="1"/>
+          </p:cNvSpPr>
+          <p:nvPr>
+            <p:ph type="ftr" sz="quarter" idx="11"/>
+          </p:nvPr>
+        </p:nvSpPr>
+        <p:spPr/>
+        <p:txBody>
+          <a:bodyPr/>
+          <a:lstStyle/>
+          <a:p>
+            <a:endParaRPr lang="en-US"/>
+          </a:p>
+        </p:txBody>
+      </p:sp>
+      <p:sp>
+        <p:nvSpPr>
+          <p:cNvPr id="9" name="Slide Number Placeholder 8"/>
+          <p:cNvSpPr>
+            <a:spLocks noGrp="1"/>
+          </p:cNvSpPr>
+          <p:nvPr>
+            <p:ph type="sldNum" sz="quarter" idx="12"/>
+          </p:nvPr>
+        </p:nvSpPr>
+        <p:spPr/>
+        <p:txBody>
+          <a:bodyPr/>
+          <a:lstStyle/>
+          <a:p>
+            <a:fld id="{39D11A71-8617-2F44-AD4F-D4F038AF0943}" type="slidenum">
+              <a:rPr lang="en-US" smtClean="0"/>
+              <a:t>‹#›</a:t>
+            </a:fld>
+            <a:endParaRPr lang="en-US"/>
+          </a:p>
+        </p:txBody>
+      </p:sp>
+      <p:cxnSp>
+        <p:nvCxnSpPr>
+          <p:cNvPr id="29" name="Straight Connector 28"/>
+          <p:cNvCxnSpPr/>
+          <p:nvPr/>
+        </p:nvCxnSpPr>
+        <p:spPr>
+          <a:xfrm>
+            <a:off x="1744675" y="2216506"/>
+            <a:ext cx="11529026" cy="0"/>
+          </a:xfrm>
+          <a:prstGeom prst="line">
+            <a:avLst/>
+          </a:prstGeom>
+          <a:ln w="31750"/>
+        </p:spPr>
+        <p:style>
+          <a:lnRef idx="3">
+            <a:schemeClr val="accent1"/>
+          </a:lnRef>
+          <a:fillRef idx="0">
+            <a:schemeClr val="accent1"/>
+          </a:fillRef>
+          <a:effectRef idx="2">
+            <a:schemeClr val="accent1"/>
+          </a:effectRef>
+          <a:fontRef idx="minor">
+            <a:schemeClr val="tx1"/>
+          </a:fontRef>
+        </p:style>
+      </p:cxnSp>
     </p:spTree>
     <p:extLst>
       <p:ext uri="{BB962C8B-B14F-4D97-AF65-F5344CB8AC3E}">
-        <p14:creationId xmlns:p14="http://schemas.microsoft.com/office/powerpoint/2010/main" val="3935601375"/>
+        <p14:creationId xmlns:p14="http://schemas.microsoft.com/office/powerpoint/2010/main" val="478562244"/>
       </p:ext>
     </p:extLst>
   </p:cSld>
@@ -1979,13 +2944,7 @@
       </p:grpSpPr>
       <p:sp>
         <p:nvSpPr>
-          <p:cNvPr id="2" name="Title 1">
-            <a:extLst>
-              <a:ext uri="{FF2B5EF4-FFF2-40B4-BE49-F238E27FC236}">
-                <a16:creationId xmlns:a16="http://schemas.microsoft.com/office/drawing/2014/main" id="{8519923F-80CF-1549-A2F3-FD799F8D8292}"/>
-              </a:ext>
-            </a:extLst>
-          </p:cNvPr>
+          <p:cNvPr id="2" name="Title 1"/>
           <p:cNvSpPr>
             <a:spLocks noGrp="1"/>
           </p:cNvSpPr>
@@ -2002,14 +2961,110 @@
               <a:rPr lang="en-US"/>
               <a:t>Click to edit Master title style</a:t>
             </a:r>
-            <a:endParaRPr lang="en-GB"/>
+            <a:endParaRPr lang="en-US" dirty="0"/>
           </a:p>
         </p:txBody>
       </p:sp>
+      <p:sp>
+        <p:nvSpPr>
+          <p:cNvPr id="3" name="Date Placeholder 2"/>
+          <p:cNvSpPr>
+            <a:spLocks noGrp="1"/>
+          </p:cNvSpPr>
+          <p:nvPr>
+            <p:ph type="dt" sz="half" idx="10"/>
+          </p:nvPr>
+        </p:nvSpPr>
+        <p:spPr/>
+        <p:txBody>
+          <a:bodyPr/>
+          <a:lstStyle/>
+          <a:p>
+            <a:fld id="{4D7922CC-6A16-6640-A852-D9BC714A2D8E}" type="datetimeFigureOut">
+              <a:rPr lang="en-US" smtClean="0"/>
+              <a:t>4/13/22</a:t>
+            </a:fld>
+            <a:endParaRPr lang="en-US"/>
+          </a:p>
+        </p:txBody>
+      </p:sp>
+      <p:sp>
+        <p:nvSpPr>
+          <p:cNvPr id="4" name="Footer Placeholder 3"/>
+          <p:cNvSpPr>
+            <a:spLocks noGrp="1"/>
+          </p:cNvSpPr>
+          <p:nvPr>
+            <p:ph type="ftr" sz="quarter" idx="11"/>
+          </p:nvPr>
+        </p:nvSpPr>
+        <p:spPr/>
+        <p:txBody>
+          <a:bodyPr/>
+          <a:lstStyle/>
+          <a:p>
+            <a:endParaRPr lang="en-US"/>
+          </a:p>
+        </p:txBody>
+      </p:sp>
+      <p:sp>
+        <p:nvSpPr>
+          <p:cNvPr id="5" name="Slide Number Placeholder 4"/>
+          <p:cNvSpPr>
+            <a:spLocks noGrp="1"/>
+          </p:cNvSpPr>
+          <p:nvPr>
+            <p:ph type="sldNum" sz="quarter" idx="12"/>
+          </p:nvPr>
+        </p:nvSpPr>
+        <p:spPr/>
+        <p:txBody>
+          <a:bodyPr/>
+          <a:lstStyle/>
+          <a:p>
+            <a:fld id="{39D11A71-8617-2F44-AD4F-D4F038AF0943}" type="slidenum">
+              <a:rPr lang="en-US" smtClean="0"/>
+              <a:t>‹#›</a:t>
+            </a:fld>
+            <a:endParaRPr lang="en-US"/>
+          </a:p>
+        </p:txBody>
+      </p:sp>
+      <p:cxnSp>
+        <p:nvCxnSpPr>
+          <p:cNvPr id="25" name="Straight Connector 24"/>
+          <p:cNvCxnSpPr/>
+          <p:nvPr/>
+        </p:nvCxnSpPr>
+        <p:spPr>
+          <a:xfrm>
+            <a:off x="1744675" y="2216506"/>
+            <a:ext cx="11529026" cy="0"/>
+          </a:xfrm>
+          <a:prstGeom prst="line">
+            <a:avLst/>
+          </a:prstGeom>
+          <a:ln w="31750"/>
+        </p:spPr>
+        <p:style>
+          <a:lnRef idx="3">
+            <a:schemeClr val="accent1"/>
+          </a:lnRef>
+          <a:fillRef idx="0">
+            <a:schemeClr val="accent1"/>
+          </a:fillRef>
+          <a:effectRef idx="2">
+            <a:schemeClr val="accent1"/>
+          </a:effectRef>
+          <a:fontRef idx="minor">
+            <a:schemeClr val="tx1"/>
+          </a:fontRef>
+        </p:style>
+      </p:cxnSp>
     </p:spTree>
     <p:extLst>
       <p:ext uri="{BB962C8B-B14F-4D97-AF65-F5344CB8AC3E}">
-        <p14:creationId xmlns:p14="http://schemas.microsoft.com/office/powerpoint/2010/main" val="2284444639"/>
+        <p14:creationId xmlns:p14="http://schemas.microsoft.com/office/powerpoint/2010/main" val="3957619298"/>
       </p:ext>
     </p:extLst>
   </p:cSld>
@@ -2036,10 +3091,75 @@
           <a:chExt cx="0" cy="0"/>
         </a:xfrm>
       </p:grpSpPr>
+      <p:sp>
+        <p:nvSpPr>
+          <p:cNvPr id="2" name="Date Placeholder 1"/>
+          <p:cNvSpPr>
+            <a:spLocks noGrp="1"/>
+          </p:cNvSpPr>
+          <p:nvPr>
+            <p:ph type="dt" sz="half" idx="10"/>
+          </p:nvPr>
+        </p:nvSpPr>
+        <p:spPr/>
+        <p:txBody>
+          <a:bodyPr/>
+          <a:lstStyle/>
+          <a:p>
+            <a:fld id="{4D7922CC-6A16-6640-A852-D9BC714A2D8E}" type="datetimeFigureOut">
+              <a:rPr lang="en-US" smtClean="0"/>
+              <a:t>4/13/22</a:t>
+            </a:fld>
+            <a:endParaRPr lang="en-US"/>
+          </a:p>
+        </p:txBody>
+      </p:sp>
+      <p:sp>
+        <p:nvSpPr>
+          <p:cNvPr id="3" name="Footer Placeholder 2"/>
+          <p:cNvSpPr>
+            <a:spLocks noGrp="1"/>
+          </p:cNvSpPr>
+          <p:nvPr>
+            <p:ph type="ftr" sz="quarter" idx="11"/>
+          </p:nvPr>
+        </p:nvSpPr>
+        <p:spPr/>
+        <p:txBody>
+          <a:bodyPr/>
+          <a:lstStyle/>
+          <a:p>
+            <a:endParaRPr lang="en-US"/>
+          </a:p>
+        </p:txBody>
+      </p:sp>
+      <p:sp>
+        <p:nvSpPr>
+          <p:cNvPr id="4" name="Slide Number Placeholder 3"/>
+          <p:cNvSpPr>
+            <a:spLocks noGrp="1"/>
+          </p:cNvSpPr>
+          <p:nvPr>
+            <p:ph type="sldNum" sz="quarter" idx="12"/>
+          </p:nvPr>
+        </p:nvSpPr>
+        <p:spPr/>
+        <p:txBody>
+          <a:bodyPr/>
+          <a:lstStyle/>
+          <a:p>
+            <a:fld id="{39D11A71-8617-2F44-AD4F-D4F038AF0943}" type="slidenum">
+              <a:rPr lang="en-US" smtClean="0"/>
+              <a:t>‹#›</a:t>
+            </a:fld>
+            <a:endParaRPr lang="en-US"/>
+          </a:p>
+        </p:txBody>
+      </p:sp>
     </p:spTree>
     <p:extLst>
       <p:ext uri="{BB962C8B-B14F-4D97-AF65-F5344CB8AC3E}">
-        <p14:creationId xmlns:p14="http://schemas.microsoft.com/office/powerpoint/2010/main" val="1322359925"/>
+        <p14:creationId xmlns:p14="http://schemas.microsoft.com/office/powerpoint/2010/main" val="420708698"/>
       </p:ext>
     </p:extLst>
   </p:cSld>
@@ -2068,13 +3188,7 @@
       </p:grpSpPr>
       <p:sp>
         <p:nvSpPr>
-          <p:cNvPr id="2" name="Title 1">
-            <a:extLst>
-              <a:ext uri="{FF2B5EF4-FFF2-40B4-BE49-F238E27FC236}">
-                <a16:creationId xmlns:a16="http://schemas.microsoft.com/office/drawing/2014/main" id="{7B42A188-0C7D-5B48-8F5A-A4914AFAC988}"/>
-              </a:ext>
-            </a:extLst>
-          </p:cNvPr>
+          <p:cNvPr id="2" name="Title 1"/>
           <p:cNvSpPr>
             <a:spLocks noGrp="1"/>
           </p:cNvSpPr>
@@ -2084,15 +3198,17 @@
         </p:nvSpPr>
         <p:spPr>
           <a:xfrm>
-            <a:off x="1007746" y="548640"/>
-            <a:ext cx="4718684" cy="1920240"/>
+            <a:off x="1733606" y="958768"/>
+            <a:ext cx="3927719" cy="2696540"/>
           </a:xfrm>
         </p:spPr>
         <p:txBody>
-          <a:bodyPr anchor="b"/>
+          <a:bodyPr anchor="b">
+            <a:normAutofit/>
+          </a:bodyPr>
           <a:lstStyle>
-            <a:lvl1pPr>
-              <a:defRPr sz="3800"/>
+            <a:lvl1pPr algn="l">
+              <a:defRPr sz="2880"/>
             </a:lvl1pPr>
           </a:lstStyle>
           <a:p>
@@ -2100,19 +3216,13 @@
               <a:rPr lang="en-US"/>
               <a:t>Click to edit Master title style</a:t>
             </a:r>
-            <a:endParaRPr lang="en-GB"/>
+            <a:endParaRPr lang="en-US" dirty="0"/>
           </a:p>
         </p:txBody>
       </p:sp>
       <p:sp>
         <p:nvSpPr>
-          <p:cNvPr id="3" name="Content Placeholder 2">
-            <a:extLst>
-              <a:ext uri="{FF2B5EF4-FFF2-40B4-BE49-F238E27FC236}">
-                <a16:creationId xmlns:a16="http://schemas.microsoft.com/office/drawing/2014/main" id="{35D79F44-FC70-FA4C-ABA7-3BC66D2F509B}"/>
-              </a:ext>
-            </a:extLst>
-          </p:cNvPr>
+          <p:cNvPr id="3" name="Content Placeholder 2"/>
           <p:cNvSpPr>
             <a:spLocks noGrp="1"/>
           </p:cNvSpPr>
@@ -2122,46 +3232,18 @@
         </p:nvSpPr>
         <p:spPr>
           <a:xfrm>
-            <a:off x="6219826" y="1184911"/>
-            <a:ext cx="7406640" cy="5848350"/>
+            <a:off x="6052457" y="958769"/>
+            <a:ext cx="7214964" cy="5590591"/>
           </a:xfrm>
         </p:spPr>
         <p:txBody>
-          <a:bodyPr/>
-          <a:lstStyle>
-            <a:lvl1pPr>
-              <a:defRPr sz="3800"/>
-            </a:lvl1pPr>
-            <a:lvl2pPr>
-              <a:defRPr sz="3400"/>
-            </a:lvl2pPr>
-            <a:lvl3pPr>
-              <a:defRPr sz="2900"/>
-            </a:lvl3pPr>
-            <a:lvl4pPr>
-              <a:defRPr sz="2400"/>
-            </a:lvl4pPr>
-            <a:lvl5pPr>
-              <a:defRPr sz="2400"/>
-            </a:lvl5pPr>
-            <a:lvl6pPr>
-              <a:defRPr sz="2400"/>
-            </a:lvl6pPr>
-            <a:lvl7pPr>
-              <a:defRPr sz="2400"/>
-            </a:lvl7pPr>
-            <a:lvl8pPr>
-              <a:defRPr sz="2400"/>
-            </a:lvl8pPr>
-            <a:lvl9pPr>
-              <a:defRPr sz="2400"/>
-            </a:lvl9pPr>
-          </a:lstStyle>
+          <a:bodyPr anchor="ctr"/>
+          <a:lstStyle/>
           <a:p>
             <a:pPr lvl="0"/>
             <a:r>
               <a:rPr lang="en-US"/>
-              <a:t>Edit Master text styles</a:t>
+              <a:t>Click to edit Master text styles</a:t>
             </a:r>
           </a:p>
           <a:p>
@@ -2191,19 +3273,13 @@
               <a:rPr lang="en-US"/>
               <a:t>Fifth level</a:t>
             </a:r>
-            <a:endParaRPr lang="en-GB"/>
+            <a:endParaRPr lang="en-US" dirty="0"/>
           </a:p>
         </p:txBody>
       </p:sp>
       <p:sp>
         <p:nvSpPr>
-          <p:cNvPr id="4" name="Text Placeholder 3">
-            <a:extLst>
-              <a:ext uri="{FF2B5EF4-FFF2-40B4-BE49-F238E27FC236}">
-                <a16:creationId xmlns:a16="http://schemas.microsoft.com/office/drawing/2014/main" id="{A97335F7-E000-8E41-80E4-E0A5EE4F2A8E}"/>
-              </a:ext>
-            </a:extLst>
-          </p:cNvPr>
+          <p:cNvPr id="4" name="Text Placeholder 3"/>
           <p:cNvSpPr>
             <a:spLocks noGrp="1"/>
           </p:cNvSpPr>
@@ -2213,24 +3289,24 @@
         </p:nvSpPr>
         <p:spPr>
           <a:xfrm>
-            <a:off x="1007746" y="2468880"/>
-            <a:ext cx="4718684" cy="4573906"/>
+            <a:off x="1733606" y="3846590"/>
+            <a:ext cx="3930016" cy="2697817"/>
           </a:xfrm>
         </p:spPr>
         <p:txBody>
           <a:bodyPr/>
           <a:lstStyle>
-            <a:lvl1pPr marL="0" indent="0">
+            <a:lvl1pPr marL="0" indent="0" algn="l">
               <a:buNone/>
-              <a:defRPr sz="1900"/>
+              <a:defRPr sz="1920"/>
             </a:lvl1pPr>
             <a:lvl2pPr marL="548640" indent="0">
               <a:buNone/>
-              <a:defRPr sz="1700"/>
+              <a:defRPr sz="1680"/>
             </a:lvl2pPr>
             <a:lvl3pPr marL="1097280" indent="0">
               <a:buNone/>
-              <a:defRPr sz="1400"/>
+              <a:defRPr sz="1440"/>
             </a:lvl3pPr>
             <a:lvl4pPr marL="1645920" indent="0">
               <a:buNone/>
@@ -2261,15 +3337,111 @@
             <a:pPr lvl="0"/>
             <a:r>
               <a:rPr lang="en-US"/>
-              <a:t>Edit Master text styles</a:t>
+              <a:t>Click to edit Master text styles</a:t>
             </a:r>
           </a:p>
         </p:txBody>
       </p:sp>
+      <p:sp>
+        <p:nvSpPr>
+          <p:cNvPr id="5" name="Date Placeholder 4"/>
+          <p:cNvSpPr>
+            <a:spLocks noGrp="1"/>
+          </p:cNvSpPr>
+          <p:nvPr>
+            <p:ph type="dt" sz="half" idx="10"/>
+          </p:nvPr>
+        </p:nvSpPr>
+        <p:spPr/>
+        <p:txBody>
+          <a:bodyPr/>
+          <a:lstStyle/>
+          <a:p>
+            <a:fld id="{4D7922CC-6A16-6640-A852-D9BC714A2D8E}" type="datetimeFigureOut">
+              <a:rPr lang="en-US" smtClean="0"/>
+              <a:t>4/13/22</a:t>
+            </a:fld>
+            <a:endParaRPr lang="en-US"/>
+          </a:p>
+        </p:txBody>
+      </p:sp>
+      <p:sp>
+        <p:nvSpPr>
+          <p:cNvPr id="6" name="Footer Placeholder 5"/>
+          <p:cNvSpPr>
+            <a:spLocks noGrp="1"/>
+          </p:cNvSpPr>
+          <p:nvPr>
+            <p:ph type="ftr" sz="quarter" idx="11"/>
+          </p:nvPr>
+        </p:nvSpPr>
+        <p:spPr/>
+        <p:txBody>
+          <a:bodyPr/>
+          <a:lstStyle/>
+          <a:p>
+            <a:endParaRPr lang="en-US"/>
+          </a:p>
+        </p:txBody>
+      </p:sp>
+      <p:sp>
+        <p:nvSpPr>
+          <p:cNvPr id="7" name="Slide Number Placeholder 6"/>
+          <p:cNvSpPr>
+            <a:spLocks noGrp="1"/>
+          </p:cNvSpPr>
+          <p:nvPr>
+            <p:ph type="sldNum" sz="quarter" idx="12"/>
+          </p:nvPr>
+        </p:nvSpPr>
+        <p:spPr/>
+        <p:txBody>
+          <a:bodyPr/>
+          <a:lstStyle/>
+          <a:p>
+            <a:fld id="{39D11A71-8617-2F44-AD4F-D4F038AF0943}" type="slidenum">
+              <a:rPr lang="en-US" smtClean="0"/>
+              <a:t>‹#›</a:t>
+            </a:fld>
+            <a:endParaRPr lang="en-US"/>
+          </a:p>
+        </p:txBody>
+      </p:sp>
+      <p:cxnSp>
+        <p:nvCxnSpPr>
+          <p:cNvPr id="17" name="Straight Connector 16"/>
+          <p:cNvCxnSpPr/>
+          <p:nvPr/>
+        </p:nvCxnSpPr>
+        <p:spPr>
+          <a:xfrm>
+            <a:off x="1737936" y="3846589"/>
+            <a:ext cx="3923388" cy="0"/>
+          </a:xfrm>
+          <a:prstGeom prst="line">
+            <a:avLst/>
+          </a:prstGeom>
+          <a:ln w="31750"/>
+        </p:spPr>
+        <p:style>
+          <a:lnRef idx="3">
+            <a:schemeClr val="accent1"/>
+          </a:lnRef>
+          <a:fillRef idx="0">
+            <a:schemeClr val="accent1"/>
+          </a:fillRef>
+          <a:effectRef idx="2">
+            <a:schemeClr val="accent1"/>
+          </a:effectRef>
+          <a:fontRef idx="minor">
+            <a:schemeClr val="tx1"/>
+          </a:fontRef>
+        </p:style>
+      </p:cxnSp>
     </p:spTree>
     <p:extLst>
       <p:ext uri="{BB962C8B-B14F-4D97-AF65-F5344CB8AC3E}">
-        <p14:creationId xmlns:p14="http://schemas.microsoft.com/office/powerpoint/2010/main" val="1797874037"/>
+        <p14:creationId xmlns:p14="http://schemas.microsoft.com/office/powerpoint/2010/main" val="807276600"/>
       </p:ext>
     </p:extLst>
   </p:cSld>
@@ -2296,15 +3468,143 @@
           <a:chExt cx="0" cy="0"/>
         </a:xfrm>
       </p:grpSpPr>
+      <p:grpSp>
+        <p:nvGrpSpPr>
+          <p:cNvPr id="8" name="Group 7"/>
+          <p:cNvGrpSpPr/>
+          <p:nvPr/>
+        </p:nvGrpSpPr>
+        <p:grpSpPr>
+          <a:xfrm>
+            <a:off x="8972865" y="578605"/>
+            <a:ext cx="4889440" cy="6178921"/>
+            <a:chOff x="7477387" y="482170"/>
+            <a:chExt cx="4074533" cy="5149101"/>
+          </a:xfrm>
+        </p:grpSpPr>
+        <p:sp>
+          <p:nvSpPr>
+            <p:cNvPr id="18" name="Rectangle 17"/>
+            <p:cNvSpPr/>
+            <p:nvPr/>
+          </p:nvSpPr>
+          <p:spPr bwMode="black">
+            <a:xfrm>
+              <a:off x="7477387" y="482170"/>
+              <a:ext cx="4074533" cy="5149101"/>
+            </a:xfrm>
+            <a:prstGeom prst="rect">
+              <a:avLst/>
+            </a:prstGeom>
+            <a:gradFill>
+              <a:gsLst>
+                <a:gs pos="0">
+                  <a:srgbClr val="000001"/>
+                </a:gs>
+                <a:gs pos="100000">
+                  <a:srgbClr val="191919"/>
+                </a:gs>
+              </a:gsLst>
+            </a:gradFill>
+            <a:ln w="76200" cmpd="sng">
+              <a:noFill/>
+              <a:miter lim="800000"/>
+            </a:ln>
+            <a:effectLst>
+              <a:outerShdw blurRad="127000" dist="228600" dir="4740000" sx="98000" sy="98000" algn="tl" rotWithShape="0">
+                <a:srgbClr val="000000">
+                  <a:alpha val="34000"/>
+                </a:srgbClr>
+              </a:outerShdw>
+            </a:effectLst>
+            <a:scene3d>
+              <a:camera prst="orthographicFront"/>
+              <a:lightRig rig="threePt" dir="t"/>
+            </a:scene3d>
+            <a:sp3d>
+              <a:bevelT w="152400" h="50800" prst="softRound"/>
+            </a:sp3d>
+          </p:spPr>
+          <p:style>
+            <a:lnRef idx="1">
+              <a:schemeClr val="accent1"/>
+            </a:lnRef>
+            <a:fillRef idx="3">
+              <a:schemeClr val="accent1"/>
+            </a:fillRef>
+            <a:effectRef idx="2">
+              <a:schemeClr val="accent1"/>
+            </a:effectRef>
+            <a:fontRef idx="minor">
+              <a:schemeClr val="lt1"/>
+            </a:fontRef>
+          </p:style>
+        </p:sp>
+        <p:sp>
+          <p:nvSpPr>
+            <p:cNvPr id="19" name="Rectangle 18"/>
+            <p:cNvSpPr/>
+            <p:nvPr/>
+          </p:nvSpPr>
+          <p:spPr bwMode="blackWhite">
+            <a:xfrm>
+              <a:off x="7790446" y="812506"/>
+              <a:ext cx="3450289" cy="4466452"/>
+            </a:xfrm>
+            <a:prstGeom prst="rect">
+              <a:avLst/>
+            </a:prstGeom>
+            <a:gradFill>
+              <a:gsLst>
+                <a:gs pos="0">
+                  <a:srgbClr val="DADADA"/>
+                </a:gs>
+                <a:gs pos="100000">
+                  <a:srgbClr val="FFFFFE"/>
+                </a:gs>
+              </a:gsLst>
+              <a:lin ang="16200000" scaled="0"/>
+            </a:gradFill>
+            <a:ln w="50800" cmpd="sng">
+              <a:solidFill>
+                <a:srgbClr val="191919"/>
+              </a:solidFill>
+              <a:miter lim="800000"/>
+            </a:ln>
+            <a:effectLst>
+              <a:innerShdw blurRad="63500" dist="88900" dir="14100000">
+                <a:srgbClr val="000000">
+                  <a:alpha val="30000"/>
+                </a:srgbClr>
+              </a:innerShdw>
+            </a:effectLst>
+            <a:scene3d>
+              <a:camera prst="orthographicFront"/>
+              <a:lightRig rig="threePt" dir="t"/>
+            </a:scene3d>
+            <a:sp3d>
+              <a:bevelT prst="relaxedInset"/>
+            </a:sp3d>
+          </p:spPr>
+          <p:style>
+            <a:lnRef idx="1">
+              <a:schemeClr val="accent1"/>
+            </a:lnRef>
+            <a:fillRef idx="3">
+              <a:schemeClr val="accent1"/>
+            </a:fillRef>
+            <a:effectRef idx="2">
+              <a:schemeClr val="accent1"/>
+            </a:effectRef>
+            <a:fontRef idx="minor">
+              <a:schemeClr val="lt1"/>
+            </a:fontRef>
+          </p:style>
+        </p:sp>
+      </p:grpSp>
       <p:sp>
         <p:nvSpPr>
-          <p:cNvPr id="2" name="Title 1">
-            <a:extLst>
-              <a:ext uri="{FF2B5EF4-FFF2-40B4-BE49-F238E27FC236}">
-                <a16:creationId xmlns:a16="http://schemas.microsoft.com/office/drawing/2014/main" id="{EF3627E9-05F0-FE4F-9A4C-7EBDC6827538}"/>
-              </a:ext>
-            </a:extLst>
-          </p:cNvPr>
+          <p:cNvPr id="2" name="Title 1"/>
           <p:cNvSpPr>
             <a:spLocks noGrp="1"/>
           </p:cNvSpPr>
@@ -2314,15 +3614,17 @@
         </p:nvSpPr>
         <p:spPr>
           <a:xfrm>
-            <a:off x="1007746" y="548640"/>
-            <a:ext cx="4718684" cy="1920240"/>
+            <a:off x="1741447" y="1355416"/>
+            <a:ext cx="6638794" cy="2196701"/>
           </a:xfrm>
         </p:spPr>
         <p:txBody>
-          <a:bodyPr anchor="b"/>
+          <a:bodyPr anchor="b">
+            <a:normAutofit/>
+          </a:bodyPr>
           <a:lstStyle>
             <a:lvl1pPr>
-              <a:defRPr sz="3800"/>
+              <a:defRPr sz="3840"/>
             </a:lvl1pPr>
           </a:lstStyle>
           <a:p>
@@ -2330,21 +3632,15 @@
               <a:rPr lang="en-US"/>
               <a:t>Click to edit Master title style</a:t>
             </a:r>
-            <a:endParaRPr lang="en-GB"/>
+            <a:endParaRPr lang="en-US" dirty="0"/>
           </a:p>
         </p:txBody>
       </p:sp>
       <p:sp>
         <p:nvSpPr>
-          <p:cNvPr id="3" name="Picture Placeholder 2">
-            <a:extLst>
-              <a:ext uri="{FF2B5EF4-FFF2-40B4-BE49-F238E27FC236}">
-                <a16:creationId xmlns:a16="http://schemas.microsoft.com/office/drawing/2014/main" id="{1AE113E1-980C-1E4F-BD57-EFD7C1325AA0}"/>
-              </a:ext>
-            </a:extLst>
-          </p:cNvPr>
+          <p:cNvPr id="3" name="Picture Placeholder 2"/>
           <p:cNvSpPr>
-            <a:spLocks noGrp="1"/>
+            <a:spLocks noGrp="1" noChangeAspect="1"/>
           </p:cNvSpPr>
           <p:nvPr>
             <p:ph type="pic" idx="1"/>
@@ -2352,24 +3648,34 @@
         </p:nvSpPr>
         <p:spPr>
           <a:xfrm>
-            <a:off x="6219826" y="1184911"/>
-            <a:ext cx="7406640" cy="5848350"/>
+            <a:off x="9749268" y="1347051"/>
+            <a:ext cx="3349405" cy="4639592"/>
           </a:xfrm>
+          <a:solidFill>
+            <a:schemeClr val="bg1">
+              <a:lumMod val="85000"/>
+            </a:schemeClr>
+          </a:solidFill>
+          <a:ln w="9525" cap="sq">
+            <a:noFill/>
+            <a:miter lim="800000"/>
+          </a:ln>
+          <a:effectLst/>
         </p:spPr>
         <p:txBody>
-          <a:bodyPr/>
+          <a:bodyPr anchor="t"/>
           <a:lstStyle>
-            <a:lvl1pPr marL="0" indent="0">
+            <a:lvl1pPr marL="0" indent="0" algn="ctr">
               <a:buNone/>
-              <a:defRPr sz="3800"/>
+              <a:defRPr sz="3840"/>
             </a:lvl1pPr>
             <a:lvl2pPr marL="548640" indent="0">
               <a:buNone/>
-              <a:defRPr sz="3400"/>
+              <a:defRPr sz="3360"/>
             </a:lvl2pPr>
             <a:lvl3pPr marL="1097280" indent="0">
               <a:buNone/>
-              <a:defRPr sz="2900"/>
+              <a:defRPr sz="2880"/>
             </a:lvl3pPr>
             <a:lvl4pPr marL="1645920" indent="0">
               <a:buNone/>
@@ -2397,19 +3703,17 @@
             </a:lvl9pPr>
           </a:lstStyle>
           <a:p>
-            <a:endParaRPr lang="en-GB"/>
+            <a:r>
+              <a:rPr lang="en-US"/>
+              <a:t>Click icon to add picture</a:t>
+            </a:r>
+            <a:endParaRPr lang="en-US" dirty="0"/>
           </a:p>
         </p:txBody>
       </p:sp>
       <p:sp>
         <p:nvSpPr>
-          <p:cNvPr id="4" name="Text Placeholder 3">
-            <a:extLst>
-              <a:ext uri="{FF2B5EF4-FFF2-40B4-BE49-F238E27FC236}">
-                <a16:creationId xmlns:a16="http://schemas.microsoft.com/office/drawing/2014/main" id="{4913DE4B-B046-924F-B3CB-32E0383A5D60}"/>
-              </a:ext>
-            </a:extLst>
-          </p:cNvPr>
+          <p:cNvPr id="4" name="Text Placeholder 3"/>
           <p:cNvSpPr>
             <a:spLocks noGrp="1"/>
           </p:cNvSpPr>
@@ -2419,24 +3723,26 @@
         </p:nvSpPr>
         <p:spPr>
           <a:xfrm>
-            <a:off x="1007746" y="2468880"/>
-            <a:ext cx="4718684" cy="4573906"/>
+            <a:off x="1740395" y="3775191"/>
+            <a:ext cx="6629285" cy="2404490"/>
           </a:xfrm>
         </p:spPr>
         <p:txBody>
-          <a:bodyPr/>
+          <a:bodyPr>
+            <a:normAutofit/>
+          </a:bodyPr>
           <a:lstStyle>
-            <a:lvl1pPr marL="0" indent="0">
+            <a:lvl1pPr marL="0" indent="0" algn="l">
               <a:buNone/>
-              <a:defRPr sz="1900"/>
+              <a:defRPr sz="2160"/>
             </a:lvl1pPr>
             <a:lvl2pPr marL="548640" indent="0">
               <a:buNone/>
-              <a:defRPr sz="1700"/>
+              <a:defRPr sz="1680"/>
             </a:lvl2pPr>
             <a:lvl3pPr marL="1097280" indent="0">
               <a:buNone/>
-              <a:defRPr sz="1400"/>
+              <a:defRPr sz="1440"/>
             </a:lvl3pPr>
             <a:lvl4pPr marL="1645920" indent="0">
               <a:buNone/>
@@ -2467,20 +3773,14 @@
             <a:pPr lvl="0"/>
             <a:r>
               <a:rPr lang="en-US"/>
-              <a:t>Edit Master text styles</a:t>
+              <a:t>Click to edit Master text styles</a:t>
             </a:r>
           </a:p>
         </p:txBody>
       </p:sp>
       <p:sp>
         <p:nvSpPr>
-          <p:cNvPr id="5" name="Date Placeholder 4">
-            <a:extLst>
-              <a:ext uri="{FF2B5EF4-FFF2-40B4-BE49-F238E27FC236}">
-                <a16:creationId xmlns:a16="http://schemas.microsoft.com/office/drawing/2014/main" id="{8C152A71-4150-4C4A-9445-154BD939EB38}"/>
-              </a:ext>
-            </a:extLst>
-          </p:cNvPr>
+          <p:cNvPr id="5" name="Date Placeholder 4"/>
           <p:cNvSpPr>
             <a:spLocks noGrp="1"/>
           </p:cNvSpPr>
@@ -2490,16 +3790,17 @@
         </p:nvSpPr>
         <p:spPr>
           <a:xfrm>
-            <a:off x="1005840" y="7627621"/>
-            <a:ext cx="3291840" cy="438150"/>
+            <a:off x="1736859" y="6563828"/>
+            <a:ext cx="6632821" cy="384148"/>
           </a:xfrm>
-          <a:prstGeom prst="rect">
-            <a:avLst/>
-          </a:prstGeom>
         </p:spPr>
         <p:txBody>
-          <a:bodyPr lIns="109728" tIns="54864" rIns="109728" bIns="54864"/>
-          <a:lstStyle/>
+          <a:bodyPr/>
+          <a:lstStyle>
+            <a:lvl1pPr algn="l">
+              <a:defRPr/>
+            </a:lvl1pPr>
+          </a:lstStyle>
           <a:p>
             <a:endParaRPr lang="en-GB"/>
           </a:p>
@@ -2507,13 +3808,7 @@
       </p:sp>
       <p:sp>
         <p:nvSpPr>
-          <p:cNvPr id="6" name="Footer Placeholder 5">
-            <a:extLst>
-              <a:ext uri="{FF2B5EF4-FFF2-40B4-BE49-F238E27FC236}">
-                <a16:creationId xmlns:a16="http://schemas.microsoft.com/office/drawing/2014/main" id="{5BF15324-A847-7E48-BDE6-12E305FCF720}"/>
-              </a:ext>
-            </a:extLst>
-          </p:cNvPr>
+          <p:cNvPr id="6" name="Footer Placeholder 5"/>
           <p:cNvSpPr>
             <a:spLocks noGrp="1"/>
           </p:cNvSpPr>
@@ -2523,12 +3818,9 @@
         </p:nvSpPr>
         <p:spPr>
           <a:xfrm>
-            <a:off x="4846320" y="7627621"/>
-            <a:ext cx="4937760" cy="438150"/>
+            <a:off x="1736858" y="382369"/>
+            <a:ext cx="6649205" cy="385117"/>
           </a:xfrm>
-          <a:prstGeom prst="rect">
-            <a:avLst/>
-          </a:prstGeom>
         </p:spPr>
         <p:txBody>
           <a:bodyPr/>
@@ -2536,21 +3828,15 @@
           <a:p>
             <a:r>
               <a:rPr lang="en-US"/>
-              <a:t>AWS VPC Master Class @Kalyan Reddy Daida</a:t>
-            </a:r>
-            <a:endParaRPr lang="en-GB"/>
+              <a:t>AWS VPC Master Class @</a:t>
+            </a:r>
+            <a:endParaRPr lang="en-GB" dirty="0"/>
           </a:p>
         </p:txBody>
       </p:sp>
       <p:sp>
         <p:nvSpPr>
-          <p:cNvPr id="7" name="Slide Number Placeholder 6">
-            <a:extLst>
-              <a:ext uri="{FF2B5EF4-FFF2-40B4-BE49-F238E27FC236}">
-                <a16:creationId xmlns:a16="http://schemas.microsoft.com/office/drawing/2014/main" id="{C2DD7A1F-D1EA-C646-9E58-6DC2830FA9BD}"/>
-              </a:ext>
-            </a:extLst>
-          </p:cNvPr>
+          <p:cNvPr id="7" name="Slide Number Placeholder 6"/>
           <p:cNvSpPr>
             <a:spLocks noGrp="1"/>
           </p:cNvSpPr>
@@ -2558,17 +3844,9 @@
             <p:ph type="sldNum" sz="quarter" idx="12"/>
           </p:nvPr>
         </p:nvSpPr>
-        <p:spPr>
-          <a:xfrm>
-            <a:off x="10332720" y="7627621"/>
-            <a:ext cx="3291840" cy="438150"/>
-          </a:xfrm>
-          <a:prstGeom prst="rect">
-            <a:avLst/>
-          </a:prstGeom>
-        </p:spPr>
+        <p:spPr/>
         <p:txBody>
-          <a:bodyPr lIns="109728" tIns="54864" rIns="109728" bIns="54864"/>
+          <a:bodyPr/>
           <a:lstStyle/>
           <a:p>
             <a:fld id="{18A65C51-7344-6544-8116-303C127F5139}" type="slidenum">
@@ -2579,10 +3857,41 @@
           </a:p>
         </p:txBody>
       </p:sp>
+      <p:cxnSp>
+        <p:nvCxnSpPr>
+          <p:cNvPr id="31" name="Straight Connector 30"/>
+          <p:cNvCxnSpPr/>
+          <p:nvPr/>
+        </p:nvCxnSpPr>
+        <p:spPr>
+          <a:xfrm>
+            <a:off x="1736859" y="3772326"/>
+            <a:ext cx="6632821" cy="0"/>
+          </a:xfrm>
+          <a:prstGeom prst="line">
+            <a:avLst/>
+          </a:prstGeom>
+          <a:ln w="31750"/>
+        </p:spPr>
+        <p:style>
+          <a:lnRef idx="3">
+            <a:schemeClr val="accent1"/>
+          </a:lnRef>
+          <a:fillRef idx="0">
+            <a:schemeClr val="accent1"/>
+          </a:fillRef>
+          <a:effectRef idx="2">
+            <a:schemeClr val="accent1"/>
+          </a:effectRef>
+          <a:fontRef idx="minor">
+            <a:schemeClr val="tx1"/>
+          </a:fontRef>
+        </p:style>
+      </p:cxnSp>
     </p:spTree>
     <p:extLst>
       <p:ext uri="{BB962C8B-B14F-4D97-AF65-F5344CB8AC3E}">
-        <p14:creationId xmlns:p14="http://schemas.microsoft.com/office/powerpoint/2010/main" val="2406569071"/>
+        <p14:creationId xmlns:p14="http://schemas.microsoft.com/office/powerpoint/2010/main" val="1185363927"/>
       </p:ext>
     </p:extLst>
   </p:cSld>
@@ -2596,8 +3905,8 @@
 <p:sldMaster xmlns:a="http://schemas.openxmlformats.org/drawingml/2006/main" xmlns:r="http://schemas.openxmlformats.org/officeDocument/2006/relationships" xmlns:p="http://schemas.openxmlformats.org/presentationml/2006/main">
   <p:cSld>
     <p:bg>
-      <p:bgRef idx="1001">
-        <a:schemeClr val="bg1"/>
+      <p:bgRef idx="1003">
+        <a:schemeClr val="bg2"/>
       </p:bgRef>
     </p:bg>
     <p:spTree>
@@ -2616,29 +3925,32 @@
       </p:grpSpPr>
       <p:sp>
         <p:nvSpPr>
-          <p:cNvPr id="7" name="Rectangle 6">
-            <a:extLst>
-              <a:ext uri="{FF2B5EF4-FFF2-40B4-BE49-F238E27FC236}">
-                <a16:creationId xmlns:a16="http://schemas.microsoft.com/office/drawing/2014/main" id="{D73CC461-EC5E-944F-B708-4B7701E89627}"/>
-              </a:ext>
-            </a:extLst>
-          </p:cNvPr>
+          <p:cNvPr id="8" name="Rectangle 7"/>
           <p:cNvSpPr/>
           <p:nvPr/>
         </p:nvSpPr>
         <p:spPr>
           <a:xfrm>
-            <a:off x="-15031" y="7665929"/>
-            <a:ext cx="14645431" cy="563671"/>
+            <a:off x="0" y="2423372"/>
+            <a:ext cx="14630400" cy="4927129"/>
           </a:xfrm>
           <a:prstGeom prst="rect">
             <a:avLst/>
           </a:prstGeom>
-          <a:solidFill>
-            <a:schemeClr val="accent6">
-              <a:lumMod val="50000"/>
-            </a:schemeClr>
-          </a:solidFill>
+          <a:gradFill flip="none" rotWithShape="1">
+            <a:gsLst>
+              <a:gs pos="0">
+                <a:schemeClr val="bg2">
+                  <a:alpha val="0"/>
+                </a:schemeClr>
+              </a:gs>
+              <a:gs pos="100000">
+                <a:schemeClr val="bg2"/>
+              </a:gs>
+            </a:gsLst>
+            <a:lin ang="5400000" scaled="0"/>
+            <a:tileRect/>
+          </a:gradFill>
           <a:ln>
             <a:noFill/>
           </a:ln>
@@ -2659,28 +3971,39 @@
             <a:schemeClr val="lt1"/>
           </a:fontRef>
         </p:style>
-        <p:txBody>
-          <a:bodyPr lIns="109728" tIns="54864" rIns="109728" bIns="54864" rtlCol="0" anchor="ctr"/>
-          <a:lstStyle/>
-          <a:p>
-            <a:pPr algn="ctr"/>
-            <a:endParaRPr lang="en-GB">
-              <a:solidFill>
-                <a:schemeClr val="bg1"/>
-              </a:solidFill>
-            </a:endParaRPr>
-          </a:p>
-        </p:txBody>
       </p:sp>
+      <p:pic>
+        <p:nvPicPr>
+          <p:cNvPr id="7" name="Picture 6"/>
+          <p:cNvPicPr>
+            <a:picLocks noChangeAspect="1"/>
+          </p:cNvPicPr>
+          <p:nvPr/>
+        </p:nvPicPr>
+        <p:blipFill rotWithShape="1">
+          <a:blip r:embed="rId17">
+            <a:extLst>
+              <a:ext uri="{28A0092B-C50C-407E-A947-70E740481C1C}">
+                <a14:useLocalDpi xmlns:a14="http://schemas.microsoft.com/office/drawing/2010/main" val="0"/>
+              </a:ext>
+            </a:extLst>
+          </a:blip>
+          <a:srcRect t="1538" b="-1538"/>
+          <a:stretch/>
+        </p:blipFill>
+        <p:spPr bwMode="black">
+          <a:xfrm>
+            <a:off x="0" y="7351776"/>
+            <a:ext cx="14630400" cy="891540"/>
+          </a:xfrm>
+          <a:prstGeom prst="rect">
+            <a:avLst/>
+          </a:prstGeom>
+        </p:spPr>
+      </p:pic>
       <p:sp>
         <p:nvSpPr>
-          <p:cNvPr id="2" name="Title Placeholder 1">
-            <a:extLst>
-              <a:ext uri="{FF2B5EF4-FFF2-40B4-BE49-F238E27FC236}">
-                <a16:creationId xmlns:a16="http://schemas.microsoft.com/office/drawing/2014/main" id="{47D18E9C-71B9-6048-8B72-C5BBB56E4CA9}"/>
-              </a:ext>
-            </a:extLst>
-          </p:cNvPr>
+          <p:cNvPr id="2" name="Title Placeholder 1"/>
           <p:cNvSpPr>
             <a:spLocks noGrp="1"/>
           </p:cNvSpPr>
@@ -2690,43 +4013,30 @@
         </p:nvSpPr>
         <p:spPr>
           <a:xfrm>
-            <a:off x="1005840" y="438151"/>
-            <a:ext cx="12618720" cy="1188851"/>
+            <a:off x="1741895" y="965423"/>
+            <a:ext cx="11523930" cy="1259082"/>
           </a:xfrm>
           <a:prstGeom prst="rect">
             <a:avLst/>
           </a:prstGeom>
         </p:spPr>
         <p:txBody>
-          <a:bodyPr vert="horz" lIns="109728" tIns="54864" rIns="109728" bIns="54864" rtlCol="0" anchor="ctr">
+          <a:bodyPr vert="horz" lIns="91440" tIns="45720" rIns="91440" bIns="45720" rtlCol="0" anchor="t">
             <a:normAutofit/>
           </a:bodyPr>
           <a:lstStyle/>
           <a:p>
             <a:r>
-              <a:rPr lang="en-US" dirty="0"/>
+              <a:rPr lang="en-US"/>
               <a:t>Click to edit Master title style</a:t>
             </a:r>
-            <a:br>
-              <a:rPr lang="en-US" dirty="0"/>
-            </a:br>
-            <a:r>
-              <a:rPr lang="en-US" sz="2400" dirty="0"/>
-              <a:t>Sub heading</a:t>
-            </a:r>
-            <a:endParaRPr lang="en-GB" dirty="0"/>
+            <a:endParaRPr lang="en-US" dirty="0"/>
           </a:p>
         </p:txBody>
       </p:sp>
       <p:sp>
         <p:nvSpPr>
-          <p:cNvPr id="3" name="Text Placeholder 2">
-            <a:extLst>
-              <a:ext uri="{FF2B5EF4-FFF2-40B4-BE49-F238E27FC236}">
-                <a16:creationId xmlns:a16="http://schemas.microsoft.com/office/drawing/2014/main" id="{D0A5E41C-C682-7742-8D56-362E23AF93A1}"/>
-              </a:ext>
-            </a:extLst>
-          </p:cNvPr>
+          <p:cNvPr id="3" name="Text Placeholder 2"/>
           <p:cNvSpPr>
             <a:spLocks noGrp="1"/>
           </p:cNvSpPr>
@@ -2736,59 +4046,100 @@
         </p:nvSpPr>
         <p:spPr>
           <a:xfrm>
-            <a:off x="1005840" y="1821433"/>
-            <a:ext cx="12618720" cy="5590922"/>
+            <a:off x="1741895" y="2418879"/>
+            <a:ext cx="11523930" cy="4140736"/>
           </a:xfrm>
           <a:prstGeom prst="rect">
             <a:avLst/>
           </a:prstGeom>
         </p:spPr>
         <p:txBody>
-          <a:bodyPr vert="horz" lIns="109728" tIns="54864" rIns="109728" bIns="54864" rtlCol="0">
+          <a:bodyPr vert="horz" lIns="91440" tIns="45720" rIns="91440" bIns="45720" rtlCol="0">
             <a:normAutofit/>
           </a:bodyPr>
           <a:lstStyle/>
           <a:p>
             <a:pPr lvl="0"/>
             <a:r>
-              <a:rPr lang="en-US" dirty="0"/>
-              <a:t>Edit Master text styles</a:t>
+              <a:rPr lang="en-US"/>
+              <a:t>Click to edit Master text styles</a:t>
             </a:r>
           </a:p>
           <a:p>
             <a:pPr lvl="1"/>
             <a:r>
-              <a:rPr lang="en-US" dirty="0"/>
+              <a:rPr lang="en-US"/>
               <a:t>Second level</a:t>
             </a:r>
           </a:p>
           <a:p>
             <a:pPr lvl="2"/>
             <a:r>
-              <a:rPr lang="en-US" dirty="0"/>
+              <a:rPr lang="en-US"/>
               <a:t>Third level</a:t>
             </a:r>
           </a:p>
           <a:p>
             <a:pPr lvl="3"/>
             <a:r>
-              <a:rPr lang="en-US" dirty="0"/>
+              <a:rPr lang="en-US"/>
               <a:t>Fourth level</a:t>
             </a:r>
           </a:p>
           <a:p>
             <a:pPr lvl="4"/>
             <a:r>
-              <a:rPr lang="en-US" dirty="0"/>
+              <a:rPr lang="en-US"/>
               <a:t>Fifth level</a:t>
             </a:r>
-            <a:endParaRPr lang="en-GB" dirty="0"/>
+            <a:endParaRPr lang="en-US" dirty="0"/>
           </a:p>
         </p:txBody>
       </p:sp>
       <p:sp>
         <p:nvSpPr>
-          <p:cNvPr id="8" name="Footer Placeholder 7"/>
+          <p:cNvPr id="4" name="Date Placeholder 3"/>
+          <p:cNvSpPr>
+            <a:spLocks noGrp="1"/>
+          </p:cNvSpPr>
+          <p:nvPr>
+            <p:ph type="dt" sz="half" idx="2"/>
+          </p:nvPr>
+        </p:nvSpPr>
+        <p:spPr>
+          <a:xfrm>
+            <a:off x="9064966" y="396445"/>
+            <a:ext cx="4200858" cy="371041"/>
+          </a:xfrm>
+          <a:prstGeom prst="rect">
+            <a:avLst/>
+          </a:prstGeom>
+        </p:spPr>
+        <p:txBody>
+          <a:bodyPr vert="horz" lIns="91440" tIns="45720" rIns="91440" bIns="45720" rtlCol="0" anchor="ctr"/>
+          <a:lstStyle>
+            <a:lvl1pPr algn="r">
+              <a:defRPr sz="1200">
+                <a:solidFill>
+                  <a:schemeClr val="tx1">
+                    <a:tint val="75000"/>
+                  </a:schemeClr>
+                </a:solidFill>
+              </a:defRPr>
+            </a:lvl1pPr>
+          </a:lstStyle>
+          <a:p>
+            <a:fld id="{4D7922CC-6A16-6640-A852-D9BC714A2D8E}" type="datetimeFigureOut">
+              <a:rPr lang="en-US" smtClean="0"/>
+              <a:t>4/13/22</a:t>
+            </a:fld>
+            <a:endParaRPr lang="en-US"/>
+          </a:p>
+        </p:txBody>
+      </p:sp>
+      <p:sp>
+        <p:nvSpPr>
+          <p:cNvPr id="5" name="Footer Placeholder 4"/>
           <p:cNvSpPr>
             <a:spLocks noGrp="1"/>
           </p:cNvSpPr>
@@ -2798,184 +4149,137 @@
         </p:nvSpPr>
         <p:spPr>
           <a:xfrm>
-            <a:off x="0" y="7756238"/>
-            <a:ext cx="4937760" cy="438150"/>
+            <a:off x="1741895" y="395169"/>
+            <a:ext cx="7126603" cy="371041"/>
           </a:xfrm>
           <a:prstGeom prst="rect">
             <a:avLst/>
           </a:prstGeom>
         </p:spPr>
         <p:txBody>
-          <a:bodyPr vert="horz" lIns="109728" tIns="54864" rIns="109728" bIns="54864" rtlCol="0" anchor="ctr"/>
+          <a:bodyPr vert="horz" lIns="91440" tIns="45720" rIns="91440" bIns="45720" rtlCol="0" anchor="ctr"/>
           <a:lstStyle>
-            <a:lvl1pPr algn="ctr">
-              <a:defRPr sz="1700" b="1">
+            <a:lvl1pPr algn="l">
+              <a:defRPr sz="1200">
                 <a:solidFill>
-                  <a:schemeClr val="bg1"/>
+                  <a:schemeClr val="tx1">
+                    <a:tint val="75000"/>
+                  </a:schemeClr>
                 </a:solidFill>
               </a:defRPr>
             </a:lvl1pPr>
           </a:lstStyle>
           <a:p>
             <a:pPr algn="l"/>
-            <a:r>
-              <a:rPr lang="en-US" dirty="0"/>
-              <a:t>Kalyan Reddy Daida</a:t>
-            </a:r>
             <a:endParaRPr lang="en-GB" dirty="0"/>
           </a:p>
         </p:txBody>
       </p:sp>
       <p:sp>
         <p:nvSpPr>
-          <p:cNvPr id="6" name="Footer Placeholder 7"/>
-          <p:cNvSpPr txBox="1">
-            <a:spLocks/>
+          <p:cNvPr id="6" name="Slide Number Placeholder 5"/>
+          <p:cNvSpPr>
+            <a:spLocks noGrp="1"/>
           </p:cNvSpPr>
-          <p:nvPr/>
+          <p:nvPr>
+            <p:ph type="sldNum" sz="quarter" idx="4"/>
+          </p:nvPr>
         </p:nvSpPr>
         <p:spPr>
           <a:xfrm>
-            <a:off x="12852044" y="7714109"/>
-            <a:ext cx="1735609" cy="437415"/>
+            <a:off x="576073" y="958767"/>
+            <a:ext cx="973223" cy="604294"/>
           </a:xfrm>
           <a:prstGeom prst="rect">
             <a:avLst/>
           </a:prstGeom>
         </p:spPr>
         <p:txBody>
-          <a:bodyPr vert="horz" lIns="109728" tIns="54864" rIns="109728" bIns="54864" rtlCol="0" anchor="ctr"/>
+          <a:bodyPr vert="horz" lIns="91440" tIns="45720" rIns="91440" bIns="45720" rtlCol="0" anchor="t"/>
           <a:lstStyle>
-            <a:defPPr>
-              <a:defRPr lang="en-US"/>
-            </a:defPPr>
-            <a:lvl1pPr marL="0" algn="ctr" defTabSz="914400" rtl="0" eaLnBrk="1" latinLnBrk="0" hangingPunct="1">
-              <a:defRPr sz="1200" b="1" kern="1200">
+            <a:lvl1pPr algn="r">
+              <a:defRPr sz="3360">
                 <a:solidFill>
-                  <a:schemeClr val="bg1"/>
+                  <a:schemeClr val="accent1"/>
                 </a:solidFill>
-                <a:latin typeface="+mn-lt"/>
-                <a:ea typeface="+mn-ea"/>
-                <a:cs typeface="+mn-cs"/>
               </a:defRPr>
             </a:lvl1pPr>
-            <a:lvl2pPr marL="457200" algn="l" defTabSz="914400" rtl="0" eaLnBrk="1" latinLnBrk="0" hangingPunct="1">
-              <a:defRPr sz="1800" kern="1200">
-                <a:solidFill>
-                  <a:schemeClr val="tx1"/>
-                </a:solidFill>
-                <a:latin typeface="+mn-lt"/>
-                <a:ea typeface="+mn-ea"/>
-                <a:cs typeface="+mn-cs"/>
-              </a:defRPr>
-            </a:lvl2pPr>
-            <a:lvl3pPr marL="914400" algn="l" defTabSz="914400" rtl="0" eaLnBrk="1" latinLnBrk="0" hangingPunct="1">
-              <a:defRPr sz="1800" kern="1200">
-                <a:solidFill>
-                  <a:schemeClr val="tx1"/>
-                </a:solidFill>
-                <a:latin typeface="+mn-lt"/>
-                <a:ea typeface="+mn-ea"/>
-                <a:cs typeface="+mn-cs"/>
-              </a:defRPr>
-            </a:lvl3pPr>
-            <a:lvl4pPr marL="1371600" algn="l" defTabSz="914400" rtl="0" eaLnBrk="1" latinLnBrk="0" hangingPunct="1">
-              <a:defRPr sz="1800" kern="1200">
-                <a:solidFill>
-                  <a:schemeClr val="tx1"/>
-                </a:solidFill>
-                <a:latin typeface="+mn-lt"/>
-                <a:ea typeface="+mn-ea"/>
-                <a:cs typeface="+mn-cs"/>
-              </a:defRPr>
-            </a:lvl4pPr>
-            <a:lvl5pPr marL="1828800" algn="l" defTabSz="914400" rtl="0" eaLnBrk="1" latinLnBrk="0" hangingPunct="1">
-              <a:defRPr sz="1800" kern="1200">
-                <a:solidFill>
-                  <a:schemeClr val="tx1"/>
-                </a:solidFill>
-                <a:latin typeface="+mn-lt"/>
-                <a:ea typeface="+mn-ea"/>
-                <a:cs typeface="+mn-cs"/>
-              </a:defRPr>
-            </a:lvl5pPr>
-            <a:lvl6pPr marL="2286000" algn="l" defTabSz="914400" rtl="0" eaLnBrk="1" latinLnBrk="0" hangingPunct="1">
-              <a:defRPr sz="1800" kern="1200">
-                <a:solidFill>
-                  <a:schemeClr val="tx1"/>
-                </a:solidFill>
-                <a:latin typeface="+mn-lt"/>
-                <a:ea typeface="+mn-ea"/>
-                <a:cs typeface="+mn-cs"/>
-              </a:defRPr>
-            </a:lvl6pPr>
-            <a:lvl7pPr marL="2743200" algn="l" defTabSz="914400" rtl="0" eaLnBrk="1" latinLnBrk="0" hangingPunct="1">
-              <a:defRPr sz="1800" kern="1200">
-                <a:solidFill>
-                  <a:schemeClr val="tx1"/>
-                </a:solidFill>
-                <a:latin typeface="+mn-lt"/>
-                <a:ea typeface="+mn-ea"/>
-                <a:cs typeface="+mn-cs"/>
-              </a:defRPr>
-            </a:lvl7pPr>
-            <a:lvl8pPr marL="3200400" algn="l" defTabSz="914400" rtl="0" eaLnBrk="1" latinLnBrk="0" hangingPunct="1">
-              <a:defRPr sz="1800" kern="1200">
-                <a:solidFill>
-                  <a:schemeClr val="tx1"/>
-                </a:solidFill>
-                <a:latin typeface="+mn-lt"/>
-                <a:ea typeface="+mn-ea"/>
-                <a:cs typeface="+mn-cs"/>
-              </a:defRPr>
-            </a:lvl8pPr>
-            <a:lvl9pPr marL="3657600" algn="l" defTabSz="914400" rtl="0" eaLnBrk="1" latinLnBrk="0" hangingPunct="1">
-              <a:defRPr sz="1800" kern="1200">
-                <a:solidFill>
-                  <a:schemeClr val="tx1"/>
-                </a:solidFill>
-                <a:latin typeface="+mn-lt"/>
-                <a:ea typeface="+mn-ea"/>
-                <a:cs typeface="+mn-cs"/>
-              </a:defRPr>
-            </a:lvl9pPr>
           </a:lstStyle>
           <a:p>
-            <a:pPr algn="ctr"/>
-            <a:r>
-              <a:rPr lang="en-US" sz="1700" dirty="0"/>
-              <a:t>StackSimplify</a:t>
-            </a:r>
-            <a:endParaRPr lang="en-GB" sz="1700" dirty="0"/>
+            <a:fld id="{39D11A71-8617-2F44-AD4F-D4F038AF0943}" type="slidenum">
+              <a:rPr lang="en-US" smtClean="0"/>
+              <a:t>‹#›</a:t>
+            </a:fld>
+            <a:endParaRPr lang="en-US"/>
           </a:p>
         </p:txBody>
       </p:sp>
+      <p:cxnSp>
+        <p:nvCxnSpPr>
+          <p:cNvPr id="10" name="Straight Connector 9"/>
+          <p:cNvCxnSpPr/>
+          <p:nvPr/>
+        </p:nvCxnSpPr>
+        <p:spPr>
+          <a:xfrm>
+            <a:off x="0" y="7354096"/>
+            <a:ext cx="14630400" cy="0"/>
+          </a:xfrm>
+          <a:prstGeom prst="line">
+            <a:avLst/>
+          </a:prstGeom>
+          <a:ln w="12700">
+            <a:solidFill>
+              <a:srgbClr val="000001">
+                <a:alpha val="20000"/>
+              </a:srgbClr>
+            </a:solidFill>
+          </a:ln>
+        </p:spPr>
+        <p:style>
+          <a:lnRef idx="1">
+            <a:schemeClr val="accent1"/>
+          </a:lnRef>
+          <a:fillRef idx="0">
+            <a:schemeClr val="accent1"/>
+          </a:fillRef>
+          <a:effectRef idx="0">
+            <a:schemeClr val="accent1"/>
+          </a:effectRef>
+          <a:fontRef idx="minor">
+            <a:schemeClr val="tx1"/>
+          </a:fontRef>
+        </p:style>
+      </p:cxnSp>
     </p:spTree>
     <p:extLst>
       <p:ext uri="{BB962C8B-B14F-4D97-AF65-F5344CB8AC3E}">
-        <p14:creationId xmlns:p14="http://schemas.microsoft.com/office/powerpoint/2010/main" val="422198654"/>
+        <p14:creationId xmlns:p14="http://schemas.microsoft.com/office/powerpoint/2010/main" val="1182860772"/>
       </p:ext>
     </p:extLst>
   </p:cSld>
   <p:clrMap bg1="lt1" tx1="dk1" bg2="lt2" tx2="dk2" accent1="accent1" accent2="accent2" accent3="accent3" accent4="accent4" accent5="accent5" accent6="accent6" hlink="hlink" folHlink="folHlink"/>
   <p:sldLayoutIdLst>
-    <p:sldLayoutId id="2147483649" r:id="rId1"/>
-    <p:sldLayoutId id="2147483650" r:id="rId2"/>
-    <p:sldLayoutId id="2147483651" r:id="rId3"/>
-    <p:sldLayoutId id="2147483652" r:id="rId4"/>
-    <p:sldLayoutId id="2147483653" r:id="rId5"/>
-    <p:sldLayoutId id="2147483654" r:id="rId6"/>
-    <p:sldLayoutId id="2147483655" r:id="rId7"/>
-    <p:sldLayoutId id="2147483656" r:id="rId8"/>
-    <p:sldLayoutId id="2147483657" r:id="rId9"/>
-    <p:sldLayoutId id="2147483658" r:id="rId10"/>
-    <p:sldLayoutId id="2147483659" r:id="rId11"/>
-    <p:sldLayoutId id="2147483660" r:id="rId12"/>
+    <p:sldLayoutId id="2147483688" r:id="rId1"/>
+    <p:sldLayoutId id="2147483689" r:id="rId2"/>
+    <p:sldLayoutId id="2147483690" r:id="rId3"/>
+    <p:sldLayoutId id="2147483691" r:id="rId4"/>
+    <p:sldLayoutId id="2147483692" r:id="rId5"/>
+    <p:sldLayoutId id="2147483693" r:id="rId6"/>
+    <p:sldLayoutId id="2147483694" r:id="rId7"/>
+    <p:sldLayoutId id="2147483695" r:id="rId8"/>
+    <p:sldLayoutId id="2147483696" r:id="rId9"/>
+    <p:sldLayoutId id="2147483697" r:id="rId10"/>
+    <p:sldLayoutId id="2147483698" r:id="rId11"/>
+    <p:sldLayoutId id="2147483699" r:id="rId12"/>
+    <p:sldLayoutId id="2147483650" r:id="rId13"/>
+    <p:sldLayoutId id="2147483658" r:id="rId14"/>
+    <p:sldLayoutId id="2147483660" r:id="rId15"/>
   </p:sldLayoutIdLst>
   <p:hf sldNum="0" hdr="0" dt="0"/>
   <p:txStyles>
     <p:titleStyle>
-      <a:lvl1pPr algn="ctr" defTabSz="1097280" rtl="0" eaLnBrk="1" latinLnBrk="0" hangingPunct="1">
+      <a:lvl1pPr algn="l" defTabSz="1097280" rtl="0" eaLnBrk="1" latinLnBrk="0" hangingPunct="1">
         <a:lnSpc>
           <a:spcPct val="90000"/>
         </a:lnSpc>
@@ -2983,10 +4287,11 @@
           <a:spcPct val="0"/>
         </a:spcBef>
         <a:buNone/>
-        <a:defRPr sz="5300" kern="1200">
+        <a:defRPr sz="3840" b="0" i="0" kern="1200" cap="all">
           <a:solidFill>
             <a:schemeClr val="tx1"/>
           </a:solidFill>
+          <a:effectLst/>
           <a:latin typeface="+mj-lt"/>
           <a:ea typeface="+mj-ea"/>
           <a:cs typeface="+mj-cs"/>
@@ -2996,17 +4301,22 @@
     <p:bodyStyle>
       <a:lvl1pPr marL="274320" indent="-274320" algn="l" defTabSz="1097280" rtl="0" eaLnBrk="1" latinLnBrk="0" hangingPunct="1">
         <a:lnSpc>
-          <a:spcPct val="90000"/>
+          <a:spcPct val="120000"/>
         </a:lnSpc>
         <a:spcBef>
           <a:spcPts val="1200"/>
         </a:spcBef>
+        <a:buClr>
+          <a:schemeClr val="accent1"/>
+        </a:buClr>
+        <a:buSzPct val="100000"/>
         <a:buFont typeface="Arial" panose="020B0604020202020204" pitchFamily="34" charset="0"/>
         <a:buChar char="•"/>
-        <a:defRPr sz="3400" kern="1200">
+        <a:defRPr sz="2400" kern="1200">
           <a:solidFill>
             <a:schemeClr val="tx1"/>
           </a:solidFill>
+          <a:effectLst/>
           <a:latin typeface="+mn-lt"/>
           <a:ea typeface="+mn-ea"/>
           <a:cs typeface="+mn-cs"/>
@@ -3014,17 +4324,22 @@
       </a:lvl1pPr>
       <a:lvl2pPr marL="822960" indent="-274320" algn="l" defTabSz="1097280" rtl="0" eaLnBrk="1" latinLnBrk="0" hangingPunct="1">
         <a:lnSpc>
-          <a:spcPct val="90000"/>
+          <a:spcPct val="120000"/>
         </a:lnSpc>
         <a:spcBef>
           <a:spcPts val="600"/>
         </a:spcBef>
+        <a:buClr>
+          <a:schemeClr val="accent1"/>
+        </a:buClr>
+        <a:buSzPct val="100000"/>
         <a:buFont typeface="Arial" panose="020B0604020202020204" pitchFamily="34" charset="0"/>
         <a:buChar char="•"/>
-        <a:defRPr sz="2900" kern="1200">
+        <a:defRPr sz="2160" kern="1200" cap="none" baseline="0">
           <a:solidFill>
             <a:schemeClr val="tx1"/>
           </a:solidFill>
+          <a:effectLst/>
           <a:latin typeface="+mn-lt"/>
           <a:ea typeface="+mn-ea"/>
           <a:cs typeface="+mn-cs"/>
@@ -3032,17 +4347,22 @@
       </a:lvl2pPr>
       <a:lvl3pPr marL="1371600" indent="-274320" algn="l" defTabSz="1097280" rtl="0" eaLnBrk="1" latinLnBrk="0" hangingPunct="1">
         <a:lnSpc>
-          <a:spcPct val="90000"/>
+          <a:spcPct val="120000"/>
         </a:lnSpc>
         <a:spcBef>
           <a:spcPts val="600"/>
         </a:spcBef>
+        <a:buClr>
+          <a:schemeClr val="accent1"/>
+        </a:buClr>
+        <a:buSzPct val="100000"/>
         <a:buFont typeface="Arial" panose="020B0604020202020204" pitchFamily="34" charset="0"/>
         <a:buChar char="•"/>
-        <a:defRPr sz="2400" kern="1200">
+        <a:defRPr sz="1920" kern="1200">
           <a:solidFill>
             <a:schemeClr val="tx1"/>
           </a:solidFill>
+          <a:effectLst/>
           <a:latin typeface="+mn-lt"/>
           <a:ea typeface="+mn-ea"/>
           <a:cs typeface="+mn-cs"/>
@@ -3050,17 +4370,22 @@
       </a:lvl3pPr>
       <a:lvl4pPr marL="1920240" indent="-274320" algn="l" defTabSz="1097280" rtl="0" eaLnBrk="1" latinLnBrk="0" hangingPunct="1">
         <a:lnSpc>
-          <a:spcPct val="90000"/>
+          <a:spcPct val="120000"/>
         </a:lnSpc>
         <a:spcBef>
           <a:spcPts val="600"/>
         </a:spcBef>
+        <a:buClr>
+          <a:schemeClr val="accent1"/>
+        </a:buClr>
+        <a:buSzPct val="100000"/>
         <a:buFont typeface="Arial" panose="020B0604020202020204" pitchFamily="34" charset="0"/>
         <a:buChar char="•"/>
-        <a:defRPr sz="2200" kern="1200">
+        <a:defRPr sz="1680" kern="1200" cap="none" baseline="0">
           <a:solidFill>
             <a:schemeClr val="tx1"/>
           </a:solidFill>
+          <a:effectLst/>
           <a:latin typeface="+mn-lt"/>
           <a:ea typeface="+mn-ea"/>
           <a:cs typeface="+mn-cs"/>
@@ -3068,17 +4393,22 @@
       </a:lvl4pPr>
       <a:lvl5pPr marL="2468880" indent="-274320" algn="l" defTabSz="1097280" rtl="0" eaLnBrk="1" latinLnBrk="0" hangingPunct="1">
         <a:lnSpc>
-          <a:spcPct val="90000"/>
+          <a:spcPct val="120000"/>
         </a:lnSpc>
         <a:spcBef>
           <a:spcPts val="600"/>
         </a:spcBef>
+        <a:buClr>
+          <a:schemeClr val="accent1"/>
+        </a:buClr>
+        <a:buSzPct val="100000"/>
         <a:buFont typeface="Arial" panose="020B0604020202020204" pitchFamily="34" charset="0"/>
         <a:buChar char="•"/>
-        <a:defRPr sz="2200" kern="1200">
+        <a:defRPr sz="1440" kern="1200">
           <a:solidFill>
             <a:schemeClr val="tx1"/>
           </a:solidFill>
+          <a:effectLst/>
           <a:latin typeface="+mn-lt"/>
           <a:ea typeface="+mn-ea"/>
           <a:cs typeface="+mn-cs"/>
@@ -3086,17 +4416,22 @@
       </a:lvl5pPr>
       <a:lvl6pPr marL="3017520" indent="-274320" algn="l" defTabSz="1097280" rtl="0" eaLnBrk="1" latinLnBrk="0" hangingPunct="1">
         <a:lnSpc>
-          <a:spcPct val="90000"/>
+          <a:spcPct val="120000"/>
         </a:lnSpc>
         <a:spcBef>
           <a:spcPts val="600"/>
         </a:spcBef>
+        <a:buClr>
+          <a:schemeClr val="accent1"/>
+        </a:buClr>
+        <a:buSzPct val="100000"/>
         <a:buFont typeface="Arial" panose="020B0604020202020204" pitchFamily="34" charset="0"/>
         <a:buChar char="•"/>
-        <a:defRPr sz="2200" kern="1200">
+        <a:defRPr sz="1440" kern="1200">
           <a:solidFill>
             <a:schemeClr val="tx1"/>
           </a:solidFill>
+          <a:effectLst/>
           <a:latin typeface="+mn-lt"/>
           <a:ea typeface="+mn-ea"/>
           <a:cs typeface="+mn-cs"/>
@@ -3104,17 +4439,22 @@
       </a:lvl6pPr>
       <a:lvl7pPr marL="3566160" indent="-274320" algn="l" defTabSz="1097280" rtl="0" eaLnBrk="1" latinLnBrk="0" hangingPunct="1">
         <a:lnSpc>
-          <a:spcPct val="90000"/>
+          <a:spcPct val="120000"/>
         </a:lnSpc>
         <a:spcBef>
           <a:spcPts val="600"/>
         </a:spcBef>
+        <a:buClr>
+          <a:schemeClr val="accent1"/>
+        </a:buClr>
+        <a:buSzPct val="100000"/>
         <a:buFont typeface="Arial" panose="020B0604020202020204" pitchFamily="34" charset="0"/>
         <a:buChar char="•"/>
-        <a:defRPr sz="2200" kern="1200">
+        <a:defRPr sz="1440" kern="1200">
           <a:solidFill>
             <a:schemeClr val="tx1"/>
           </a:solidFill>
+          <a:effectLst/>
           <a:latin typeface="+mn-lt"/>
           <a:ea typeface="+mn-ea"/>
           <a:cs typeface="+mn-cs"/>
@@ -3122,17 +4462,22 @@
       </a:lvl7pPr>
       <a:lvl8pPr marL="4114800" indent="-274320" algn="l" defTabSz="1097280" rtl="0" eaLnBrk="1" latinLnBrk="0" hangingPunct="1">
         <a:lnSpc>
-          <a:spcPct val="90000"/>
+          <a:spcPct val="120000"/>
         </a:lnSpc>
         <a:spcBef>
           <a:spcPts val="600"/>
         </a:spcBef>
+        <a:buClr>
+          <a:schemeClr val="accent1"/>
+        </a:buClr>
+        <a:buSzPct val="100000"/>
         <a:buFont typeface="Arial" panose="020B0604020202020204" pitchFamily="34" charset="0"/>
         <a:buChar char="•"/>
-        <a:defRPr sz="2200" kern="1200">
+        <a:defRPr sz="1440" kern="1200" baseline="0">
           <a:solidFill>
             <a:schemeClr val="tx1"/>
           </a:solidFill>
+          <a:effectLst/>
           <a:latin typeface="+mn-lt"/>
           <a:ea typeface="+mn-ea"/>
           <a:cs typeface="+mn-cs"/>
@@ -3140,17 +4485,22 @@
       </a:lvl8pPr>
       <a:lvl9pPr marL="4663440" indent="-274320" algn="l" defTabSz="1097280" rtl="0" eaLnBrk="1" latinLnBrk="0" hangingPunct="1">
         <a:lnSpc>
-          <a:spcPct val="90000"/>
+          <a:spcPct val="120000"/>
         </a:lnSpc>
         <a:spcBef>
           <a:spcPts val="600"/>
         </a:spcBef>
+        <a:buClr>
+          <a:schemeClr val="accent1"/>
+        </a:buClr>
+        <a:buSzPct val="100000"/>
         <a:buFont typeface="Arial" panose="020B0604020202020204" pitchFamily="34" charset="0"/>
         <a:buChar char="•"/>
-        <a:defRPr sz="2200" kern="1200">
+        <a:defRPr sz="1440" kern="1200" baseline="0">
           <a:solidFill>
             <a:schemeClr val="tx1"/>
           </a:solidFill>
+          <a:effectLst/>
           <a:latin typeface="+mn-lt"/>
           <a:ea typeface="+mn-ea"/>
           <a:cs typeface="+mn-cs"/>
@@ -3162,7 +4512,7 @@
         <a:defRPr lang="en-US"/>
       </a:defPPr>
       <a:lvl1pPr marL="0" algn="l" defTabSz="1097280" rtl="0" eaLnBrk="1" latinLnBrk="0" hangingPunct="1">
-        <a:defRPr sz="2200" kern="1200">
+        <a:defRPr sz="2160" kern="1200">
           <a:solidFill>
             <a:schemeClr val="tx1"/>
           </a:solidFill>
@@ -3172,7 +4522,7 @@
         </a:defRPr>
       </a:lvl1pPr>
       <a:lvl2pPr marL="548640" algn="l" defTabSz="1097280" rtl="0" eaLnBrk="1" latinLnBrk="0" hangingPunct="1">
-        <a:defRPr sz="2200" kern="1200">
+        <a:defRPr sz="2160" kern="1200">
           <a:solidFill>
             <a:schemeClr val="tx1"/>
           </a:solidFill>
@@ -3182,7 +4532,7 @@
         </a:defRPr>
       </a:lvl2pPr>
       <a:lvl3pPr marL="1097280" algn="l" defTabSz="1097280" rtl="0" eaLnBrk="1" latinLnBrk="0" hangingPunct="1">
-        <a:defRPr sz="2200" kern="1200">
+        <a:defRPr sz="2160" kern="1200">
           <a:solidFill>
             <a:schemeClr val="tx1"/>
           </a:solidFill>
@@ -3192,7 +4542,7 @@
         </a:defRPr>
       </a:lvl3pPr>
       <a:lvl4pPr marL="1645920" algn="l" defTabSz="1097280" rtl="0" eaLnBrk="1" latinLnBrk="0" hangingPunct="1">
-        <a:defRPr sz="2200" kern="1200">
+        <a:defRPr sz="2160" kern="1200">
           <a:solidFill>
             <a:schemeClr val="tx1"/>
           </a:solidFill>
@@ -3202,7 +4552,7 @@
         </a:defRPr>
       </a:lvl4pPr>
       <a:lvl5pPr marL="2194560" algn="l" defTabSz="1097280" rtl="0" eaLnBrk="1" latinLnBrk="0" hangingPunct="1">
-        <a:defRPr sz="2200" kern="1200">
+        <a:defRPr sz="2160" kern="1200">
           <a:solidFill>
             <a:schemeClr val="tx1"/>
           </a:solidFill>
@@ -3212,7 +4562,7 @@
         </a:defRPr>
       </a:lvl5pPr>
       <a:lvl6pPr marL="2743200" algn="l" defTabSz="1097280" rtl="0" eaLnBrk="1" latinLnBrk="0" hangingPunct="1">
-        <a:defRPr sz="2200" kern="1200">
+        <a:defRPr sz="2160" kern="1200">
           <a:solidFill>
             <a:schemeClr val="tx1"/>
           </a:solidFill>
@@ -3222,7 +4572,7 @@
         </a:defRPr>
       </a:lvl6pPr>
       <a:lvl7pPr marL="3291840" algn="l" defTabSz="1097280" rtl="0" eaLnBrk="1" latinLnBrk="0" hangingPunct="1">
-        <a:defRPr sz="2200" kern="1200">
+        <a:defRPr sz="2160" kern="1200">
           <a:solidFill>
             <a:schemeClr val="tx1"/>
           </a:solidFill>
@@ -3232,7 +4582,7 @@
         </a:defRPr>
       </a:lvl7pPr>
       <a:lvl8pPr marL="3840480" algn="l" defTabSz="1097280" rtl="0" eaLnBrk="1" latinLnBrk="0" hangingPunct="1">
-        <a:defRPr sz="2200" kern="1200">
+        <a:defRPr sz="2160" kern="1200">
           <a:solidFill>
             <a:schemeClr val="tx1"/>
           </a:solidFill>
@@ -3242,7 +4592,7 @@
         </a:defRPr>
       </a:lvl8pPr>
       <a:lvl9pPr marL="4389120" algn="l" defTabSz="1097280" rtl="0" eaLnBrk="1" latinLnBrk="0" hangingPunct="1">
-        <a:defRPr sz="2200" kern="1200">
+        <a:defRPr sz="2160" kern="1200">
           <a:solidFill>
             <a:schemeClr val="tx1"/>
           </a:solidFill>
@@ -3299,7 +4649,13 @@
       </p:sp>
       <p:sp>
         <p:nvSpPr>
-          <p:cNvPr id="3" name="Subtitle 2"/>
+          <p:cNvPr id="5" name="Subtitle 4">
+            <a:extLst>
+              <a:ext uri="{FF2B5EF4-FFF2-40B4-BE49-F238E27FC236}">
+                <a16:creationId xmlns:a16="http://schemas.microsoft.com/office/drawing/2014/main" id="{72142490-CF4B-AA77-0EF2-40E51C43346E}"/>
+              </a:ext>
+            </a:extLst>
+          </p:cNvPr>
           <p:cNvSpPr>
             <a:spLocks noGrp="1"/>
           </p:cNvSpPr>
@@ -3307,20 +4663,12 @@
             <p:ph type="subTitle" idx="1"/>
           </p:nvPr>
         </p:nvSpPr>
-        <p:spPr>
-          <a:xfrm>
-            <a:off x="1828799" y="6502724"/>
-            <a:ext cx="8569236" cy="1400305"/>
-          </a:xfrm>
-        </p:spPr>
+        <p:spPr/>
         <p:txBody>
           <a:bodyPr/>
           <a:lstStyle/>
           <a:p>
-            <a:r>
-              <a:rPr lang="en-US" dirty="0"/>
-              <a:t>Kalyan Reddy Daida</a:t>
-            </a:r>
+            <a:endParaRPr lang="en-US"/>
           </a:p>
         </p:txBody>
       </p:sp>
@@ -3376,11 +4724,196 @@
           <a:lstStyle/>
           <a:p>
             <a:pPr algn="l"/>
-            <a:r>
-              <a:rPr lang="en-US"/>
-              <a:t>Kalyan Reddy Daida</a:t>
-            </a:r>
             <a:endParaRPr lang="en-GB" dirty="0"/>
+          </a:p>
+        </p:txBody>
+      </p:sp>
+      <p:sp>
+        <p:nvSpPr>
+          <p:cNvPr id="64" name="Content Placeholder 2">
+            <a:extLst>
+              <a:ext uri="{FF2B5EF4-FFF2-40B4-BE49-F238E27FC236}">
+                <a16:creationId xmlns:a16="http://schemas.microsoft.com/office/drawing/2014/main" id="{FDE9785F-DFDE-9D4D-BB52-FF4BF37A67E5}"/>
+              </a:ext>
+            </a:extLst>
+          </p:cNvPr>
+          <p:cNvSpPr>
+            <a:spLocks noGrp="1"/>
+          </p:cNvSpPr>
+          <p:nvPr>
+            <p:ph idx="1"/>
+          </p:nvPr>
+        </p:nvSpPr>
+        <p:spPr>
+          <a:xfrm>
+            <a:off x="118786" y="4892380"/>
+            <a:ext cx="7900055" cy="2720175"/>
+          </a:xfrm>
+        </p:spPr>
+        <p:txBody>
+          <a:bodyPr>
+            <a:normAutofit fontScale="70000" lnSpcReduction="20000"/>
+          </a:bodyPr>
+          <a:lstStyle/>
+          <a:p>
+            <a:r>
+              <a:rPr lang="en-US" dirty="0">
+                <a:solidFill>
+                  <a:schemeClr val="accent6">
+                    <a:lumMod val="75000"/>
+                  </a:schemeClr>
+                </a:solidFill>
+              </a:rPr>
+              <a:t>Docker Registry or Docker Hub</a:t>
+            </a:r>
+          </a:p>
+          <a:p>
+            <a:pPr lvl="1"/>
+            <a:r>
+              <a:rPr lang="en-IN" dirty="0"/>
+              <a:t>A Docker </a:t>
+            </a:r>
+            <a:r>
+              <a:rPr lang="en-IN" i="1" dirty="0"/>
+              <a:t>registry</a:t>
+            </a:r>
+            <a:r>
+              <a:rPr lang="en-IN" dirty="0"/>
+              <a:t> </a:t>
+            </a:r>
+            <a:r>
+              <a:rPr lang="en-IN" dirty="0">
+                <a:solidFill>
+                  <a:srgbClr val="0070C0"/>
+                </a:solidFill>
+              </a:rPr>
+              <a:t>stores</a:t>
+            </a:r>
+            <a:r>
+              <a:rPr lang="en-IN" dirty="0"/>
+              <a:t> Docker images. </a:t>
+            </a:r>
+          </a:p>
+          <a:p>
+            <a:pPr lvl="1"/>
+            <a:r>
+              <a:rPr lang="en-IN" dirty="0">
+                <a:solidFill>
+                  <a:srgbClr val="0070C0"/>
+                </a:solidFill>
+              </a:rPr>
+              <a:t>Docker Hub </a:t>
+            </a:r>
+            <a:r>
+              <a:rPr lang="en-IN" dirty="0"/>
+              <a:t>is a public registry that anyone can use, and Docker is configured to look for images on Docker Hub by default. </a:t>
+            </a:r>
+          </a:p>
+          <a:p>
+            <a:pPr lvl="1"/>
+            <a:r>
+              <a:rPr lang="en-IN" dirty="0"/>
+              <a:t>We can even run our own </a:t>
+            </a:r>
+            <a:r>
+              <a:rPr lang="en-IN" dirty="0">
+                <a:solidFill>
+                  <a:srgbClr val="0070C0"/>
+                </a:solidFill>
+              </a:rPr>
+              <a:t>private registry</a:t>
+            </a:r>
+            <a:r>
+              <a:rPr lang="en-IN" dirty="0"/>
+              <a:t>. </a:t>
+            </a:r>
+          </a:p>
+          <a:p>
+            <a:pPr lvl="1"/>
+            <a:r>
+              <a:rPr lang="en-IN" dirty="0"/>
+              <a:t>When we use the </a:t>
+            </a:r>
+            <a:r>
+              <a:rPr lang="en-IN" dirty="0">
+                <a:solidFill>
+                  <a:srgbClr val="C00000"/>
+                </a:solidFill>
+              </a:rPr>
+              <a:t>docker pull </a:t>
+            </a:r>
+            <a:r>
+              <a:rPr lang="en-IN" dirty="0"/>
+              <a:t>or </a:t>
+            </a:r>
+            <a:r>
+              <a:rPr lang="en-IN" dirty="0">
+                <a:solidFill>
+                  <a:srgbClr val="C00000"/>
+                </a:solidFill>
+              </a:rPr>
+              <a:t>docker run </a:t>
+            </a:r>
+            <a:r>
+              <a:rPr lang="en-IN" dirty="0"/>
+              <a:t>commands, the required images are pulled from our configured registry. </a:t>
+            </a:r>
+          </a:p>
+          <a:p>
+            <a:pPr lvl="1"/>
+            <a:r>
+              <a:rPr lang="en-IN" dirty="0"/>
+              <a:t>When we use the </a:t>
+            </a:r>
+            <a:r>
+              <a:rPr lang="en-IN" dirty="0">
+                <a:solidFill>
+                  <a:srgbClr val="C00000"/>
+                </a:solidFill>
+              </a:rPr>
+              <a:t>docker push </a:t>
+            </a:r>
+            <a:r>
+              <a:rPr lang="en-IN" dirty="0"/>
+              <a:t>command, our image is pushed to our configured registry.</a:t>
+            </a:r>
+          </a:p>
+          <a:p>
+            <a:pPr lvl="1"/>
+            <a:endParaRPr lang="en-US" dirty="0"/>
+          </a:p>
+        </p:txBody>
+      </p:sp>
+      <p:sp>
+        <p:nvSpPr>
+          <p:cNvPr id="51" name="Title 3">
+            <a:extLst>
+              <a:ext uri="{FF2B5EF4-FFF2-40B4-BE49-F238E27FC236}">
+                <a16:creationId xmlns:a16="http://schemas.microsoft.com/office/drawing/2014/main" id="{37A14BEF-0B2A-EE47-87AB-EDA848A7F597}"/>
+              </a:ext>
+            </a:extLst>
+          </p:cNvPr>
+          <p:cNvSpPr>
+            <a:spLocks noGrp="1"/>
+          </p:cNvSpPr>
+          <p:nvPr>
+            <p:ph type="title"/>
+          </p:nvPr>
+        </p:nvSpPr>
+        <p:spPr>
+          <a:xfrm>
+            <a:off x="1005840" y="-119082"/>
+            <a:ext cx="12618720" cy="1188851"/>
+          </a:xfrm>
+        </p:spPr>
+        <p:txBody>
+          <a:bodyPr/>
+          <a:lstStyle/>
+          <a:p>
+            <a:r>
+              <a:rPr lang="en-US" dirty="0"/>
+              <a:t>Docker - Terminology</a:t>
+            </a:r>
           </a:p>
         </p:txBody>
       </p:sp>
@@ -3768,39 +5301,6 @@
             <a:r>
               <a:rPr lang="en-US" sz="1500" dirty="0"/>
               <a:t>Container-11</a:t>
-            </a:r>
-          </a:p>
-        </p:txBody>
-      </p:sp>
-      <p:sp>
-        <p:nvSpPr>
-          <p:cNvPr id="51" name="Title 3">
-            <a:extLst>
-              <a:ext uri="{FF2B5EF4-FFF2-40B4-BE49-F238E27FC236}">
-                <a16:creationId xmlns:a16="http://schemas.microsoft.com/office/drawing/2014/main" id="{37A14BEF-0B2A-EE47-87AB-EDA848A7F597}"/>
-              </a:ext>
-            </a:extLst>
-          </p:cNvPr>
-          <p:cNvSpPr>
-            <a:spLocks noGrp="1"/>
-          </p:cNvSpPr>
-          <p:nvPr>
-            <p:ph type="title"/>
-          </p:nvPr>
-        </p:nvSpPr>
-        <p:spPr>
-          <a:xfrm>
-            <a:off x="1005840" y="-119082"/>
-            <a:ext cx="12618720" cy="1188851"/>
-          </a:xfrm>
-        </p:spPr>
-        <p:txBody>
-          <a:bodyPr/>
-          <a:lstStyle/>
-          <a:p>
-            <a:r>
-              <a:rPr lang="en-US" dirty="0"/>
-              <a:t>Docker - Terminology</a:t>
             </a:r>
           </a:p>
         </p:txBody>
@@ -4429,162 +5929,6 @@
           </a:p>
         </p:txBody>
       </p:sp>
-      <p:sp>
-        <p:nvSpPr>
-          <p:cNvPr id="64" name="Content Placeholder 2">
-            <a:extLst>
-              <a:ext uri="{FF2B5EF4-FFF2-40B4-BE49-F238E27FC236}">
-                <a16:creationId xmlns:a16="http://schemas.microsoft.com/office/drawing/2014/main" id="{FDE9785F-DFDE-9D4D-BB52-FF4BF37A67E5}"/>
-              </a:ext>
-            </a:extLst>
-          </p:cNvPr>
-          <p:cNvSpPr>
-            <a:spLocks noGrp="1"/>
-          </p:cNvSpPr>
-          <p:nvPr>
-            <p:ph idx="1"/>
-          </p:nvPr>
-        </p:nvSpPr>
-        <p:spPr>
-          <a:xfrm>
-            <a:off x="118786" y="4892380"/>
-            <a:ext cx="7900055" cy="2720175"/>
-          </a:xfrm>
-        </p:spPr>
-        <p:txBody>
-          <a:bodyPr>
-            <a:normAutofit fontScale="70000" lnSpcReduction="20000"/>
-          </a:bodyPr>
-          <a:lstStyle/>
-          <a:p>
-            <a:r>
-              <a:rPr lang="en-US" dirty="0">
-                <a:solidFill>
-                  <a:schemeClr val="accent6">
-                    <a:lumMod val="75000"/>
-                  </a:schemeClr>
-                </a:solidFill>
-              </a:rPr>
-              <a:t>Docker Registry or Docker Hub</a:t>
-            </a:r>
-          </a:p>
-          <a:p>
-            <a:pPr lvl="1"/>
-            <a:r>
-              <a:rPr lang="en-IN" dirty="0"/>
-              <a:t>A Docker </a:t>
-            </a:r>
-            <a:r>
-              <a:rPr lang="en-IN" i="1" dirty="0"/>
-              <a:t>registry</a:t>
-            </a:r>
-            <a:r>
-              <a:rPr lang="en-IN" dirty="0"/>
-              <a:t> </a:t>
-            </a:r>
-            <a:r>
-              <a:rPr lang="en-IN" dirty="0">
-                <a:solidFill>
-                  <a:srgbClr val="0070C0"/>
-                </a:solidFill>
-              </a:rPr>
-              <a:t>stores</a:t>
-            </a:r>
-            <a:r>
-              <a:rPr lang="en-IN" dirty="0"/>
-              <a:t> Docker images. </a:t>
-            </a:r>
-          </a:p>
-          <a:p>
-            <a:pPr lvl="1"/>
-            <a:r>
-              <a:rPr lang="en-IN" dirty="0">
-                <a:solidFill>
-                  <a:srgbClr val="0070C0"/>
-                </a:solidFill>
-              </a:rPr>
-              <a:t>Docker Hub </a:t>
-            </a:r>
-            <a:r>
-              <a:rPr lang="en-IN" dirty="0"/>
-              <a:t>is a public registry that anyone can use, and Docker is configured to look for images on Docker Hub by default. </a:t>
-            </a:r>
-          </a:p>
-          <a:p>
-            <a:pPr lvl="1"/>
-            <a:r>
-              <a:rPr lang="en-IN" dirty="0"/>
-              <a:t>We can even run our own </a:t>
-            </a:r>
-            <a:r>
-              <a:rPr lang="en-IN" dirty="0">
-                <a:solidFill>
-                  <a:srgbClr val="0070C0"/>
-                </a:solidFill>
-              </a:rPr>
-              <a:t>private registry</a:t>
-            </a:r>
-            <a:r>
-              <a:rPr lang="en-IN" dirty="0"/>
-              <a:t>. </a:t>
-            </a:r>
-          </a:p>
-          <a:p>
-            <a:pPr lvl="1"/>
-            <a:r>
-              <a:rPr lang="en-IN" dirty="0"/>
-              <a:t>When we use the </a:t>
-            </a:r>
-            <a:r>
-              <a:rPr lang="en-IN" dirty="0">
-                <a:solidFill>
-                  <a:srgbClr val="C00000"/>
-                </a:solidFill>
-              </a:rPr>
-              <a:t>docker pull </a:t>
-            </a:r>
-            <a:r>
-              <a:rPr lang="en-IN" dirty="0"/>
-              <a:t>or </a:t>
-            </a:r>
-            <a:r>
-              <a:rPr lang="en-IN" dirty="0">
-                <a:solidFill>
-                  <a:srgbClr val="C00000"/>
-                </a:solidFill>
-              </a:rPr>
-              <a:t>docker run </a:t>
-            </a:r>
-            <a:r>
-              <a:rPr lang="en-IN" dirty="0"/>
-              <a:t>commands, the required images are pulled from our configured registry. </a:t>
-            </a:r>
-          </a:p>
-          <a:p>
-            <a:pPr lvl="1"/>
-            <a:r>
-              <a:rPr lang="en-IN" dirty="0"/>
-              <a:t>When we use the </a:t>
-            </a:r>
-            <a:r>
-              <a:rPr lang="en-IN" dirty="0">
-                <a:solidFill>
-                  <a:srgbClr val="C00000"/>
-                </a:solidFill>
-              </a:rPr>
-              <a:t>docker push </a:t>
-            </a:r>
-            <a:r>
-              <a:rPr lang="en-IN" dirty="0"/>
-              <a:t>command, our image is pushed to our configured registry.</a:t>
-            </a:r>
-          </a:p>
-          <a:p>
-            <a:pPr lvl="1"/>
-            <a:endParaRPr lang="en-US" dirty="0"/>
-          </a:p>
-        </p:txBody>
-      </p:sp>
     </p:spTree>
     <p:extLst>
       <p:ext uri="{BB962C8B-B14F-4D97-AF65-F5344CB8AC3E}">
@@ -5745,6 +7089,7 @@
       </p:par>
     </p:tnLst>
     <p:bldLst>
+      <p:bldP spid="64" grpId="0" build="p"/>
       <p:bldP spid="20" grpId="0" animBg="1"/>
       <p:bldP spid="21" grpId="0" animBg="1"/>
       <p:bldP spid="22" grpId="0" animBg="1"/>
@@ -5762,7 +7107,6 @@
       <p:bldP spid="5" grpId="0" animBg="1"/>
       <p:bldP spid="49" grpId="0" animBg="1"/>
       <p:bldP spid="63" grpId="0" animBg="1"/>
-      <p:bldP spid="64" grpId="0" build="p"/>
     </p:bldLst>
   </p:timing>
 </p:sld>
@@ -5807,10 +7151,6 @@
           <a:lstStyle/>
           <a:p>
             <a:pPr algn="l"/>
-            <a:r>
-              <a:rPr lang="en-US"/>
-              <a:t>Kalyan Reddy Daida</a:t>
-            </a:r>
             <a:endParaRPr lang="en-GB" dirty="0"/>
           </a:p>
         </p:txBody>
@@ -5894,10 +7234,6 @@
           <a:lstStyle/>
           <a:p>
             <a:pPr algn="l"/>
-            <a:r>
-              <a:rPr lang="en-US"/>
-              <a:t>Kalyan Reddy Daida</a:t>
-            </a:r>
             <a:endParaRPr lang="en-GB" dirty="0"/>
           </a:p>
         </p:txBody>
@@ -6035,11 +7371,172 @@
           <a:lstStyle/>
           <a:p>
             <a:pPr algn="l"/>
-            <a:r>
-              <a:rPr lang="en-US"/>
-              <a:t>Kalyan Reddy Daida</a:t>
-            </a:r>
             <a:endParaRPr lang="en-GB" dirty="0"/>
+          </a:p>
+        </p:txBody>
+      </p:sp>
+      <p:sp>
+        <p:nvSpPr>
+          <p:cNvPr id="12" name="Content Placeholder 2">
+            <a:extLst>
+              <a:ext uri="{FF2B5EF4-FFF2-40B4-BE49-F238E27FC236}">
+                <a16:creationId xmlns:a16="http://schemas.microsoft.com/office/drawing/2014/main" id="{644EB53E-4A30-D144-852C-3C401783B904}"/>
+              </a:ext>
+            </a:extLst>
+          </p:cNvPr>
+          <p:cNvSpPr>
+            <a:spLocks noGrp="1"/>
+          </p:cNvSpPr>
+          <p:nvPr>
+            <p:ph idx="1"/>
+          </p:nvPr>
+        </p:nvSpPr>
+        <p:spPr>
+          <a:xfrm>
+            <a:off x="287383" y="1821433"/>
+            <a:ext cx="7123611" cy="5590922"/>
+          </a:xfrm>
+        </p:spPr>
+        <p:txBody>
+          <a:bodyPr>
+            <a:normAutofit fontScale="70000" lnSpcReduction="20000"/>
+          </a:bodyPr>
+          <a:lstStyle/>
+          <a:p>
+            <a:r>
+              <a:rPr lang="en-US" dirty="0">
+                <a:solidFill>
+                  <a:schemeClr val="accent6">
+                    <a:lumMod val="75000"/>
+                  </a:schemeClr>
+                </a:solidFill>
+              </a:rPr>
+              <a:t>Traditional Approach</a:t>
+            </a:r>
+          </a:p>
+          <a:p>
+            <a:r>
+              <a:rPr lang="en-US" dirty="0">
+                <a:solidFill>
+                  <a:schemeClr val="accent6">
+                    <a:lumMod val="75000"/>
+                  </a:schemeClr>
+                </a:solidFill>
+              </a:rPr>
+              <a:t>Installation &amp; Configuration</a:t>
+            </a:r>
+          </a:p>
+          <a:p>
+            <a:pPr lvl="1"/>
+            <a:r>
+              <a:rPr lang="en-US" dirty="0"/>
+              <a:t>Time consuming</a:t>
+            </a:r>
+          </a:p>
+          <a:p>
+            <a:pPr lvl="1"/>
+            <a:r>
+              <a:rPr lang="en-US" dirty="0"/>
+              <a:t>Need to perform install/configs on every server and every environment (dev, </a:t>
+            </a:r>
+            <a:r>
+              <a:rPr lang="en-US" dirty="0" err="1"/>
+              <a:t>qa</a:t>
+            </a:r>
+            <a:r>
+              <a:rPr lang="en-US" dirty="0"/>
+              <a:t>, staging, production)</a:t>
+            </a:r>
+          </a:p>
+          <a:p>
+            <a:r>
+              <a:rPr lang="en-US" dirty="0">
+                <a:solidFill>
+                  <a:schemeClr val="accent6">
+                    <a:lumMod val="75000"/>
+                  </a:schemeClr>
+                </a:solidFill>
+              </a:rPr>
+              <a:t>Compatibility &amp; Dependency </a:t>
+            </a:r>
+          </a:p>
+          <a:p>
+            <a:pPr lvl="1"/>
+            <a:r>
+              <a:rPr lang="en-US" dirty="0"/>
+              <a:t>Need to keep resolving issues related to libraries and dependencies</a:t>
+            </a:r>
+          </a:p>
+          <a:p>
+            <a:r>
+              <a:rPr lang="en-US" dirty="0">
+                <a:solidFill>
+                  <a:schemeClr val="accent6">
+                    <a:lumMod val="75000"/>
+                  </a:schemeClr>
+                </a:solidFill>
+              </a:rPr>
+              <a:t>Inconsistencies across Environments</a:t>
+            </a:r>
+          </a:p>
+          <a:p>
+            <a:pPr lvl="1"/>
+            <a:r>
+              <a:rPr lang="en-US" dirty="0"/>
+              <a:t>Very hard to track changes across Dev/QA/Staging and Prod environments and they end up with inconsistencies</a:t>
+            </a:r>
+          </a:p>
+          <a:p>
+            <a:r>
+              <a:rPr lang="en-US" dirty="0">
+                <a:solidFill>
+                  <a:schemeClr val="accent6">
+                    <a:lumMod val="75000"/>
+                  </a:schemeClr>
+                </a:solidFill>
+              </a:rPr>
+              <a:t>Operational Support</a:t>
+            </a:r>
+          </a:p>
+          <a:p>
+            <a:pPr lvl="1"/>
+            <a:r>
+              <a:rPr lang="en-US" dirty="0"/>
+              <a:t>Need more resources to handle operational issues on day to day basis </a:t>
+            </a:r>
+          </a:p>
+          <a:p>
+            <a:pPr lvl="2"/>
+            <a:r>
+              <a:rPr lang="en-US" dirty="0"/>
+              <a:t>Server Support (hardware, software)</a:t>
+            </a:r>
+          </a:p>
+          <a:p>
+            <a:pPr lvl="2"/>
+            <a:r>
+              <a:rPr lang="en-US" dirty="0"/>
+              <a:t>Patching releases</a:t>
+            </a:r>
+          </a:p>
+          <a:p>
+            <a:r>
+              <a:rPr lang="en-US" dirty="0">
+                <a:solidFill>
+                  <a:schemeClr val="accent6">
+                    <a:lumMod val="75000"/>
+                  </a:schemeClr>
+                </a:solidFill>
+              </a:rPr>
+              <a:t>Developer Environments</a:t>
+            </a:r>
+          </a:p>
+          <a:p>
+            <a:pPr lvl="1"/>
+            <a:r>
+              <a:rPr lang="en-US" dirty="0"/>
+              <a:t>When a new developer joins the team, time it takes to provision his development environment in traditional approach is time taking.</a:t>
+            </a:r>
           </a:p>
         </p:txBody>
       </p:sp>
@@ -6062,7 +7559,7 @@
         <p:spPr/>
         <p:txBody>
           <a:bodyPr>
-            <a:normAutofit fontScale="90000"/>
+            <a:normAutofit/>
           </a:bodyPr>
           <a:lstStyle/>
           <a:p>
@@ -6417,171 +7914,6 @@
       </p:pic>
       <p:sp>
         <p:nvSpPr>
-          <p:cNvPr id="12" name="Content Placeholder 2">
-            <a:extLst>
-              <a:ext uri="{FF2B5EF4-FFF2-40B4-BE49-F238E27FC236}">
-                <a16:creationId xmlns:a16="http://schemas.microsoft.com/office/drawing/2014/main" id="{644EB53E-4A30-D144-852C-3C401783B904}"/>
-              </a:ext>
-            </a:extLst>
-          </p:cNvPr>
-          <p:cNvSpPr>
-            <a:spLocks noGrp="1"/>
-          </p:cNvSpPr>
-          <p:nvPr>
-            <p:ph idx="1"/>
-          </p:nvPr>
-        </p:nvSpPr>
-        <p:spPr>
-          <a:xfrm>
-            <a:off x="287383" y="1821433"/>
-            <a:ext cx="7123611" cy="5590922"/>
-          </a:xfrm>
-        </p:spPr>
-        <p:txBody>
-          <a:bodyPr>
-            <a:normAutofit fontScale="62500" lnSpcReduction="20000"/>
-          </a:bodyPr>
-          <a:lstStyle/>
-          <a:p>
-            <a:r>
-              <a:rPr lang="en-US" dirty="0">
-                <a:solidFill>
-                  <a:schemeClr val="accent6">
-                    <a:lumMod val="75000"/>
-                  </a:schemeClr>
-                </a:solidFill>
-              </a:rPr>
-              <a:t>Traditional Approach</a:t>
-            </a:r>
-          </a:p>
-          <a:p>
-            <a:r>
-              <a:rPr lang="en-US" dirty="0">
-                <a:solidFill>
-                  <a:schemeClr val="accent6">
-                    <a:lumMod val="75000"/>
-                  </a:schemeClr>
-                </a:solidFill>
-              </a:rPr>
-              <a:t>Installation &amp; Configuration</a:t>
-            </a:r>
-          </a:p>
-          <a:p>
-            <a:pPr lvl="1"/>
-            <a:r>
-              <a:rPr lang="en-US" dirty="0"/>
-              <a:t>Time consuming</a:t>
-            </a:r>
-          </a:p>
-          <a:p>
-            <a:pPr lvl="1"/>
-            <a:r>
-              <a:rPr lang="en-US" dirty="0"/>
-              <a:t>Need to perform install/configs on every server and every environment (dev, </a:t>
-            </a:r>
-            <a:r>
-              <a:rPr lang="en-US" dirty="0" err="1"/>
-              <a:t>qa</a:t>
-            </a:r>
-            <a:r>
-              <a:rPr lang="en-US" dirty="0"/>
-              <a:t>, staging, production)</a:t>
-            </a:r>
-          </a:p>
-          <a:p>
-            <a:r>
-              <a:rPr lang="en-US" dirty="0">
-                <a:solidFill>
-                  <a:schemeClr val="accent6">
-                    <a:lumMod val="75000"/>
-                  </a:schemeClr>
-                </a:solidFill>
-              </a:rPr>
-              <a:t>Compatibility &amp; Dependency </a:t>
-            </a:r>
-          </a:p>
-          <a:p>
-            <a:pPr lvl="1"/>
-            <a:r>
-              <a:rPr lang="en-US" dirty="0"/>
-              <a:t>Need to keep resolving issues related to libraries and dependencies</a:t>
-            </a:r>
-          </a:p>
-          <a:p>
-            <a:r>
-              <a:rPr lang="en-US" dirty="0">
-                <a:solidFill>
-                  <a:schemeClr val="accent6">
-                    <a:lumMod val="75000"/>
-                  </a:schemeClr>
-                </a:solidFill>
-              </a:rPr>
-              <a:t>Inconsistencies across Environments</a:t>
-            </a:r>
-          </a:p>
-          <a:p>
-            <a:pPr lvl="1"/>
-            <a:r>
-              <a:rPr lang="en-US" dirty="0"/>
-              <a:t>Very hard to track changes across Dev/QA/Staging and Prod environments and they end up with inconsistencies</a:t>
-            </a:r>
-          </a:p>
-          <a:p>
-            <a:r>
-              <a:rPr lang="en-US" dirty="0">
-                <a:solidFill>
-                  <a:schemeClr val="accent6">
-                    <a:lumMod val="75000"/>
-                  </a:schemeClr>
-                </a:solidFill>
-              </a:rPr>
-              <a:t>Operational Support</a:t>
-            </a:r>
-          </a:p>
-          <a:p>
-            <a:pPr lvl="1"/>
-            <a:r>
-              <a:rPr lang="en-US" dirty="0"/>
-              <a:t>Need more resources to handle operational issues on day to day basis </a:t>
-            </a:r>
-          </a:p>
-          <a:p>
-            <a:pPr lvl="2"/>
-            <a:r>
-              <a:rPr lang="en-US" dirty="0"/>
-              <a:t>Server Support (hardware, software)</a:t>
-            </a:r>
-          </a:p>
-          <a:p>
-            <a:pPr lvl="2"/>
-            <a:r>
-              <a:rPr lang="en-US" dirty="0"/>
-              <a:t>Patching releases</a:t>
-            </a:r>
-          </a:p>
-          <a:p>
-            <a:r>
-              <a:rPr lang="en-US" dirty="0">
-                <a:solidFill>
-                  <a:schemeClr val="accent6">
-                    <a:lumMod val="75000"/>
-                  </a:schemeClr>
-                </a:solidFill>
-              </a:rPr>
-              <a:t>Developer Environments</a:t>
-            </a:r>
-          </a:p>
-          <a:p>
-            <a:pPr lvl="1"/>
-            <a:r>
-              <a:rPr lang="en-US" dirty="0"/>
-              <a:t>When a new developer joins the team, time it takes to provision his development environment in traditional approach is time taking.</a:t>
-            </a:r>
-          </a:p>
-        </p:txBody>
-      </p:sp>
-      <p:sp>
-        <p:nvSpPr>
           <p:cNvPr id="13" name="TextBox 12">
             <a:extLst>
               <a:ext uri="{FF2B5EF4-FFF2-40B4-BE49-F238E27FC236}">
@@ -7891,10 +9223,6 @@
           <a:lstStyle/>
           <a:p>
             <a:pPr algn="l"/>
-            <a:r>
-              <a:rPr lang="en-US"/>
-              <a:t>Kalyan Reddy Daida</a:t>
-            </a:r>
             <a:endParaRPr lang="en-GB" dirty="0"/>
           </a:p>
         </p:txBody>
@@ -11041,10 +12369,6 @@
           <a:lstStyle/>
           <a:p>
             <a:pPr algn="l"/>
-            <a:r>
-              <a:rPr lang="en-US"/>
-              <a:t>Kalyan Reddy Daida</a:t>
-            </a:r>
             <a:endParaRPr lang="en-GB" dirty="0"/>
           </a:p>
         </p:txBody>
@@ -13259,10 +14583,6 @@
           <a:lstStyle/>
           <a:p>
             <a:pPr algn="l"/>
-            <a:r>
-              <a:rPr lang="en-US"/>
-              <a:t>Kalyan Reddy Daida</a:t>
-            </a:r>
             <a:endParaRPr lang="en-GB" dirty="0"/>
           </a:p>
         </p:txBody>
@@ -17307,10 +18627,6 @@
           <a:lstStyle/>
           <a:p>
             <a:pPr algn="l"/>
-            <a:r>
-              <a:rPr lang="en-US"/>
-              <a:t>Kalyan Reddy Daida</a:t>
-            </a:r>
             <a:endParaRPr lang="en-GB" dirty="0"/>
           </a:p>
         </p:txBody>
@@ -19800,10 +21116,6 @@
           <a:lstStyle/>
           <a:p>
             <a:pPr algn="l"/>
-            <a:r>
-              <a:rPr lang="en-US"/>
-              <a:t>Kalyan Reddy Daida</a:t>
-            </a:r>
             <a:endParaRPr lang="en-GB" dirty="0"/>
           </a:p>
         </p:txBody>
@@ -19941,11 +21253,425 @@
           <a:lstStyle/>
           <a:p>
             <a:pPr algn="l"/>
-            <a:r>
-              <a:rPr lang="en-US"/>
-              <a:t>Kalyan Reddy Daida</a:t>
-            </a:r>
             <a:endParaRPr lang="en-GB" dirty="0"/>
+          </a:p>
+        </p:txBody>
+      </p:sp>
+      <p:sp>
+        <p:nvSpPr>
+          <p:cNvPr id="55" name="Content Placeholder 2">
+            <a:extLst>
+              <a:ext uri="{FF2B5EF4-FFF2-40B4-BE49-F238E27FC236}">
+                <a16:creationId xmlns:a16="http://schemas.microsoft.com/office/drawing/2014/main" id="{A506B716-A931-9B4D-BDB6-D8ED7C563DF6}"/>
+              </a:ext>
+            </a:extLst>
+          </p:cNvPr>
+          <p:cNvSpPr>
+            <a:spLocks noGrp="1"/>
+          </p:cNvSpPr>
+          <p:nvPr>
+            <p:ph idx="1"/>
+          </p:nvPr>
+        </p:nvSpPr>
+        <p:spPr>
+          <a:xfrm>
+            <a:off x="222062" y="1069769"/>
+            <a:ext cx="9688300" cy="6513406"/>
+          </a:xfrm>
+        </p:spPr>
+        <p:txBody>
+          <a:bodyPr>
+            <a:normAutofit fontScale="70000" lnSpcReduction="20000"/>
+          </a:bodyPr>
+          <a:lstStyle/>
+          <a:p>
+            <a:r>
+              <a:rPr lang="en-US" dirty="0">
+                <a:solidFill>
+                  <a:schemeClr val="accent6">
+                    <a:lumMod val="75000"/>
+                  </a:schemeClr>
+                </a:solidFill>
+              </a:rPr>
+              <a:t>Docker Daemon</a:t>
+            </a:r>
+          </a:p>
+          <a:p>
+            <a:pPr lvl="1"/>
+            <a:r>
+              <a:rPr lang="en-IN" dirty="0"/>
+              <a:t>The Docker daemon (</a:t>
+            </a:r>
+            <a:r>
+              <a:rPr lang="en-IN" dirty="0" err="1">
+                <a:solidFill>
+                  <a:srgbClr val="0070C0"/>
+                </a:solidFill>
+              </a:rPr>
+              <a:t>dockerd</a:t>
+            </a:r>
+            <a:r>
+              <a:rPr lang="en-IN" dirty="0"/>
+              <a:t>) listens for Docker API requests and manages Docker objects such as images, containers, networks, and volumes.</a:t>
+            </a:r>
+          </a:p>
+          <a:p>
+            <a:r>
+              <a:rPr lang="en-IN" dirty="0">
+                <a:solidFill>
+                  <a:schemeClr val="accent6">
+                    <a:lumMod val="75000"/>
+                  </a:schemeClr>
+                </a:solidFill>
+              </a:rPr>
+              <a:t>Docker Client</a:t>
+            </a:r>
+          </a:p>
+          <a:p>
+            <a:pPr lvl="1"/>
+            <a:r>
+              <a:rPr lang="en-IN" dirty="0"/>
+              <a:t>Docker client </a:t>
+            </a:r>
+            <a:r>
+              <a:rPr lang="en-IN" dirty="0">
+                <a:solidFill>
+                  <a:srgbClr val="0070C0"/>
+                </a:solidFill>
+              </a:rPr>
+              <a:t>can be present on </a:t>
+            </a:r>
+            <a:r>
+              <a:rPr lang="en-IN" dirty="0"/>
+              <a:t>either Docker Host or any other machine. </a:t>
+            </a:r>
+            <a:endParaRPr lang="en-US" dirty="0"/>
+          </a:p>
+          <a:p>
+            <a:pPr lvl="1"/>
+            <a:r>
+              <a:rPr lang="en-IN" dirty="0"/>
+              <a:t>The Docker client (</a:t>
+            </a:r>
+            <a:r>
+              <a:rPr lang="en-IN" dirty="0">
+                <a:solidFill>
+                  <a:srgbClr val="0070C0"/>
+                </a:solidFill>
+              </a:rPr>
+              <a:t>docker</a:t>
+            </a:r>
+            <a:r>
+              <a:rPr lang="en-IN" dirty="0"/>
+              <a:t>) is the primary way that many Docker users interact with Docker. </a:t>
+            </a:r>
+          </a:p>
+          <a:p>
+            <a:pPr lvl="1"/>
+            <a:r>
+              <a:rPr lang="en-IN" dirty="0"/>
+              <a:t>When you use commands such as </a:t>
+            </a:r>
+            <a:r>
+              <a:rPr lang="en-IN" dirty="0">
+                <a:solidFill>
+                  <a:srgbClr val="C00000"/>
+                </a:solidFill>
+              </a:rPr>
+              <a:t>docker run</a:t>
+            </a:r>
+            <a:r>
+              <a:rPr lang="en-IN" dirty="0"/>
+              <a:t>, the client sends these commands to </a:t>
+            </a:r>
+            <a:r>
+              <a:rPr lang="en-IN" dirty="0" err="1">
+                <a:solidFill>
+                  <a:srgbClr val="0070C0"/>
+                </a:solidFill>
+              </a:rPr>
+              <a:t>dockerd</a:t>
+            </a:r>
+            <a:r>
+              <a:rPr lang="en-IN" dirty="0">
+                <a:solidFill>
+                  <a:srgbClr val="0070C0"/>
+                </a:solidFill>
+              </a:rPr>
+              <a:t> (Docker Daemon)</a:t>
+            </a:r>
+            <a:r>
+              <a:rPr lang="en-IN" dirty="0"/>
+              <a:t>, which carries them out. </a:t>
+            </a:r>
+          </a:p>
+          <a:p>
+            <a:pPr lvl="1"/>
+            <a:r>
+              <a:rPr lang="en-IN" dirty="0"/>
+              <a:t>The docker command uses the </a:t>
+            </a:r>
+            <a:r>
+              <a:rPr lang="en-IN" dirty="0">
+                <a:solidFill>
+                  <a:srgbClr val="0070C0"/>
+                </a:solidFill>
+              </a:rPr>
+              <a:t>Docker API</a:t>
+            </a:r>
+            <a:r>
+              <a:rPr lang="en-IN" dirty="0"/>
+              <a:t>. </a:t>
+            </a:r>
+          </a:p>
+          <a:p>
+            <a:pPr lvl="1"/>
+            <a:r>
+              <a:rPr lang="en-IN" dirty="0"/>
+              <a:t>The Docker client can communicate with more than one daemon.</a:t>
+            </a:r>
+          </a:p>
+          <a:p>
+            <a:r>
+              <a:rPr lang="en-IN" dirty="0">
+                <a:solidFill>
+                  <a:schemeClr val="accent6">
+                    <a:lumMod val="75000"/>
+                  </a:schemeClr>
+                </a:solidFill>
+              </a:rPr>
+              <a:t>Docker Images</a:t>
+            </a:r>
+          </a:p>
+          <a:p>
+            <a:pPr lvl="1"/>
+            <a:r>
+              <a:rPr lang="en-IN" dirty="0"/>
+              <a:t>An </a:t>
+            </a:r>
+            <a:r>
+              <a:rPr lang="en-IN" i="1" dirty="0"/>
+              <a:t>image</a:t>
+            </a:r>
+            <a:r>
+              <a:rPr lang="en-IN" dirty="0"/>
+              <a:t> is a </a:t>
+            </a:r>
+            <a:r>
+              <a:rPr lang="en-IN" dirty="0">
+                <a:solidFill>
+                  <a:srgbClr val="0070C0"/>
+                </a:solidFill>
+              </a:rPr>
+              <a:t>read-only template </a:t>
+            </a:r>
+            <a:r>
+              <a:rPr lang="en-IN" dirty="0"/>
+              <a:t>with instructions for creating a Docker container.</a:t>
+            </a:r>
+          </a:p>
+          <a:p>
+            <a:pPr lvl="1"/>
+            <a:r>
+              <a:rPr lang="en-IN" dirty="0"/>
+              <a:t>Often, </a:t>
+            </a:r>
+            <a:r>
+              <a:rPr lang="en-IN" dirty="0">
+                <a:solidFill>
+                  <a:srgbClr val="0070C0"/>
+                </a:solidFill>
+              </a:rPr>
+              <a:t>an image is </a:t>
+            </a:r>
+            <a:r>
+              <a:rPr lang="en-IN" i="1" dirty="0">
+                <a:solidFill>
+                  <a:srgbClr val="0070C0"/>
+                </a:solidFill>
+              </a:rPr>
+              <a:t>based on</a:t>
+            </a:r>
+            <a:r>
+              <a:rPr lang="en-IN" dirty="0">
+                <a:solidFill>
+                  <a:srgbClr val="0070C0"/>
+                </a:solidFill>
+              </a:rPr>
+              <a:t> another image</a:t>
+            </a:r>
+            <a:r>
+              <a:rPr lang="en-IN" dirty="0"/>
+              <a:t>, with some additional customization. </a:t>
+            </a:r>
+          </a:p>
+          <a:p>
+            <a:pPr lvl="1"/>
+            <a:r>
+              <a:rPr lang="en-IN" dirty="0"/>
+              <a:t>For example, we may build an image which is based on the ubuntu image, but installs the Apache web server and our application, as well as the configuration details needed to make our application run.</a:t>
+            </a:r>
+          </a:p>
+          <a:p>
+            <a:r>
+              <a:rPr lang="en-IN" dirty="0">
+                <a:solidFill>
+                  <a:schemeClr val="accent6">
+                    <a:lumMod val="75000"/>
+                  </a:schemeClr>
+                </a:solidFill>
+              </a:rPr>
+              <a:t>Docker Containers</a:t>
+            </a:r>
+          </a:p>
+          <a:p>
+            <a:pPr lvl="1"/>
+            <a:r>
+              <a:rPr lang="en-IN" dirty="0"/>
+              <a:t>A container is a </a:t>
+            </a:r>
+            <a:r>
+              <a:rPr lang="en-IN" dirty="0">
+                <a:solidFill>
+                  <a:srgbClr val="0070C0"/>
+                </a:solidFill>
+              </a:rPr>
+              <a:t>runnable instance </a:t>
+            </a:r>
+            <a:r>
+              <a:rPr lang="en-IN" dirty="0"/>
+              <a:t>of an image. </a:t>
+            </a:r>
+          </a:p>
+          <a:p>
+            <a:pPr lvl="1"/>
+            <a:r>
+              <a:rPr lang="en-IN" dirty="0"/>
+              <a:t>We can </a:t>
+            </a:r>
+            <a:r>
+              <a:rPr lang="en-IN" dirty="0">
+                <a:solidFill>
+                  <a:srgbClr val="0070C0"/>
+                </a:solidFill>
+              </a:rPr>
+              <a:t>create, start, stop, move, or delete </a:t>
+            </a:r>
+            <a:r>
+              <a:rPr lang="en-IN" dirty="0"/>
+              <a:t>a container using the Docker API or CLI. </a:t>
+            </a:r>
+          </a:p>
+          <a:p>
+            <a:pPr lvl="1"/>
+            <a:r>
+              <a:rPr lang="en-IN" dirty="0"/>
+              <a:t>We can </a:t>
+            </a:r>
+            <a:r>
+              <a:rPr lang="en-IN" dirty="0">
+                <a:solidFill>
+                  <a:srgbClr val="0070C0"/>
+                </a:solidFill>
+              </a:rPr>
+              <a:t>connect</a:t>
+            </a:r>
+            <a:r>
+              <a:rPr lang="en-IN" dirty="0"/>
+              <a:t> a container to one or more networks, attach storage to it, or even create a new image based on its current state.</a:t>
+            </a:r>
+          </a:p>
+          <a:p>
+            <a:pPr lvl="1"/>
+            <a:r>
+              <a:rPr lang="en-IN" dirty="0"/>
+              <a:t>When a container is </a:t>
+            </a:r>
+            <a:r>
+              <a:rPr lang="en-IN" dirty="0">
+                <a:solidFill>
+                  <a:srgbClr val="0070C0"/>
+                </a:solidFill>
+              </a:rPr>
+              <a:t>removed</a:t>
+            </a:r>
+            <a:r>
+              <a:rPr lang="en-IN" dirty="0"/>
+              <a:t>, any changes to its state that are not stored in </a:t>
+            </a:r>
+            <a:r>
+              <a:rPr lang="en-IN" dirty="0">
+                <a:solidFill>
+                  <a:srgbClr val="0070C0"/>
+                </a:solidFill>
+              </a:rPr>
+              <a:t>persistent</a:t>
+            </a:r>
+            <a:r>
+              <a:rPr lang="en-IN" dirty="0"/>
+              <a:t> </a:t>
+            </a:r>
+            <a:r>
+              <a:rPr lang="en-IN" dirty="0">
+                <a:solidFill>
+                  <a:srgbClr val="0070C0"/>
+                </a:solidFill>
+              </a:rPr>
+              <a:t>storage</a:t>
+            </a:r>
+            <a:r>
+              <a:rPr lang="en-IN" dirty="0"/>
+              <a:t> </a:t>
+            </a:r>
+            <a:r>
+              <a:rPr lang="en-IN" dirty="0">
+                <a:solidFill>
+                  <a:srgbClr val="0070C0"/>
+                </a:solidFill>
+              </a:rPr>
+              <a:t>disappear</a:t>
+            </a:r>
+            <a:r>
+              <a:rPr lang="en-IN" dirty="0"/>
+              <a:t>.</a:t>
+            </a:r>
+          </a:p>
+          <a:p>
+            <a:pPr lvl="1"/>
+            <a:endParaRPr lang="en-IN" dirty="0"/>
+          </a:p>
+        </p:txBody>
+      </p:sp>
+      <p:sp>
+        <p:nvSpPr>
+          <p:cNvPr id="51" name="Title 3">
+            <a:extLst>
+              <a:ext uri="{FF2B5EF4-FFF2-40B4-BE49-F238E27FC236}">
+                <a16:creationId xmlns:a16="http://schemas.microsoft.com/office/drawing/2014/main" id="{37A14BEF-0B2A-EE47-87AB-EDA848A7F597}"/>
+              </a:ext>
+            </a:extLst>
+          </p:cNvPr>
+          <p:cNvSpPr>
+            <a:spLocks noGrp="1"/>
+          </p:cNvSpPr>
+          <p:nvPr>
+            <p:ph type="title"/>
+          </p:nvPr>
+        </p:nvSpPr>
+        <p:spPr>
+          <a:xfrm>
+            <a:off x="1005840" y="-119082"/>
+            <a:ext cx="12618720" cy="1188851"/>
+          </a:xfrm>
+        </p:spPr>
+        <p:txBody>
+          <a:bodyPr/>
+          <a:lstStyle/>
+          <a:p>
+            <a:r>
+              <a:rPr lang="en-US" dirty="0"/>
+              <a:t>Docker - Terminology</a:t>
+            </a:r>
           </a:p>
         </p:txBody>
       </p:sp>
@@ -20529,39 +22255,6 @@
       </p:cxnSp>
       <p:sp>
         <p:nvSpPr>
-          <p:cNvPr id="51" name="Title 3">
-            <a:extLst>
-              <a:ext uri="{FF2B5EF4-FFF2-40B4-BE49-F238E27FC236}">
-                <a16:creationId xmlns:a16="http://schemas.microsoft.com/office/drawing/2014/main" id="{37A14BEF-0B2A-EE47-87AB-EDA848A7F597}"/>
-              </a:ext>
-            </a:extLst>
-          </p:cNvPr>
-          <p:cNvSpPr>
-            <a:spLocks noGrp="1"/>
-          </p:cNvSpPr>
-          <p:nvPr>
-            <p:ph type="title"/>
-          </p:nvPr>
-        </p:nvSpPr>
-        <p:spPr>
-          <a:xfrm>
-            <a:off x="1005840" y="-119082"/>
-            <a:ext cx="12618720" cy="1188851"/>
-          </a:xfrm>
-        </p:spPr>
-        <p:txBody>
-          <a:bodyPr/>
-          <a:lstStyle/>
-          <a:p>
-            <a:r>
-              <a:rPr lang="en-US" dirty="0"/>
-              <a:t>Docker - Terminology</a:t>
-            </a:r>
-          </a:p>
-        </p:txBody>
-      </p:sp>
-      <p:sp>
-        <p:nvSpPr>
           <p:cNvPr id="53" name="Rectangle 52">
             <a:extLst>
               <a:ext uri="{FF2B5EF4-FFF2-40B4-BE49-F238E27FC236}">
@@ -20612,391 +22305,6 @@
               <a:rPr lang="en-US" dirty="0"/>
               <a:t>Docker Daemon</a:t>
             </a:r>
-          </a:p>
-        </p:txBody>
-      </p:sp>
-      <p:sp>
-        <p:nvSpPr>
-          <p:cNvPr id="55" name="Content Placeholder 2">
-            <a:extLst>
-              <a:ext uri="{FF2B5EF4-FFF2-40B4-BE49-F238E27FC236}">
-                <a16:creationId xmlns:a16="http://schemas.microsoft.com/office/drawing/2014/main" id="{A506B716-A931-9B4D-BDB6-D8ED7C563DF6}"/>
-              </a:ext>
-            </a:extLst>
-          </p:cNvPr>
-          <p:cNvSpPr>
-            <a:spLocks noGrp="1"/>
-          </p:cNvSpPr>
-          <p:nvPr>
-            <p:ph idx="1"/>
-          </p:nvPr>
-        </p:nvSpPr>
-        <p:spPr>
-          <a:xfrm>
-            <a:off x="222062" y="1069769"/>
-            <a:ext cx="9688300" cy="6513406"/>
-          </a:xfrm>
-        </p:spPr>
-        <p:txBody>
-          <a:bodyPr>
-            <a:normAutofit fontScale="62500" lnSpcReduction="20000"/>
-          </a:bodyPr>
-          <a:lstStyle/>
-          <a:p>
-            <a:r>
-              <a:rPr lang="en-US" dirty="0">
-                <a:solidFill>
-                  <a:schemeClr val="accent6">
-                    <a:lumMod val="75000"/>
-                  </a:schemeClr>
-                </a:solidFill>
-              </a:rPr>
-              <a:t>Docker Daemon</a:t>
-            </a:r>
-          </a:p>
-          <a:p>
-            <a:pPr lvl="1"/>
-            <a:r>
-              <a:rPr lang="en-IN" dirty="0"/>
-              <a:t>The Docker daemon (</a:t>
-            </a:r>
-            <a:r>
-              <a:rPr lang="en-IN" dirty="0" err="1">
-                <a:solidFill>
-                  <a:srgbClr val="0070C0"/>
-                </a:solidFill>
-              </a:rPr>
-              <a:t>dockerd</a:t>
-            </a:r>
-            <a:r>
-              <a:rPr lang="en-IN" dirty="0"/>
-              <a:t>) listens for Docker API requests and manages Docker objects such as images, containers, networks, and volumes.</a:t>
-            </a:r>
-          </a:p>
-          <a:p>
-            <a:r>
-              <a:rPr lang="en-IN" dirty="0">
-                <a:solidFill>
-                  <a:schemeClr val="accent6">
-                    <a:lumMod val="75000"/>
-                  </a:schemeClr>
-                </a:solidFill>
-              </a:rPr>
-              <a:t>Docker Client</a:t>
-            </a:r>
-          </a:p>
-          <a:p>
-            <a:pPr lvl="1"/>
-            <a:r>
-              <a:rPr lang="en-IN" dirty="0"/>
-              <a:t>Docker client </a:t>
-            </a:r>
-            <a:r>
-              <a:rPr lang="en-IN" dirty="0">
-                <a:solidFill>
-                  <a:srgbClr val="0070C0"/>
-                </a:solidFill>
-              </a:rPr>
-              <a:t>can be present on </a:t>
-            </a:r>
-            <a:r>
-              <a:rPr lang="en-IN" dirty="0"/>
-              <a:t>either Docker Host or any other machine. </a:t>
-            </a:r>
-            <a:endParaRPr lang="en-US" dirty="0"/>
-          </a:p>
-          <a:p>
-            <a:pPr lvl="1"/>
-            <a:r>
-              <a:rPr lang="en-IN" dirty="0"/>
-              <a:t>The Docker client (</a:t>
-            </a:r>
-            <a:r>
-              <a:rPr lang="en-IN" dirty="0">
-                <a:solidFill>
-                  <a:srgbClr val="0070C0"/>
-                </a:solidFill>
-              </a:rPr>
-              <a:t>docker</a:t>
-            </a:r>
-            <a:r>
-              <a:rPr lang="en-IN" dirty="0"/>
-              <a:t>) is the primary way that many Docker users interact with Docker. </a:t>
-            </a:r>
-          </a:p>
-          <a:p>
-            <a:pPr lvl="1"/>
-            <a:r>
-              <a:rPr lang="en-IN" dirty="0"/>
-              <a:t>When you use commands such as </a:t>
-            </a:r>
-            <a:r>
-              <a:rPr lang="en-IN" dirty="0">
-                <a:solidFill>
-                  <a:srgbClr val="C00000"/>
-                </a:solidFill>
-              </a:rPr>
-              <a:t>docker run</a:t>
-            </a:r>
-            <a:r>
-              <a:rPr lang="en-IN" dirty="0"/>
-              <a:t>, the client sends these commands to </a:t>
-            </a:r>
-            <a:r>
-              <a:rPr lang="en-IN" dirty="0" err="1">
-                <a:solidFill>
-                  <a:srgbClr val="0070C0"/>
-                </a:solidFill>
-              </a:rPr>
-              <a:t>dockerd</a:t>
-            </a:r>
-            <a:r>
-              <a:rPr lang="en-IN" dirty="0">
-                <a:solidFill>
-                  <a:srgbClr val="0070C0"/>
-                </a:solidFill>
-              </a:rPr>
-              <a:t> (Docker Daemon)</a:t>
-            </a:r>
-            <a:r>
-              <a:rPr lang="en-IN" dirty="0"/>
-              <a:t>, which carries them out. </a:t>
-            </a:r>
-          </a:p>
-          <a:p>
-            <a:pPr lvl="1"/>
-            <a:r>
-              <a:rPr lang="en-IN" dirty="0"/>
-              <a:t>The docker command uses the </a:t>
-            </a:r>
-            <a:r>
-              <a:rPr lang="en-IN" dirty="0">
-                <a:solidFill>
-                  <a:srgbClr val="0070C0"/>
-                </a:solidFill>
-              </a:rPr>
-              <a:t>Docker API</a:t>
-            </a:r>
-            <a:r>
-              <a:rPr lang="en-IN" dirty="0"/>
-              <a:t>. </a:t>
-            </a:r>
-          </a:p>
-          <a:p>
-            <a:pPr lvl="1"/>
-            <a:r>
-              <a:rPr lang="en-IN" dirty="0"/>
-              <a:t>The Docker client can communicate with more than one daemon.</a:t>
-            </a:r>
-          </a:p>
-          <a:p>
-            <a:r>
-              <a:rPr lang="en-IN" dirty="0">
-                <a:solidFill>
-                  <a:schemeClr val="accent6">
-                    <a:lumMod val="75000"/>
-                  </a:schemeClr>
-                </a:solidFill>
-              </a:rPr>
-              <a:t>Docker Images</a:t>
-            </a:r>
-          </a:p>
-          <a:p>
-            <a:pPr lvl="1"/>
-            <a:r>
-              <a:rPr lang="en-IN" dirty="0"/>
-              <a:t>An </a:t>
-            </a:r>
-            <a:r>
-              <a:rPr lang="en-IN" i="1" dirty="0"/>
-              <a:t>image</a:t>
-            </a:r>
-            <a:r>
-              <a:rPr lang="en-IN" dirty="0"/>
-              <a:t> is a </a:t>
-            </a:r>
-            <a:r>
-              <a:rPr lang="en-IN" dirty="0">
-                <a:solidFill>
-                  <a:srgbClr val="0070C0"/>
-                </a:solidFill>
-              </a:rPr>
-              <a:t>read-only template </a:t>
-            </a:r>
-            <a:r>
-              <a:rPr lang="en-IN" dirty="0"/>
-              <a:t>with instructions for creating a Docker container.</a:t>
-            </a:r>
-          </a:p>
-          <a:p>
-            <a:pPr lvl="1"/>
-            <a:r>
-              <a:rPr lang="en-IN" dirty="0"/>
-              <a:t>Often, </a:t>
-            </a:r>
-            <a:r>
-              <a:rPr lang="en-IN" dirty="0">
-                <a:solidFill>
-                  <a:srgbClr val="0070C0"/>
-                </a:solidFill>
-              </a:rPr>
-              <a:t>an image is </a:t>
-            </a:r>
-            <a:r>
-              <a:rPr lang="en-IN" i="1" dirty="0">
-                <a:solidFill>
-                  <a:srgbClr val="0070C0"/>
-                </a:solidFill>
-              </a:rPr>
-              <a:t>based on</a:t>
-            </a:r>
-            <a:r>
-              <a:rPr lang="en-IN" dirty="0">
-                <a:solidFill>
-                  <a:srgbClr val="0070C0"/>
-                </a:solidFill>
-              </a:rPr>
-              <a:t> another image</a:t>
-            </a:r>
-            <a:r>
-              <a:rPr lang="en-IN" dirty="0"/>
-              <a:t>, with some additional customization. </a:t>
-            </a:r>
-          </a:p>
-          <a:p>
-            <a:pPr lvl="1"/>
-            <a:r>
-              <a:rPr lang="en-IN" dirty="0"/>
-              <a:t>For example, we may build an image which is based on the ubuntu image, but installs the Apache web server and our application, as well as the configuration details needed to make our application run.</a:t>
-            </a:r>
-          </a:p>
-          <a:p>
-            <a:r>
-              <a:rPr lang="en-IN" dirty="0">
-                <a:solidFill>
-                  <a:schemeClr val="accent6">
-                    <a:lumMod val="75000"/>
-                  </a:schemeClr>
-                </a:solidFill>
-              </a:rPr>
-              <a:t>Docker Containers</a:t>
-            </a:r>
-          </a:p>
-          <a:p>
-            <a:pPr lvl="1"/>
-            <a:r>
-              <a:rPr lang="en-IN" dirty="0"/>
-              <a:t>A container is a </a:t>
-            </a:r>
-            <a:r>
-              <a:rPr lang="en-IN" dirty="0">
-                <a:solidFill>
-                  <a:srgbClr val="0070C0"/>
-                </a:solidFill>
-              </a:rPr>
-              <a:t>runnable instance </a:t>
-            </a:r>
-            <a:r>
-              <a:rPr lang="en-IN" dirty="0"/>
-              <a:t>of an image. </a:t>
-            </a:r>
-          </a:p>
-          <a:p>
-            <a:pPr lvl="1"/>
-            <a:r>
-              <a:rPr lang="en-IN" dirty="0"/>
-              <a:t>We can </a:t>
-            </a:r>
-            <a:r>
-              <a:rPr lang="en-IN" dirty="0">
-                <a:solidFill>
-                  <a:srgbClr val="0070C0"/>
-                </a:solidFill>
-              </a:rPr>
-              <a:t>create, start, stop, move, or delete </a:t>
-            </a:r>
-            <a:r>
-              <a:rPr lang="en-IN" dirty="0"/>
-              <a:t>a container using the Docker API or CLI. </a:t>
-            </a:r>
-          </a:p>
-          <a:p>
-            <a:pPr lvl="1"/>
-            <a:r>
-              <a:rPr lang="en-IN" dirty="0"/>
-              <a:t>We can </a:t>
-            </a:r>
-            <a:r>
-              <a:rPr lang="en-IN" dirty="0">
-                <a:solidFill>
-                  <a:srgbClr val="0070C0"/>
-                </a:solidFill>
-              </a:rPr>
-              <a:t>connect</a:t>
-            </a:r>
-            <a:r>
-              <a:rPr lang="en-IN" dirty="0"/>
-              <a:t> a container to one or more networks, attach storage to it, or even create a new image based on its current state.</a:t>
-            </a:r>
-          </a:p>
-          <a:p>
-            <a:pPr lvl="1"/>
-            <a:r>
-              <a:rPr lang="en-IN" dirty="0"/>
-              <a:t>When a container is </a:t>
-            </a:r>
-            <a:r>
-              <a:rPr lang="en-IN" dirty="0">
-                <a:solidFill>
-                  <a:srgbClr val="0070C0"/>
-                </a:solidFill>
-              </a:rPr>
-              <a:t>removed</a:t>
-            </a:r>
-            <a:r>
-              <a:rPr lang="en-IN" dirty="0"/>
-              <a:t>, any changes to its state that are not stored in </a:t>
-            </a:r>
-            <a:r>
-              <a:rPr lang="en-IN" dirty="0">
-                <a:solidFill>
-                  <a:srgbClr val="0070C0"/>
-                </a:solidFill>
-              </a:rPr>
-              <a:t>persistent</a:t>
-            </a:r>
-            <a:r>
-              <a:rPr lang="en-IN" dirty="0"/>
-              <a:t> </a:t>
-            </a:r>
-            <a:r>
-              <a:rPr lang="en-IN" dirty="0">
-                <a:solidFill>
-                  <a:srgbClr val="0070C0"/>
-                </a:solidFill>
-              </a:rPr>
-              <a:t>storage</a:t>
-            </a:r>
-            <a:r>
-              <a:rPr lang="en-IN" dirty="0"/>
-              <a:t> </a:t>
-            </a:r>
-            <a:r>
-              <a:rPr lang="en-IN" dirty="0">
-                <a:solidFill>
-                  <a:srgbClr val="0070C0"/>
-                </a:solidFill>
-              </a:rPr>
-              <a:t>disappear</a:t>
-            </a:r>
-            <a:r>
-              <a:rPr lang="en-IN" dirty="0"/>
-              <a:t>.</a:t>
-            </a:r>
-          </a:p>
-          <a:p>
-            <a:pPr lvl="1"/>
-            <a:endParaRPr lang="en-IN" dirty="0"/>
           </a:p>
         </p:txBody>
       </p:sp>
@@ -22499,9 +23807,9 @@
 </file>
 
 <file path=ppt/theme/theme1.xml><?xml version="1.0" encoding="utf-8"?>
-<a:theme xmlns:a="http://schemas.openxmlformats.org/drawingml/2006/main" name="Office Theme">
+<a:theme xmlns:a="http://schemas.openxmlformats.org/drawingml/2006/main" name="Gallery">
   <a:themeElements>
-    <a:clrScheme name="Urban">
+    <a:clrScheme name="Gallery">
       <a:dk1>
         <a:sysClr val="windowText" lastClr="000000"/>
       </a:dk1>
@@ -22509,39 +23817,39 @@
         <a:sysClr val="window" lastClr="FFFFFF"/>
       </a:lt1>
       <a:dk2>
-        <a:srgbClr val="424456"/>
+        <a:srgbClr val="454545"/>
       </a:dk2>
       <a:lt2>
-        <a:srgbClr val="DEDEDE"/>
+        <a:srgbClr val="DFDBD5"/>
       </a:lt2>
       <a:accent1>
-        <a:srgbClr val="53548A"/>
+        <a:srgbClr val="B71E42"/>
       </a:accent1>
       <a:accent2>
-        <a:srgbClr val="438086"/>
+        <a:srgbClr val="DE478E"/>
       </a:accent2>
       <a:accent3>
-        <a:srgbClr val="A04DA3"/>
+        <a:srgbClr val="BC72F0"/>
       </a:accent3>
       <a:accent4>
-        <a:srgbClr val="C4652D"/>
+        <a:srgbClr val="795FAF"/>
       </a:accent4>
       <a:accent5>
-        <a:srgbClr val="8B5D3D"/>
+        <a:srgbClr val="586EA6"/>
       </a:accent5>
       <a:accent6>
-        <a:srgbClr val="5C92B5"/>
+        <a:srgbClr val="6892A0"/>
       </a:accent6>
       <a:hlink>
-        <a:srgbClr val="67AFBD"/>
+        <a:srgbClr val="FA2B5C"/>
       </a:hlink>
       <a:folHlink>
-        <a:srgbClr val="C2A874"/>
+        <a:srgbClr val="BC658E"/>
       </a:folHlink>
     </a:clrScheme>
-    <a:fontScheme name="Office">
+    <a:fontScheme name="Gallery">
       <a:majorFont>
-        <a:latin typeface="Calibri Light" panose="020F0302020204030204"/>
+        <a:latin typeface="Gill Sans MT" panose="020B0502020104020203"/>
         <a:ea typeface=""/>
         <a:cs typeface=""/>
         <a:font script="Jpan" typeface="游ゴシック Light"/>
@@ -22574,26 +23882,9 @@
         <a:font script="Viet" typeface="Times New Roman"/>
         <a:font script="Uigh" typeface="Microsoft Uighur"/>
         <a:font script="Geor" typeface="Sylfaen"/>
-        <a:font script="Armn" typeface="Arial"/>
-        <a:font script="Bugi" typeface="Leelawadee UI"/>
-        <a:font script="Bopo" typeface="Microsoft JhengHei"/>
-        <a:font script="Java" typeface="Javanese Text"/>
-        <a:font script="Lisu" typeface="Segoe UI"/>
-        <a:font script="Mymr" typeface="Myanmar Text"/>
-        <a:font script="Nkoo" typeface="Ebrima"/>
-        <a:font script="Olck" typeface="Nirmala UI"/>
-        <a:font script="Osma" typeface="Ebrima"/>
-        <a:font script="Phag" typeface="Phagspa"/>
-        <a:font script="Syrn" typeface="Estrangelo Edessa"/>
-        <a:font script="Syrj" typeface="Estrangelo Edessa"/>
-        <a:font script="Syre" typeface="Estrangelo Edessa"/>
-        <a:font script="Sora" typeface="Nirmala UI"/>
-        <a:font script="Tale" typeface="Microsoft Tai Le"/>
-        <a:font script="Talu" typeface="Microsoft New Tai Lue"/>
-        <a:font script="Tfng" typeface="Ebrima"/>
       </a:majorFont>
       <a:minorFont>
-        <a:latin typeface="Calibri" panose="020F0502020204030204"/>
+        <a:latin typeface="Gill Sans MT" panose="020B0502020104020203"/>
         <a:ea typeface=""/>
         <a:cs typeface=""/>
         <a:font script="Jpan" typeface="游ゴシック"/>
@@ -22626,26 +23917,9 @@
         <a:font script="Viet" typeface="Arial"/>
         <a:font script="Uigh" typeface="Microsoft Uighur"/>
         <a:font script="Geor" typeface="Sylfaen"/>
-        <a:font script="Armn" typeface="Arial"/>
-        <a:font script="Bugi" typeface="Leelawadee UI"/>
-        <a:font script="Bopo" typeface="Microsoft JhengHei"/>
-        <a:font script="Java" typeface="Javanese Text"/>
-        <a:font script="Lisu" typeface="Segoe UI"/>
-        <a:font script="Mymr" typeface="Myanmar Text"/>
-        <a:font script="Nkoo" typeface="Ebrima"/>
-        <a:font script="Olck" typeface="Nirmala UI"/>
-        <a:font script="Osma" typeface="Ebrima"/>
-        <a:font script="Phag" typeface="Phagspa"/>
-        <a:font script="Syrn" typeface="Estrangelo Edessa"/>
-        <a:font script="Syrj" typeface="Estrangelo Edessa"/>
-        <a:font script="Syre" typeface="Estrangelo Edessa"/>
-        <a:font script="Sora" typeface="Nirmala UI"/>
-        <a:font script="Tale" typeface="Microsoft Tai Le"/>
-        <a:font script="Talu" typeface="Microsoft New Tai Lue"/>
-        <a:font script="Tfng" typeface="Ebrima"/>
       </a:minorFont>
     </a:fontScheme>
-    <a:fmtScheme name="Verve">
+    <a:fmtScheme name="Gallery">
       <a:fillStyleLst>
         <a:solidFill>
           <a:schemeClr val="phClr"/>
@@ -22654,69 +23928,64 @@
           <a:gsLst>
             <a:gs pos="0">
               <a:schemeClr val="phClr">
-                <a:tint val="10000"/>
-                <a:satMod val="300000"/>
-              </a:schemeClr>
-            </a:gs>
-            <a:gs pos="34000">
-              <a:schemeClr val="phClr">
-                <a:tint val="13500"/>
-                <a:satMod val="250000"/>
+                <a:tint val="54000"/>
+                <a:alpha val="100000"/>
+                <a:satMod val="105000"/>
+                <a:lumMod val="110000"/>
               </a:schemeClr>
             </a:gs>
             <a:gs pos="100000">
               <a:schemeClr val="phClr">
-                <a:tint val="60000"/>
-                <a:satMod val="200000"/>
+                <a:tint val="78000"/>
+                <a:alpha val="92000"/>
+                <a:satMod val="109000"/>
+                <a:lumMod val="100000"/>
               </a:schemeClr>
             </a:gs>
           </a:gsLst>
-          <a:path path="circle">
-            <a:fillToRect l="50000" t="155000" r="50000" b="-55000"/>
-          </a:path>
+          <a:lin ang="5400000" scaled="0"/>
         </a:gradFill>
         <a:gradFill rotWithShape="1">
           <a:gsLst>
             <a:gs pos="0">
               <a:schemeClr val="phClr">
-                <a:tint val="60000"/>
-                <a:satMod val="160000"/>
+                <a:tint val="98000"/>
+                <a:satMod val="110000"/>
+                <a:lumMod val="104000"/>
               </a:schemeClr>
             </a:gs>
-            <a:gs pos="46000">
+            <a:gs pos="69000">
               <a:schemeClr val="phClr">
-                <a:tint val="86000"/>
-                <a:satMod val="160000"/>
+                <a:shade val="88000"/>
+                <a:satMod val="130000"/>
+                <a:lumMod val="92000"/>
               </a:schemeClr>
             </a:gs>
             <a:gs pos="100000">
               <a:schemeClr val="phClr">
-                <a:shade val="40000"/>
-                <a:satMod val="160000"/>
+                <a:shade val="78000"/>
+                <a:satMod val="130000"/>
+                <a:lumMod val="92000"/>
               </a:schemeClr>
             </a:gs>
           </a:gsLst>
-          <a:path path="circle">
-            <a:fillToRect l="50000" t="155000" r="50000" b="-55000"/>
-          </a:path>
+          <a:lin ang="5400000" scaled="0"/>
         </a:gradFill>
       </a:fillStyleLst>
       <a:lnStyleLst>
         <a:ln w="9525" cap="flat" cmpd="sng" algn="ctr">
           <a:solidFill>
-            <a:schemeClr val="phClr">
-              <a:satMod val="120000"/>
-            </a:schemeClr>
+            <a:schemeClr val="phClr"/>
           </a:solidFill>
           <a:prstDash val="solid"/>
         </a:ln>
-        <a:ln w="25400" cap="flat" cmpd="sng" algn="ctr">
+        <a:ln w="15875" cap="flat" cmpd="sng" algn="ctr">
           <a:solidFill>
             <a:schemeClr val="phClr"/>
           </a:solidFill>
           <a:prstDash val="solid"/>
         </a:ln>
-        <a:ln w="38100" cap="flat" cmpd="sng" algn="ctr">
+        <a:ln w="22225" cap="flat" cmpd="sng" algn="ctr">
           <a:solidFill>
             <a:schemeClr val="phClr"/>
           </a:solidFill>
@@ -22725,44 +23994,29 @@
       </a:lnStyleLst>
       <a:effectStyleLst>
         <a:effectStyle>
-          <a:effectLst>
-            <a:outerShdw blurRad="63500" dist="25400" dir="14700000" algn="t" rotWithShape="0">
-              <a:srgbClr val="000000">
-                <a:alpha val="50000"/>
-              </a:srgbClr>
-            </a:outerShdw>
-          </a:effectLst>
+          <a:effectLst/>
+        </a:effectStyle>
+        <a:effectStyle>
+          <a:effectLst/>
         </a:effectStyle>
         <a:effectStyle>
           <a:effectLst>
-            <a:outerShdw blurRad="50800" dist="38100" dir="14700000" algn="t" rotWithShape="0">
+            <a:outerShdw blurRad="50800" dist="50800" dir="5400000" sx="96000" sy="96000" rotWithShape="0">
               <a:srgbClr val="000000">
-                <a:alpha val="60000"/>
-              </a:srgbClr>
-            </a:outerShdw>
-          </a:effectLst>
-        </a:effectStyle>
-        <a:effectStyle>
-          <a:effectLst>
-            <a:outerShdw blurRad="50800" dist="38100" dir="14700000" algn="t" rotWithShape="0">
-              <a:srgbClr val="000000">
-                <a:alpha val="60000"/>
+                <a:alpha val="48000"/>
               </a:srgbClr>
             </a:outerShdw>
           </a:effectLst>
           <a:scene3d>
-            <a:camera prst="orthographicFront" fov="0">
+            <a:camera prst="orthographicFront">
               <a:rot lat="0" lon="0" rev="0"/>
             </a:camera>
-            <a:lightRig rig="contrasting" dir="t">
-              <a:rot lat="0" lon="0" rev="3600000"/>
+            <a:lightRig rig="balanced" dir="t">
+              <a:rot lat="0" lon="0" rev="1080000"/>
             </a:lightRig>
           </a:scene3d>
-          <a:sp3d prstMaterial="plastic">
-            <a:bevelT w="127000" h="38200" prst="relaxedInset"/>
-            <a:contourClr>
-              <a:schemeClr val="phClr"/>
-            </a:contourClr>
+          <a:sp3d>
+            <a:bevelT w="38100" h="12700" prst="softRound"/>
           </a:sp3d>
         </a:effectStyle>
       </a:effectStyleLst>
@@ -22771,37 +24025,26 @@
           <a:schemeClr val="phClr"/>
         </a:solidFill>
         <a:solidFill>
-          <a:schemeClr val="phClr">
-            <a:tint val="95000"/>
-            <a:satMod val="170000"/>
-          </a:schemeClr>
+          <a:schemeClr val="phClr"/>
         </a:solidFill>
         <a:gradFill rotWithShape="1">
           <a:gsLst>
             <a:gs pos="0">
               <a:schemeClr val="phClr">
-                <a:tint val="93000"/>
-                <a:satMod val="150000"/>
-                <a:shade val="98000"/>
-                <a:lumMod val="102000"/>
-              </a:schemeClr>
-            </a:gs>
-            <a:gs pos="50000">
-              <a:schemeClr val="phClr">
-                <a:tint val="98000"/>
-                <a:satMod val="130000"/>
-                <a:shade val="90000"/>
-                <a:lumMod val="103000"/>
+                <a:tint val="94000"/>
+                <a:satMod val="80000"/>
+                <a:lumMod val="106000"/>
               </a:schemeClr>
             </a:gs>
             <a:gs pos="100000">
               <a:schemeClr val="phClr">
-                <a:shade val="63000"/>
-                <a:satMod val="120000"/>
+                <a:shade val="80000"/>
               </a:schemeClr>
             </a:gs>
           </a:gsLst>
-          <a:lin ang="5400000" scaled="0"/>
+          <a:path path="circle">
+            <a:fillToRect l="50000" t="50000" r="50000" b="50000"/>
+          </a:path>
         </a:gradFill>
       </a:bgFillStyleLst>
     </a:fmtScheme>
@@ -22810,7 +24053,7 @@
   <a:extraClrSchemeLst/>
   <a:extLst>
     <a:ext uri="{05A4C25C-085E-4340-85A3-A5531E510DB2}">
-      <thm15:themeFamily xmlns:thm15="http://schemas.microsoft.com/office/thememl/2012/main" name="Office Theme" id="{62F939B6-93AF-4DB8-9C6B-D6C7DFDC589F}" vid="{4A3C46E8-61CC-4603-A589-7422A47A8E4A}"/>
+      <thm15:themeFamily xmlns:thm15="http://schemas.microsoft.com/office/thememl/2012/main" name="Gallery" id="{BBFCD31E-59A1-489D-B089-A3EAD7CAE12E}" vid="{F5E91637-A7B6-4E27-B710-77DA7014EE1E}"/>
     </a:ext>
   </a:extLst>
 </a:theme>
@@ -23102,6 +24345,21 @@
 </file>
 
 <file path=customXml/item1.xml><?xml version="1.0" encoding="utf-8"?>
+<p:properties xmlns:p="http://schemas.microsoft.com/office/2006/metadata/properties" xmlns:xsi="http://www.w3.org/2001/XMLSchema-instance" xmlns:pc="http://schemas.microsoft.com/office/infopath/2007/PartnerControls">
+  <documentManagement/>
+</p:properties>
+</file>
+
+<file path=customXml/item2.xml><?xml version="1.0" encoding="utf-8"?>
+<?mso-contentType ?>
+<FormTemplates xmlns="http://schemas.microsoft.com/sharepoint/v3/contenttype/forms">
+  <Display>DocumentLibraryForm</Display>
+  <Edit>DocumentLibraryForm</Edit>
+  <New>DocumentLibraryForm</New>
+</FormTemplates>
+</file>
+
+<file path=customXml/item3.xml><?xml version="1.0" encoding="utf-8"?>
 <ct:contentTypeSchema xmlns:ct="http://schemas.microsoft.com/office/2006/metadata/contentType" xmlns:ma="http://schemas.microsoft.com/office/2006/metadata/properties/metaAttributes" ct:_="" ma:_="" ma:contentTypeName="Document" ma:contentTypeID="0x010100D00FBA762A8B4A4AB2389BE0BCE3C83F" ma:contentTypeVersion="10" ma:contentTypeDescription="Create a new document." ma:contentTypeScope="" ma:versionID="0f3e2685ea47f4ebc3624ed417f13537">
   <xsd:schema xmlns:xsd="http://www.w3.org/2001/XMLSchema" xmlns:xs="http://www.w3.org/2001/XMLSchema" xmlns:p="http://schemas.microsoft.com/office/2006/metadata/properties" xmlns:ns2="9a51ea1a-1b1e-41ef-b441-1ee4f2fd8669" xmlns:ns3="1715a332-6e4d-4cad-94c4-6bada4eb9966" targetNamespace="http://schemas.microsoft.com/office/2006/metadata/properties" ma:root="true" ma:fieldsID="c0969c2d596e33b812740b722f5f53ca" ns2:_="" ns3:_="">
     <xsd:import namespace="9a51ea1a-1b1e-41ef-b441-1ee4f2fd8669"/>
@@ -23306,22 +24564,32 @@
 </ct:contentTypeSchema>
 </file>
 
-<file path=customXml/item2.xml><?xml version="1.0" encoding="utf-8"?>
-<?mso-contentType ?>
-<FormTemplates xmlns="http://schemas.microsoft.com/sharepoint/v3/contenttype/forms">
-  <Display>DocumentLibraryForm</Display>
-  <Edit>DocumentLibraryForm</Edit>
-  <New>DocumentLibraryForm</New>
-</FormTemplates>
+<file path=customXml/itemProps1.xml><?xml version="1.0" encoding="utf-8"?>
+<ds:datastoreItem xmlns:ds="http://schemas.openxmlformats.org/officeDocument/2006/customXml" ds:itemID="{8CEC2339-1C1C-416D-9A21-94E8CFA5CBF4}">
+  <ds:schemaRefs>
+    <ds:schemaRef ds:uri="http://schemas.microsoft.com/office/2006/metadata/properties"/>
+    <ds:schemaRef ds:uri="http://purl.org/dc/terms/"/>
+    <ds:schemaRef ds:uri="http://schemas.microsoft.com/office/2006/documentManagement/types"/>
+    <ds:schemaRef ds:uri="http://purl.org/dc/elements/1.1/"/>
+    <ds:schemaRef ds:uri="9a51ea1a-1b1e-41ef-b441-1ee4f2fd8669"/>
+    <ds:schemaRef ds:uri="http://purl.org/dc/dcmitype/"/>
+    <ds:schemaRef ds:uri="http://schemas.microsoft.com/office/infopath/2007/PartnerControls"/>
+    <ds:schemaRef ds:uri="http://schemas.openxmlformats.org/package/2006/metadata/core-properties"/>
+    <ds:schemaRef ds:uri="1715a332-6e4d-4cad-94c4-6bada4eb9966"/>
+    <ds:schemaRef ds:uri="http://www.w3.org/XML/1998/namespace"/>
+  </ds:schemaRefs>
+</ds:datastoreItem>
 </file>
 
-<file path=customXml/item3.xml><?xml version="1.0" encoding="utf-8"?>
-<p:properties xmlns:p="http://schemas.microsoft.com/office/2006/metadata/properties" xmlns:xsi="http://www.w3.org/2001/XMLSchema-instance" xmlns:pc="http://schemas.microsoft.com/office/infopath/2007/PartnerControls">
-  <documentManagement/>
-</p:properties>
+<file path=customXml/itemProps2.xml><?xml version="1.0" encoding="utf-8"?>
+<ds:datastoreItem xmlns:ds="http://schemas.openxmlformats.org/officeDocument/2006/customXml" ds:itemID="{92F2D375-1062-4EE6-861C-05377A63E419}">
+  <ds:schemaRefs>
+    <ds:schemaRef ds:uri="http://schemas.microsoft.com/sharepoint/v3/contenttype/forms"/>
+  </ds:schemaRefs>
+</ds:datastoreItem>
 </file>
 
-<file path=customXml/itemProps1.xml><?xml version="1.0" encoding="utf-8"?>
+<file path=customXml/itemProps3.xml><?xml version="1.0" encoding="utf-8"?>
 <ds:datastoreItem xmlns:ds="http://schemas.openxmlformats.org/officeDocument/2006/customXml" ds:itemID="{39179B27-CBA1-4175-8B64-42FE0F853D87}">
   <ds:schemaRefs>
     <ds:schemaRef ds:uri="http://schemas.microsoft.com/office/2006/metadata/contentType"/>
@@ -23338,29 +24606,4 @@
     <ds:schemaRef ds:uri="http://schemas.microsoft.com/internal/obd"/>
   </ds:schemaRefs>
 </ds:datastoreItem>
-</file>
-
-<file path=customXml/itemProps2.xml><?xml version="1.0" encoding="utf-8"?>
-<ds:datastoreItem xmlns:ds="http://schemas.openxmlformats.org/officeDocument/2006/customXml" ds:itemID="{92F2D375-1062-4EE6-861C-05377A63E419}">
-  <ds:schemaRefs>
-    <ds:schemaRef ds:uri="http://schemas.microsoft.com/sharepoint/v3/contenttype/forms"/>
-  </ds:schemaRefs>
-</ds:datastoreItem>
-</file>
-
-<file path=customXml/itemProps3.xml><?xml version="1.0" encoding="utf-8"?>
-<ds:datastoreItem xmlns:ds="http://schemas.openxmlformats.org/officeDocument/2006/customXml" ds:itemID="{8CEC2339-1C1C-416D-9A21-94E8CFA5CBF4}">
-  <ds:schemaRefs>
-    <ds:schemaRef ds:uri="http://schemas.microsoft.com/office/2006/metadata/properties"/>
-    <ds:schemaRef ds:uri="http://purl.org/dc/terms/"/>
-    <ds:schemaRef ds:uri="http://schemas.microsoft.com/office/2006/documentManagement/types"/>
-    <ds:schemaRef ds:uri="http://purl.org/dc/elements/1.1/"/>
-    <ds:schemaRef ds:uri="9a51ea1a-1b1e-41ef-b441-1ee4f2fd8669"/>
-    <ds:schemaRef ds:uri="http://purl.org/dc/dcmitype/"/>
-    <ds:schemaRef ds:uri="http://schemas.microsoft.com/office/infopath/2007/PartnerControls"/>
-    <ds:schemaRef ds:uri="http://schemas.openxmlformats.org/package/2006/metadata/core-properties"/>
-    <ds:schemaRef ds:uri="1715a332-6e4d-4cad-94c4-6bada4eb9966"/>
-    <ds:schemaRef ds:uri="http://www.w3.org/XML/1998/namespace"/>
-  </ds:schemaRefs>
-</ds:datastoreItem>
 </file>